--- a/Presentatie/iteratie2.pptx
+++ b/Presentatie/iteratie2.pptx
@@ -5,7 +5,7 @@
     <p:sldMasterId id="2147483708" r:id="rId1"/>
   </p:sldMasterIdLst>
   <p:notesMasterIdLst>
-    <p:notesMasterId r:id="rId14"/>
+    <p:notesMasterId r:id="rId13"/>
   </p:notesMasterIdLst>
   <p:sldIdLst>
     <p:sldId id="256" r:id="rId2"/>
@@ -17,9 +17,8 @@
     <p:sldId id="261" r:id="rId8"/>
     <p:sldId id="265" r:id="rId9"/>
     <p:sldId id="266" r:id="rId10"/>
-    <p:sldId id="264" r:id="rId11"/>
-    <p:sldId id="267" r:id="rId12"/>
-    <p:sldId id="262" r:id="rId13"/>
+    <p:sldId id="267" r:id="rId11"/>
+    <p:sldId id="262" r:id="rId12"/>
   </p:sldIdLst>
   <p:sldSz cx="9144000" cy="6858000" type="screen4x3"/>
   <p:notesSz cx="6858000" cy="9144000"/>
@@ -555,174 +554,6 @@
 </p:notes>
 </file>
 
-<file path=ppt/notesSlides/notesSlide10.xml><?xml version="1.0" encoding="utf-8"?>
-<p:notes xmlns:a="http://schemas.openxmlformats.org/drawingml/2006/main" xmlns:r="http://schemas.openxmlformats.org/officeDocument/2006/relationships" xmlns:p="http://schemas.openxmlformats.org/presentationml/2006/main">
-  <p:cSld>
-    <p:spTree>
-      <p:nvGrpSpPr>
-        <p:cNvPr id="1" name=""/>
-        <p:cNvGrpSpPr/>
-        <p:nvPr/>
-      </p:nvGrpSpPr>
-      <p:grpSpPr>
-        <a:xfrm>
-          <a:off x="0" y="0"/>
-          <a:ext cx="0" cy="0"/>
-          <a:chOff x="0" y="0"/>
-          <a:chExt cx="0" cy="0"/>
-        </a:xfrm>
-      </p:grpSpPr>
-      <p:sp>
-        <p:nvSpPr>
-          <p:cNvPr id="2" name="Tijdelijke aanduiding voor dia-afbeelding 1"/>
-          <p:cNvSpPr>
-            <a:spLocks noGrp="1" noRot="1" noChangeAspect="1"/>
-          </p:cNvSpPr>
-          <p:nvPr>
-            <p:ph type="sldImg"/>
-          </p:nvPr>
-        </p:nvSpPr>
-        <p:spPr/>
-      </p:sp>
-      <p:sp>
-        <p:nvSpPr>
-          <p:cNvPr id="3" name="Tijdelijke aanduiding voor notities 2"/>
-          <p:cNvSpPr>
-            <a:spLocks noGrp="1"/>
-          </p:cNvSpPr>
-          <p:nvPr>
-            <p:ph type="body" idx="1"/>
-          </p:nvPr>
-        </p:nvSpPr>
-        <p:spPr/>
-        <p:txBody>
-          <a:bodyPr/>
-          <a:lstStyle/>
-          <a:p>
-            <a:r>
-              <a:rPr lang="en-US" dirty="0" smtClean="0"/>
-              <a:t>For our unit</a:t>
-            </a:r>
-            <a:r>
-              <a:rPr lang="en-US" baseline="0" dirty="0" smtClean="0"/>
-              <a:t> tests we use </a:t>
-            </a:r>
-            <a:r>
-              <a:rPr lang="en-US" baseline="0" dirty="0" err="1" smtClean="0"/>
-              <a:t>Junit</a:t>
-            </a:r>
-            <a:r>
-              <a:rPr lang="en-US" baseline="0" dirty="0" smtClean="0"/>
-              <a:t>. We only tested the public methods of our most important classes, </a:t>
-            </a:r>
-            <a:r>
-              <a:rPr lang="en-US" baseline="0" dirty="0" err="1" smtClean="0"/>
-              <a:t>boxgenerator</a:t>
-            </a:r>
-            <a:r>
-              <a:rPr lang="en-US" baseline="0" dirty="0" smtClean="0"/>
-              <a:t>, </a:t>
-            </a:r>
-            <a:r>
-              <a:rPr lang="en-US" baseline="0" dirty="0" err="1" smtClean="0"/>
-              <a:t>shapetree</a:t>
-            </a:r>
-            <a:r>
-              <a:rPr lang="en-US" baseline="0" dirty="0" smtClean="0"/>
-              <a:t>, and </a:t>
-            </a:r>
-            <a:r>
-              <a:rPr lang="en-US" baseline="0" dirty="0" err="1" smtClean="0"/>
-              <a:t>shapetreenode</a:t>
-            </a:r>
-            <a:r>
-              <a:rPr lang="en-US" baseline="0" dirty="0" smtClean="0"/>
-              <a:t>. </a:t>
-            </a:r>
-          </a:p>
-          <a:p>
-            <a:r>
-              <a:rPr lang="en-US" baseline="0" dirty="0" smtClean="0"/>
-              <a:t>We tested on invalid input, empty input, etc… We also created a scenario to test the builder. We watched if the </a:t>
-            </a:r>
-            <a:r>
-              <a:rPr lang="en-US" baseline="0" dirty="0" err="1" smtClean="0"/>
-              <a:t>visualisation</a:t>
-            </a:r>
-            <a:r>
-              <a:rPr lang="en-US" baseline="0" dirty="0" smtClean="0"/>
-              <a:t> of the scenario matched our expectations for this test.</a:t>
-            </a:r>
-          </a:p>
-          <a:p>
-            <a:r>
-              <a:rPr lang="en-US" baseline="0" dirty="0" smtClean="0"/>
-              <a:t>In the tests of </a:t>
-            </a:r>
-            <a:r>
-              <a:rPr lang="en-US" baseline="0" dirty="0" err="1" smtClean="0"/>
-              <a:t>boxgenerator</a:t>
-            </a:r>
-            <a:r>
-              <a:rPr lang="en-US" baseline="0" dirty="0" smtClean="0"/>
-              <a:t> we used mocking. This is because this class makes use of a </a:t>
-            </a:r>
-            <a:r>
-              <a:rPr lang="en-US" baseline="0" dirty="0" err="1" smtClean="0"/>
-              <a:t>MeasureFetcher</a:t>
-            </a:r>
-            <a:r>
-              <a:rPr lang="en-US" baseline="0" dirty="0" smtClean="0"/>
-              <a:t>. Since that class relies on the database, it is impossible to test. We thus created a mock of the </a:t>
-            </a:r>
-            <a:r>
-              <a:rPr lang="en-US" baseline="0" dirty="0" err="1" smtClean="0"/>
-              <a:t>measurefetcher</a:t>
-            </a:r>
-            <a:r>
-              <a:rPr lang="en-US" baseline="0" dirty="0" smtClean="0"/>
-              <a:t>. </a:t>
-            </a:r>
-            <a:endParaRPr lang="nl-BE" dirty="0"/>
-          </a:p>
-        </p:txBody>
-      </p:sp>
-      <p:sp>
-        <p:nvSpPr>
-          <p:cNvPr id="4" name="Tijdelijke aanduiding voor dianummer 3"/>
-          <p:cNvSpPr>
-            <a:spLocks noGrp="1"/>
-          </p:cNvSpPr>
-          <p:nvPr>
-            <p:ph type="sldNum" sz="quarter" idx="10"/>
-          </p:nvPr>
-        </p:nvSpPr>
-        <p:spPr/>
-        <p:txBody>
-          <a:bodyPr/>
-          <a:lstStyle/>
-          <a:p>
-            <a:fld id="{A6AC7D50-7257-44CB-B386-86C241CB44AC}" type="slidenum">
-              <a:rPr lang="nl-BE" smtClean="0"/>
-              <a:t>11</a:t>
-            </a:fld>
-            <a:endParaRPr lang="nl-BE"/>
-          </a:p>
-        </p:txBody>
-      </p:sp>
-    </p:spTree>
-    <p:extLst>
-      <p:ext uri="{BB962C8B-B14F-4D97-AF65-F5344CB8AC3E}">
-        <p14:creationId xmlns:p14="http://schemas.microsoft.com/office/powerpoint/2010/main" val="1948290493"/>
-      </p:ext>
-    </p:extLst>
-  </p:cSld>
-  <p:clrMapOvr>
-    <a:masterClrMapping/>
-  </p:clrMapOvr>
-</p:notes>
-</file>
-
 <file path=ppt/notesSlides/notesSlide2.xml><?xml version="1.0" encoding="utf-8"?>
 <p:notes xmlns:a="http://schemas.openxmlformats.org/drawingml/2006/main" xmlns:r="http://schemas.openxmlformats.org/officeDocument/2006/relationships" xmlns:p="http://schemas.openxmlformats.org/presentationml/2006/main">
   <p:cSld>
@@ -1749,7 +1580,7 @@
           <a:p>
             <a:r>
               <a:rPr lang="en-US" baseline="0" dirty="0" smtClean="0"/>
-              <a:t>We also created a “toolbox” class, with static methods that are used in different classes. It includes a method to scale an array, a method to split a string on given delimiters, …</a:t>
+              <a:t>For the drawing specific part of the assignment, we also had to make some major decisions. </a:t>
             </a:r>
           </a:p>
           <a:p>
@@ -1757,9 +1588,195 @@
           </a:p>
           <a:p>
             <a:r>
-              <a:rPr lang="en-US" baseline="0" dirty="0" smtClean="0"/>
-              <a:t>For the drawing specific part of the assignment, we also had to make some major decisions. See next slide.</a:t>
-            </a:r>
+              <a:rPr lang="en-US" sz="1200" b="0" i="0" u="none" strike="noStrike" kern="1200" baseline="0" dirty="0" smtClean="0">
+                <a:solidFill>
+                  <a:schemeClr val="tx1"/>
+                </a:solidFill>
+                <a:latin typeface="+mn-lt"/>
+                <a:ea typeface="+mn-ea"/>
+                <a:cs typeface="+mn-cs"/>
+              </a:rPr>
+              <a:t>To simplify the drawing, and to make it extendable, we created a </a:t>
+            </a:r>
+            <a:r>
+              <a:rPr lang="en-US" sz="1200" b="0" i="0" u="none" strike="noStrike" kern="1200" baseline="0" dirty="0" err="1" smtClean="0">
+                <a:solidFill>
+                  <a:schemeClr val="tx1"/>
+                </a:solidFill>
+                <a:latin typeface="+mn-lt"/>
+                <a:ea typeface="+mn-ea"/>
+                <a:cs typeface="+mn-cs"/>
+              </a:rPr>
+              <a:t>drawingstrategy</a:t>
+            </a:r>
+            <a:r>
+              <a:rPr lang="en-US" sz="1200" b="0" i="0" u="none" strike="noStrike" kern="1200" baseline="0" dirty="0" smtClean="0">
+                <a:solidFill>
+                  <a:schemeClr val="tx1"/>
+                </a:solidFill>
+                <a:latin typeface="+mn-lt"/>
+                <a:ea typeface="+mn-ea"/>
+                <a:cs typeface="+mn-cs"/>
+              </a:rPr>
+              <a:t>. Each plot has a strategy for all properties of its shapes, for example: scatterplot has a width, height and color property. In these properties, a strategy is stored. This way, the plot generator does not need to worry about “should this square be gray, or red, or …” the strategy takes care of generating the values for shape properties. </a:t>
+            </a:r>
+          </a:p>
+          <a:p>
+            <a:endParaRPr lang="en-US" sz="1200" b="0" i="0" u="none" strike="noStrike" kern="1200" baseline="0" dirty="0" smtClean="0">
+              <a:solidFill>
+                <a:schemeClr val="tx1"/>
+              </a:solidFill>
+              <a:latin typeface="+mn-lt"/>
+              <a:ea typeface="+mn-ea"/>
+              <a:cs typeface="+mn-cs"/>
+            </a:endParaRPr>
+          </a:p>
+          <a:p>
+            <a:r>
+              <a:rPr lang="en-US" sz="1200" b="0" i="0" u="none" strike="noStrike" kern="1200" baseline="0" dirty="0" smtClean="0">
+                <a:solidFill>
+                  <a:schemeClr val="tx1"/>
+                </a:solidFill>
+                <a:latin typeface="+mn-lt"/>
+                <a:ea typeface="+mn-ea"/>
+                <a:cs typeface="+mn-cs"/>
+              </a:rPr>
+              <a:t>To separate the internal representation from the </a:t>
+            </a:r>
+            <a:r>
+              <a:rPr lang="en-US" sz="1200" b="0" i="0" u="none" strike="noStrike" kern="1200" baseline="0" dirty="0" err="1" smtClean="0">
+                <a:solidFill>
+                  <a:schemeClr val="tx1"/>
+                </a:solidFill>
+                <a:latin typeface="+mn-lt"/>
+                <a:ea typeface="+mn-ea"/>
+                <a:cs typeface="+mn-cs"/>
+              </a:rPr>
+              <a:t>visualisation</a:t>
+            </a:r>
+            <a:r>
+              <a:rPr lang="en-US" sz="1200" b="0" i="0" u="none" strike="noStrike" kern="1200" baseline="0" dirty="0" smtClean="0">
+                <a:solidFill>
+                  <a:schemeClr val="tx1"/>
+                </a:solidFill>
+                <a:latin typeface="+mn-lt"/>
+                <a:ea typeface="+mn-ea"/>
+                <a:cs typeface="+mn-cs"/>
+              </a:rPr>
+              <a:t> of the chart, we used a builder. This way we can create different representations with the same constructions. This allows us to extend our plugin with different backend technology. </a:t>
+            </a:r>
+            <a:r>
+              <a:rPr lang="nl-BE" sz="1200" b="0" i="0" u="none" strike="noStrike" kern="1200" baseline="0" dirty="0" smtClean="0">
+                <a:solidFill>
+                  <a:schemeClr val="tx1"/>
+                </a:solidFill>
+                <a:latin typeface="+mn-lt"/>
+                <a:ea typeface="+mn-ea"/>
+                <a:cs typeface="+mn-cs"/>
+              </a:rPr>
+              <a:t>The Builder object</a:t>
+            </a:r>
+          </a:p>
+          <a:p>
+            <a:r>
+              <a:rPr lang="en-US" sz="1200" b="0" i="0" u="none" strike="noStrike" kern="1200" baseline="0" dirty="0" smtClean="0">
+                <a:solidFill>
+                  <a:schemeClr val="tx1"/>
+                </a:solidFill>
+                <a:latin typeface="+mn-lt"/>
+                <a:ea typeface="+mn-ea"/>
+                <a:cs typeface="+mn-cs"/>
+              </a:rPr>
+              <a:t>provides </a:t>
+            </a:r>
+            <a:r>
+              <a:rPr lang="en-US" sz="1200" b="0" i="0" u="none" strike="noStrike" kern="1200" baseline="0" dirty="0" err="1" smtClean="0">
+                <a:solidFill>
+                  <a:schemeClr val="tx1"/>
+                </a:solidFill>
+                <a:latin typeface="+mn-lt"/>
+                <a:ea typeface="+mn-ea"/>
+                <a:cs typeface="+mn-cs"/>
+              </a:rPr>
+              <a:t>PolymorphicChartGenerator</a:t>
+            </a:r>
+            <a:r>
+              <a:rPr lang="en-US" sz="1200" b="0" i="0" u="none" strike="noStrike" kern="1200" baseline="0" dirty="0" smtClean="0">
+                <a:solidFill>
+                  <a:schemeClr val="tx1"/>
+                </a:solidFill>
+                <a:latin typeface="+mn-lt"/>
+                <a:ea typeface="+mn-ea"/>
+                <a:cs typeface="+mn-cs"/>
+              </a:rPr>
+              <a:t> with an abstract interface for constructing the</a:t>
+            </a:r>
+          </a:p>
+          <a:p>
+            <a:r>
+              <a:rPr lang="en-US" sz="1200" b="0" i="0" u="none" strike="noStrike" kern="1200" baseline="0" dirty="0" smtClean="0">
+                <a:solidFill>
+                  <a:schemeClr val="tx1"/>
+                </a:solidFill>
+                <a:latin typeface="+mn-lt"/>
+                <a:ea typeface="+mn-ea"/>
+                <a:cs typeface="+mn-cs"/>
+              </a:rPr>
+              <a:t>chart. This way, the builder does not know about how the chart looks. It only knows that it has to draw a lot of shapes. Because the chart is constructed through an abstract interface, all you</a:t>
+            </a:r>
+          </a:p>
+          <a:p>
+            <a:r>
+              <a:rPr lang="en-US" sz="1200" b="0" i="0" u="none" strike="noStrike" kern="1200" baseline="0" dirty="0" smtClean="0">
+                <a:solidFill>
+                  <a:schemeClr val="tx1"/>
+                </a:solidFill>
+                <a:latin typeface="+mn-lt"/>
+                <a:ea typeface="+mn-ea"/>
+                <a:cs typeface="+mn-cs"/>
+              </a:rPr>
+              <a:t>have to do to change the </a:t>
+            </a:r>
+            <a:r>
+              <a:rPr lang="en-US" sz="1200" b="0" i="0" u="none" strike="noStrike" kern="1200" baseline="0" dirty="0" err="1" smtClean="0">
+                <a:solidFill>
+                  <a:schemeClr val="tx1"/>
+                </a:solidFill>
+                <a:latin typeface="+mn-lt"/>
+                <a:ea typeface="+mn-ea"/>
+                <a:cs typeface="+mn-cs"/>
+              </a:rPr>
+              <a:t>visualisation</a:t>
+            </a:r>
+            <a:r>
+              <a:rPr lang="en-US" sz="1200" b="0" i="0" u="none" strike="noStrike" kern="1200" baseline="0" dirty="0" smtClean="0">
+                <a:solidFill>
+                  <a:schemeClr val="tx1"/>
+                </a:solidFill>
+                <a:latin typeface="+mn-lt"/>
+                <a:ea typeface="+mn-ea"/>
+                <a:cs typeface="+mn-cs"/>
+              </a:rPr>
+              <a:t> is to define a new</a:t>
+            </a:r>
+          </a:p>
+          <a:p>
+            <a:r>
+              <a:rPr lang="nl-BE" sz="1200" b="0" i="0" u="none" strike="noStrike" kern="1200" baseline="0" dirty="0" smtClean="0">
+                <a:solidFill>
+                  <a:schemeClr val="tx1"/>
+                </a:solidFill>
+                <a:latin typeface="+mn-lt"/>
+                <a:ea typeface="+mn-ea"/>
+                <a:cs typeface="+mn-cs"/>
+              </a:rPr>
+              <a:t>kind of builder.</a:t>
+            </a:r>
+          </a:p>
+          <a:p>
+            <a:endParaRPr lang="en-US" baseline="0" dirty="0" smtClean="0"/>
+          </a:p>
+          <a:p>
             <a:endParaRPr lang="nl-BE" dirty="0"/>
           </a:p>
         </p:txBody>
@@ -1845,192 +1862,97 @@
           <a:lstStyle/>
           <a:p>
             <a:r>
-              <a:rPr lang="en-US" sz="1200" b="0" i="0" u="none" strike="noStrike" kern="1200" baseline="0" dirty="0" smtClean="0">
-                <a:solidFill>
-                  <a:schemeClr val="tx1"/>
-                </a:solidFill>
-                <a:latin typeface="+mn-lt"/>
-                <a:ea typeface="+mn-ea"/>
-                <a:cs typeface="+mn-cs"/>
-              </a:rPr>
-              <a:t>To simplify the drawing, and to make it extendable, we created a </a:t>
-            </a:r>
-            <a:r>
-              <a:rPr lang="en-US" sz="1200" b="0" i="0" u="none" strike="noStrike" kern="1200" baseline="0" dirty="0" err="1" smtClean="0">
-                <a:solidFill>
-                  <a:schemeClr val="tx1"/>
-                </a:solidFill>
-                <a:latin typeface="+mn-lt"/>
-                <a:ea typeface="+mn-ea"/>
-                <a:cs typeface="+mn-cs"/>
-              </a:rPr>
-              <a:t>drawingstrategy</a:t>
-            </a:r>
-            <a:r>
-              <a:rPr lang="en-US" sz="1200" b="0" i="0" u="none" strike="noStrike" kern="1200" baseline="0" dirty="0" smtClean="0">
-                <a:solidFill>
-                  <a:schemeClr val="tx1"/>
-                </a:solidFill>
-                <a:latin typeface="+mn-lt"/>
-                <a:ea typeface="+mn-ea"/>
-                <a:cs typeface="+mn-cs"/>
-              </a:rPr>
-              <a:t>. Each plot has a strategy for all properties of its shapes, for example: scatterplot has a width, height and color property. In these properties, a strategy is stored. This way, the plot generator does not need to worry about “should this square be gray, or red, or …” the strategy takes care of generating the values for shape properties. </a:t>
-            </a:r>
-          </a:p>
-          <a:p>
-            <a:endParaRPr lang="en-US" sz="1200" b="0" i="0" u="none" strike="noStrike" kern="1200" baseline="0" dirty="0" smtClean="0">
-              <a:solidFill>
-                <a:schemeClr val="tx1"/>
-              </a:solidFill>
-              <a:latin typeface="+mn-lt"/>
-              <a:ea typeface="+mn-ea"/>
-              <a:cs typeface="+mn-cs"/>
-            </a:endParaRPr>
-          </a:p>
-          <a:p>
-            <a:r>
-              <a:rPr lang="en-US" sz="1200" b="0" i="0" u="none" strike="noStrike" kern="1200" baseline="0" dirty="0" smtClean="0">
-                <a:solidFill>
-                  <a:schemeClr val="tx1"/>
-                </a:solidFill>
-                <a:latin typeface="+mn-lt"/>
-                <a:ea typeface="+mn-ea"/>
-                <a:cs typeface="+mn-cs"/>
-              </a:rPr>
-              <a:t>To separate the internal representation from the </a:t>
-            </a:r>
-            <a:r>
-              <a:rPr lang="en-US" sz="1200" b="0" i="0" u="none" strike="noStrike" kern="1200" baseline="0" dirty="0" err="1" smtClean="0">
-                <a:solidFill>
-                  <a:schemeClr val="tx1"/>
-                </a:solidFill>
-                <a:latin typeface="+mn-lt"/>
-                <a:ea typeface="+mn-ea"/>
-                <a:cs typeface="+mn-cs"/>
-              </a:rPr>
+              <a:rPr lang="en-US" dirty="0" smtClean="0"/>
+              <a:t>For our unit</a:t>
+            </a:r>
+            <a:r>
+              <a:rPr lang="en-US" baseline="0" dirty="0" smtClean="0"/>
+              <a:t> tests we use </a:t>
+            </a:r>
+            <a:r>
+              <a:rPr lang="en-US" baseline="0" dirty="0" err="1" smtClean="0"/>
+              <a:t>Junit</a:t>
+            </a:r>
+            <a:r>
+              <a:rPr lang="en-US" baseline="0" dirty="0" smtClean="0"/>
+              <a:t>. We only tested the public methods of our most important classes, </a:t>
+            </a:r>
+            <a:r>
+              <a:rPr lang="en-US" baseline="0" dirty="0" err="1" smtClean="0"/>
+              <a:t>boxgenerator</a:t>
+            </a:r>
+            <a:r>
+              <a:rPr lang="en-US" baseline="0" dirty="0" smtClean="0"/>
+              <a:t>, </a:t>
+            </a:r>
+            <a:r>
+              <a:rPr lang="en-US" baseline="0" dirty="0" err="1" smtClean="0"/>
+              <a:t>shapetree</a:t>
+            </a:r>
+            <a:r>
+              <a:rPr lang="en-US" baseline="0" dirty="0" smtClean="0"/>
+              <a:t>, and </a:t>
+            </a:r>
+            <a:r>
+              <a:rPr lang="en-US" baseline="0" dirty="0" err="1" smtClean="0"/>
+              <a:t>shapetreenode</a:t>
+            </a:r>
+            <a:r>
+              <a:rPr lang="en-US" baseline="0" dirty="0" smtClean="0"/>
+              <a:t>. </a:t>
+            </a:r>
+          </a:p>
+          <a:p>
+            <a:r>
+              <a:rPr lang="en-US" baseline="0" dirty="0" smtClean="0"/>
+              <a:t>We tested on invalid input, empty input, etc… We also created a scenario to test the builder. We watched if the </a:t>
+            </a:r>
+            <a:r>
+              <a:rPr lang="en-US" baseline="0" dirty="0" err="1" smtClean="0"/>
               <a:t>visualisation</a:t>
             </a:r>
             <a:r>
-              <a:rPr lang="en-US" sz="1200" b="0" i="0" u="none" strike="noStrike" kern="1200" baseline="0" dirty="0" smtClean="0">
-                <a:solidFill>
-                  <a:schemeClr val="tx1"/>
-                </a:solidFill>
-                <a:latin typeface="+mn-lt"/>
-                <a:ea typeface="+mn-ea"/>
-                <a:cs typeface="+mn-cs"/>
-              </a:rPr>
-              <a:t> of the chart, we used a builder. This way we can create different representations with the same constructions. This allows us to extend our plugin with different backend technology. </a:t>
-            </a:r>
-            <a:r>
-              <a:rPr lang="nl-BE" sz="1200" b="0" i="0" u="none" strike="noStrike" kern="1200" baseline="0" dirty="0" smtClean="0">
-                <a:solidFill>
-                  <a:schemeClr val="tx1"/>
-                </a:solidFill>
-                <a:latin typeface="+mn-lt"/>
-                <a:ea typeface="+mn-ea"/>
-                <a:cs typeface="+mn-cs"/>
-              </a:rPr>
-              <a:t>The Builder object</a:t>
-            </a:r>
-          </a:p>
-          <a:p>
-            <a:r>
-              <a:rPr lang="en-US" sz="1200" b="0" i="0" u="none" strike="noStrike" kern="1200" baseline="0" dirty="0" smtClean="0">
-                <a:solidFill>
-                  <a:schemeClr val="tx1"/>
-                </a:solidFill>
-                <a:latin typeface="+mn-lt"/>
-                <a:ea typeface="+mn-ea"/>
-                <a:cs typeface="+mn-cs"/>
-              </a:rPr>
-              <a:t>provides </a:t>
-            </a:r>
-            <a:r>
-              <a:rPr lang="en-US" sz="1200" b="0" i="0" u="none" strike="noStrike" kern="1200" baseline="0" dirty="0" err="1" smtClean="0">
-                <a:solidFill>
-                  <a:schemeClr val="tx1"/>
-                </a:solidFill>
-                <a:latin typeface="+mn-lt"/>
-                <a:ea typeface="+mn-ea"/>
-                <a:cs typeface="+mn-cs"/>
-              </a:rPr>
-              <a:t>PolymorphicChartGenerator</a:t>
-            </a:r>
-            <a:r>
-              <a:rPr lang="en-US" sz="1200" b="0" i="0" u="none" strike="noStrike" kern="1200" baseline="0" dirty="0" smtClean="0">
-                <a:solidFill>
-                  <a:schemeClr val="tx1"/>
-                </a:solidFill>
-                <a:latin typeface="+mn-lt"/>
-                <a:ea typeface="+mn-ea"/>
-                <a:cs typeface="+mn-cs"/>
-              </a:rPr>
-              <a:t> with an abstract interface for constructing the</a:t>
-            </a:r>
-          </a:p>
-          <a:p>
-            <a:r>
-              <a:rPr lang="en-US" sz="1200" b="0" i="0" u="none" strike="noStrike" kern="1200" baseline="0" dirty="0" smtClean="0">
-                <a:solidFill>
-                  <a:schemeClr val="tx1"/>
-                </a:solidFill>
-                <a:latin typeface="+mn-lt"/>
-                <a:ea typeface="+mn-ea"/>
-                <a:cs typeface="+mn-cs"/>
-              </a:rPr>
-              <a:t>chart. This way, the builder does not know about how the chart looks. It only knows that it has to draw a lot of shapes. Because the chart is constructed through an abstract interface, all you</a:t>
-            </a:r>
-          </a:p>
-          <a:p>
-            <a:r>
-              <a:rPr lang="en-US" sz="1200" b="0" i="0" u="none" strike="noStrike" kern="1200" baseline="0" dirty="0" smtClean="0">
-                <a:solidFill>
-                  <a:schemeClr val="tx1"/>
-                </a:solidFill>
-                <a:latin typeface="+mn-lt"/>
-                <a:ea typeface="+mn-ea"/>
-                <a:cs typeface="+mn-cs"/>
-              </a:rPr>
-              <a:t>have to do to change the </a:t>
-            </a:r>
-            <a:r>
-              <a:rPr lang="en-US" sz="1200" b="0" i="0" u="none" strike="noStrike" kern="1200" baseline="0" dirty="0" err="1" smtClean="0">
-                <a:solidFill>
-                  <a:schemeClr val="tx1"/>
-                </a:solidFill>
-                <a:latin typeface="+mn-lt"/>
-                <a:ea typeface="+mn-ea"/>
-                <a:cs typeface="+mn-cs"/>
-              </a:rPr>
-              <a:t>visualistaion</a:t>
-            </a:r>
-            <a:r>
-              <a:rPr lang="en-US" sz="1200" b="0" i="0" u="none" strike="noStrike" kern="1200" baseline="0" dirty="0" smtClean="0">
-                <a:solidFill>
-                  <a:schemeClr val="tx1"/>
-                </a:solidFill>
-                <a:latin typeface="+mn-lt"/>
-                <a:ea typeface="+mn-ea"/>
-                <a:cs typeface="+mn-cs"/>
-              </a:rPr>
-              <a:t> is to define a new</a:t>
-            </a:r>
-          </a:p>
-          <a:p>
-            <a:r>
-              <a:rPr lang="nl-BE" sz="1200" b="0" i="0" u="none" strike="noStrike" kern="1200" baseline="0" dirty="0" smtClean="0">
-                <a:solidFill>
-                  <a:schemeClr val="tx1"/>
-                </a:solidFill>
-                <a:latin typeface="+mn-lt"/>
-                <a:ea typeface="+mn-ea"/>
-                <a:cs typeface="+mn-cs"/>
-              </a:rPr>
-              <a:t>kind of builder.</a:t>
-            </a:r>
-          </a:p>
-          <a:p>
+              <a:rPr lang="en-US" baseline="0" dirty="0" smtClean="0"/>
+              <a:t> of the scenario matched our expectations for this test.</a:t>
+            </a:r>
+          </a:p>
+          <a:p>
+            <a:r>
+              <a:rPr lang="en-US" baseline="0" dirty="0" smtClean="0"/>
+              <a:t>In the tests of </a:t>
+            </a:r>
+            <a:r>
+              <a:rPr lang="en-US" baseline="0" dirty="0" err="1" smtClean="0"/>
+              <a:t>boxgenerator</a:t>
+            </a:r>
+            <a:r>
+              <a:rPr lang="en-US" baseline="0" dirty="0" smtClean="0"/>
+              <a:t> we used mocking. This is because the </a:t>
+            </a:r>
+            <a:r>
+              <a:rPr lang="en-US" baseline="0" dirty="0" err="1" smtClean="0"/>
+              <a:t>boxgenerator</a:t>
+            </a:r>
+            <a:r>
+              <a:rPr lang="en-US" baseline="0" dirty="0" smtClean="0"/>
+              <a:t> makes use of dependencies which in turn have a strategy that uses the </a:t>
+            </a:r>
+            <a:r>
+              <a:rPr lang="en-US" baseline="0" dirty="0" err="1" smtClean="0"/>
+              <a:t>MeasureFetcher</a:t>
+            </a:r>
+            <a:r>
+              <a:rPr lang="en-US" baseline="0" dirty="0" smtClean="0"/>
+              <a:t>. Since that class relies on the database, it is impossible to test. We thus created a mock of the </a:t>
+            </a:r>
+            <a:r>
+              <a:rPr lang="en-US" baseline="0" dirty="0" err="1" smtClean="0"/>
+              <a:t>measurefetcher</a:t>
+            </a:r>
+            <a:r>
+              <a:rPr lang="en-US" baseline="0" dirty="0" smtClean="0"/>
+              <a:t>. </a:t>
+            </a:r>
             <a:endParaRPr lang="nl-BE" dirty="0"/>
           </a:p>
         </p:txBody>
@@ -2061,7 +1983,7 @@
     </p:spTree>
     <p:extLst>
       <p:ext uri="{BB962C8B-B14F-4D97-AF65-F5344CB8AC3E}">
-        <p14:creationId xmlns:p14="http://schemas.microsoft.com/office/powerpoint/2010/main" val="3722249373"/>
+        <p14:creationId xmlns:p14="http://schemas.microsoft.com/office/powerpoint/2010/main" val="1948290493"/>
       </p:ext>
     </p:extLst>
   </p:cSld>
@@ -6742,15 +6664,9 @@
           <a:p>
             <a:r>
               <a:rPr lang="en-US" dirty="0" smtClean="0"/>
-              <a:t>Strategy </a:t>
-            </a:r>
-          </a:p>
-          <a:p>
-            <a:r>
-              <a:rPr lang="en-US" dirty="0" smtClean="0"/>
-              <a:t>Builder</a:t>
-            </a:r>
-            <a:endParaRPr lang="nl-BE" dirty="0"/>
+              <a:t>Mocking</a:t>
+            </a:r>
+            <a:endParaRPr lang="en-US" dirty="0" smtClean="0"/>
           </a:p>
         </p:txBody>
       </p:sp>
@@ -6789,14 +6705,12 @@
         </p:nvSpPr>
         <p:spPr/>
         <p:txBody>
-          <a:bodyPr>
-            <a:normAutofit/>
-          </a:bodyPr>
+          <a:bodyPr/>
           <a:lstStyle/>
           <a:p>
             <a:r>
               <a:rPr lang="en-US" dirty="0" smtClean="0"/>
-              <a:t>Drawing decisions</a:t>
+              <a:t>Testing</a:t>
             </a:r>
             <a:endParaRPr lang="nl-BE" dirty="0"/>
           </a:p>
@@ -6805,7 +6719,7 @@
     </p:spTree>
     <p:extLst>
       <p:ext uri="{BB962C8B-B14F-4D97-AF65-F5344CB8AC3E}">
-        <p14:creationId xmlns:p14="http://schemas.microsoft.com/office/powerpoint/2010/main" val="2628942062"/>
+        <p14:creationId xmlns:p14="http://schemas.microsoft.com/office/powerpoint/2010/main" val="1987376582"/>
       </p:ext>
     </p:extLst>
   </p:cSld>
@@ -6841,34 +6755,6 @@
       </p:grpSpPr>
       <p:sp>
         <p:nvSpPr>
-          <p:cNvPr id="2" name="Tijdelijke aanduiding voor inhoud 1"/>
-          <p:cNvSpPr>
-            <a:spLocks noGrp="1"/>
-          </p:cNvSpPr>
-          <p:nvPr>
-            <p:ph idx="1"/>
-          </p:nvPr>
-        </p:nvSpPr>
-        <p:spPr/>
-        <p:txBody>
-          <a:bodyPr/>
-          <a:lstStyle/>
-          <a:p>
-            <a:r>
-              <a:rPr lang="en-US" dirty="0" smtClean="0"/>
-              <a:t>Mocking</a:t>
-            </a:r>
-          </a:p>
-          <a:p>
-            <a:r>
-              <a:rPr lang="en-US" dirty="0" smtClean="0"/>
-              <a:t>Coverage</a:t>
-            </a:r>
-          </a:p>
-        </p:txBody>
-      </p:sp>
-      <p:sp>
-        <p:nvSpPr>
           <p:cNvPr id="3" name="Tijdelijke aanduiding voor dianummer 2"/>
           <p:cNvSpPr>
             <a:spLocks noGrp="1"/>
@@ -6885,89 +6771,6 @@
             <a:fld id="{103368D7-ADAF-48A7-9CA7-FB18DA2AC157}" type="slidenum">
               <a:rPr lang="nl-BE" smtClean="0"/>
               <a:t>11</a:t>
-            </a:fld>
-            <a:endParaRPr lang="nl-BE"/>
-          </a:p>
-        </p:txBody>
-      </p:sp>
-      <p:sp>
-        <p:nvSpPr>
-          <p:cNvPr id="4" name="Titel 3"/>
-          <p:cNvSpPr>
-            <a:spLocks noGrp="1"/>
-          </p:cNvSpPr>
-          <p:nvPr>
-            <p:ph type="title"/>
-          </p:nvPr>
-        </p:nvSpPr>
-        <p:spPr/>
-        <p:txBody>
-          <a:bodyPr/>
-          <a:lstStyle/>
-          <a:p>
-            <a:r>
-              <a:rPr lang="en-US" dirty="0" smtClean="0"/>
-              <a:t>Testing</a:t>
-            </a:r>
-            <a:endParaRPr lang="nl-BE" dirty="0"/>
-          </a:p>
-        </p:txBody>
-      </p:sp>
-    </p:spTree>
-    <p:extLst>
-      <p:ext uri="{BB962C8B-B14F-4D97-AF65-F5344CB8AC3E}">
-        <p14:creationId xmlns:p14="http://schemas.microsoft.com/office/powerpoint/2010/main" val="1987376582"/>
-      </p:ext>
-    </p:extLst>
-  </p:cSld>
-  <p:clrMapOvr>
-    <a:masterClrMapping/>
-  </p:clrMapOvr>
-  <p:timing>
-    <p:tnLst>
-      <p:par>
-        <p:cTn id="1" dur="indefinite" restart="never" nodeType="tmRoot"/>
-      </p:par>
-    </p:tnLst>
-  </p:timing>
-</p:sld>
-</file>
-
-<file path=ppt/slides/slide12.xml><?xml version="1.0" encoding="utf-8"?>
-<p:sld xmlns:a="http://schemas.openxmlformats.org/drawingml/2006/main" xmlns:r="http://schemas.openxmlformats.org/officeDocument/2006/relationships" xmlns:p="http://schemas.openxmlformats.org/presentationml/2006/main">
-  <p:cSld>
-    <p:spTree>
-      <p:nvGrpSpPr>
-        <p:cNvPr id="1" name=""/>
-        <p:cNvGrpSpPr/>
-        <p:nvPr/>
-      </p:nvGrpSpPr>
-      <p:grpSpPr>
-        <a:xfrm>
-          <a:off x="0" y="0"/>
-          <a:ext cx="0" cy="0"/>
-          <a:chOff x="0" y="0"/>
-          <a:chExt cx="0" cy="0"/>
-        </a:xfrm>
-      </p:grpSpPr>
-      <p:sp>
-        <p:nvSpPr>
-          <p:cNvPr id="3" name="Tijdelijke aanduiding voor dianummer 2"/>
-          <p:cNvSpPr>
-            <a:spLocks noGrp="1"/>
-          </p:cNvSpPr>
-          <p:nvPr>
-            <p:ph type="sldNum" sz="quarter" idx="12"/>
-          </p:nvPr>
-        </p:nvSpPr>
-        <p:spPr/>
-        <p:txBody>
-          <a:bodyPr/>
-          <a:lstStyle/>
-          <a:p>
-            <a:fld id="{103368D7-ADAF-48A7-9CA7-FB18DA2AC157}" type="slidenum">
-              <a:rPr lang="nl-BE" smtClean="0"/>
-              <a:t>12</a:t>
             </a:fld>
             <a:endParaRPr lang="nl-BE"/>
           </a:p>
@@ -8321,15 +8124,15 @@
           </a:p>
           <a:p>
             <a:r>
-              <a:rPr lang="en-US" dirty="0" err="1" smtClean="0"/>
-              <a:t>Util</a:t>
-            </a:r>
+              <a:rPr lang="en-US" dirty="0"/>
+              <a:t>Strategy </a:t>
+            </a:r>
+          </a:p>
+          <a:p>
             <a:r>
               <a:rPr lang="en-US" dirty="0" smtClean="0"/>
-              <a:t> class</a:t>
-            </a:r>
-          </a:p>
-          <a:p>
+              <a:t>Builder</a:t>
+            </a:r>
             <a:endParaRPr lang="nl-BE" dirty="0"/>
           </a:p>
         </p:txBody>

--- a/Presentatie/iteratie2.pptx
+++ b/Presentatie/iteratie2.pptx
@@ -6666,7 +6666,6 @@
               <a:rPr lang="en-US" dirty="0" smtClean="0"/>
               <a:t>Mocking</a:t>
             </a:r>
-            <a:endParaRPr lang="en-US" dirty="0" smtClean="0"/>
           </a:p>
         </p:txBody>
       </p:sp>
@@ -7490,7 +7489,7 @@
       </p:sp>
       <p:pic>
         <p:nvPicPr>
-          <p:cNvPr id="1031" name="Picture 7" descr="C:\Users\simon\Desktop\Class Diagram2 packaged.jpg"/>
+          <p:cNvPr id="1026" name="Picture 2" descr="C:\Users\simon\Desktop\Programmeren\OSS\oss stuff\class diagram.jpg"/>
           <p:cNvPicPr>
             <a:picLocks noChangeAspect="1" noChangeArrowheads="1"/>
           </p:cNvPicPr>
@@ -7511,8 +7510,8 @@
         </p:blipFill>
         <p:spPr bwMode="auto">
           <a:xfrm>
-            <a:off x="395536" y="1364665"/>
-            <a:ext cx="8223151" cy="4430843"/>
+            <a:off x="323528" y="1200572"/>
+            <a:ext cx="8460432" cy="4558695"/>
           </a:xfrm>
           <a:prstGeom prst="rect">
             <a:avLst/>

--- a/Presentatie/iteratie2.pptx
+++ b/Presentatie/iteratie2.pptx
@@ -117,6 +117,22 @@
       </a:defRPr>
     </a:lvl9pPr>
   </p:defaultTextStyle>
+  <p:extLst>
+    <p:ext uri="{EFAFB233-063F-42B5-8137-9DF3F51BA10A}">
+      <p15:sldGuideLst xmlns:p15="http://schemas.microsoft.com/office/powerpoint/2012/main">
+        <p15:guide id="1" orient="horz" pos="2160">
+          <p15:clr>
+            <a:srgbClr val="A4A3A4"/>
+          </p15:clr>
+        </p15:guide>
+        <p15:guide id="2" pos="2880">
+          <p15:clr>
+            <a:srgbClr val="A4A3A4"/>
+          </p15:clr>
+        </p15:guide>
+      </p15:sldGuideLst>
+    </p:ext>
+  </p:extLst>
 </p:presentation>
 </file>
 
@@ -361,7 +377,7 @@
           <a:p>
             <a:fld id="{A6AC7D50-7257-44CB-B386-86C241CB44AC}" type="slidenum">
               <a:rPr lang="nl-BE" smtClean="0"/>
-              <a:t>‹nr.›</a:t>
+              <a:t>‹#›</a:t>
             </a:fld>
             <a:endParaRPr lang="nl-BE"/>
           </a:p>
@@ -2680,7 +2696,7 @@
           <a:p>
             <a:fld id="{103368D7-ADAF-48A7-9CA7-FB18DA2AC157}" type="slidenum">
               <a:rPr lang="nl-BE" smtClean="0"/>
-              <a:t>‹nr.›</a:t>
+              <a:t>‹#›</a:t>
             </a:fld>
             <a:endParaRPr lang="nl-BE"/>
           </a:p>
@@ -2860,7 +2876,7 @@
           <a:p>
             <a:fld id="{103368D7-ADAF-48A7-9CA7-FB18DA2AC157}" type="slidenum">
               <a:rPr lang="nl-BE" smtClean="0"/>
-              <a:t>‹nr.›</a:t>
+              <a:t>‹#›</a:t>
             </a:fld>
             <a:endParaRPr lang="nl-BE"/>
           </a:p>
@@ -3045,7 +3061,7 @@
           <a:p>
             <a:fld id="{103368D7-ADAF-48A7-9CA7-FB18DA2AC157}" type="slidenum">
               <a:rPr lang="nl-BE" smtClean="0"/>
-              <a:t>‹nr.›</a:t>
+              <a:t>‹#›</a:t>
             </a:fld>
             <a:endParaRPr lang="nl-BE"/>
           </a:p>
@@ -3195,7 +3211,7 @@
           <a:p>
             <a:fld id="{103368D7-ADAF-48A7-9CA7-FB18DA2AC157}" type="slidenum">
               <a:rPr lang="nl-BE" smtClean="0"/>
-              <a:t>‹nr.›</a:t>
+              <a:t>‹#›</a:t>
             </a:fld>
             <a:endParaRPr lang="nl-BE"/>
           </a:p>
@@ -3450,7 +3466,7 @@
           <a:p>
             <a:fld id="{103368D7-ADAF-48A7-9CA7-FB18DA2AC157}" type="slidenum">
               <a:rPr lang="nl-BE" smtClean="0"/>
-              <a:t>‹nr.›</a:t>
+              <a:t>‹#›</a:t>
             </a:fld>
             <a:endParaRPr lang="nl-BE"/>
           </a:p>
@@ -3859,7 +3875,7 @@
           <a:p>
             <a:fld id="{103368D7-ADAF-48A7-9CA7-FB18DA2AC157}" type="slidenum">
               <a:rPr lang="nl-BE" smtClean="0"/>
-              <a:t>‹nr.›</a:t>
+              <a:t>‹#›</a:t>
             </a:fld>
             <a:endParaRPr lang="nl-BE"/>
           </a:p>
@@ -4305,7 +4321,7 @@
           <a:p>
             <a:fld id="{103368D7-ADAF-48A7-9CA7-FB18DA2AC157}" type="slidenum">
               <a:rPr lang="nl-BE" smtClean="0"/>
-              <a:t>‹nr.›</a:t>
+              <a:t>‹#›</a:t>
             </a:fld>
             <a:endParaRPr lang="nl-BE"/>
           </a:p>
@@ -4406,7 +4422,7 @@
           <a:p>
             <a:fld id="{103368D7-ADAF-48A7-9CA7-FB18DA2AC157}" type="slidenum">
               <a:rPr lang="nl-BE" smtClean="0"/>
-              <a:t>‹nr.›</a:t>
+              <a:t>‹#›</a:t>
             </a:fld>
             <a:endParaRPr lang="nl-BE"/>
           </a:p>
@@ -4527,7 +4543,7 @@
           <a:p>
             <a:fld id="{103368D7-ADAF-48A7-9CA7-FB18DA2AC157}" type="slidenum">
               <a:rPr lang="nl-BE" smtClean="0"/>
-              <a:t>‹nr.›</a:t>
+              <a:t>‹#›</a:t>
             </a:fld>
             <a:endParaRPr lang="nl-BE"/>
           </a:p>
@@ -4801,7 +4817,7 @@
           <a:p>
             <a:fld id="{103368D7-ADAF-48A7-9CA7-FB18DA2AC157}" type="slidenum">
               <a:rPr lang="nl-BE" smtClean="0"/>
-              <a:t>‹nr.›</a:t>
+              <a:t>‹#›</a:t>
             </a:fld>
             <a:endParaRPr lang="nl-BE"/>
           </a:p>
@@ -5025,7 +5041,7 @@
           <a:p>
             <a:fld id="{103368D7-ADAF-48A7-9CA7-FB18DA2AC157}" type="slidenum">
               <a:rPr lang="nl-BE" smtClean="0"/>
-              <a:t>‹nr.›</a:t>
+              <a:t>‹#›</a:t>
             </a:fld>
             <a:endParaRPr lang="nl-BE"/>
           </a:p>
@@ -6145,7 +6161,7 @@
           <a:p>
             <a:fld id="{103368D7-ADAF-48A7-9CA7-FB18DA2AC157}" type="slidenum">
               <a:rPr lang="nl-BE" smtClean="0"/>
-              <a:t>‹nr.›</a:t>
+              <a:t>‹#›</a:t>
             </a:fld>
             <a:endParaRPr lang="nl-BE"/>
           </a:p>
@@ -7736,25 +7752,34 @@
           <a:chExt cx="0" cy="0"/>
         </a:xfrm>
       </p:grpSpPr>
-      <p:sp>
-        <p:nvSpPr>
-          <p:cNvPr id="2" name="Tijdelijke aanduiding voor inhoud 1"/>
-          <p:cNvSpPr>
-            <a:spLocks noGrp="1"/>
-          </p:cNvSpPr>
+      <p:pic>
+        <p:nvPicPr>
+          <p:cNvPr id="5" name="Content Placeholder 4"/>
+          <p:cNvPicPr>
+            <a:picLocks noGrp="1" noChangeAspect="1"/>
+          </p:cNvPicPr>
           <p:nvPr>
             <p:ph idx="1"/>
           </p:nvPr>
-        </p:nvSpPr>
-        <p:spPr/>
-        <p:txBody>
-          <a:bodyPr/>
-          <a:lstStyle/>
-          <a:p>
-            <a:endParaRPr lang="nl-BE"/>
-          </a:p>
-        </p:txBody>
-      </p:sp>
+        </p:nvPicPr>
+        <p:blipFill rotWithShape="1">
+          <a:blip r:embed="rId3" cstate="print">
+            <a:extLst>
+              <a:ext uri="{28A0092B-C50C-407E-A947-70E740481C1C}">
+                <a14:useLocalDpi xmlns:a14="http://schemas.microsoft.com/office/drawing/2010/main" val="0"/>
+              </a:ext>
+            </a:extLst>
+          </a:blip>
+          <a:srcRect b="69866"/>
+          <a:stretch/>
+        </p:blipFill>
+        <p:spPr>
+          <a:xfrm>
+            <a:off x="144967" y="1340768"/>
+            <a:ext cx="8999033" cy="3316015"/>
+          </a:xfrm>
+        </p:spPr>
+      </p:pic>
       <p:sp>
         <p:nvSpPr>
           <p:cNvPr id="3" name="Tijdelijke aanduiding voor dianummer 2"/>
@@ -7806,70 +7831,6 @@
           </a:p>
         </p:txBody>
       </p:sp>
-      <p:pic>
-        <p:nvPicPr>
-          <p:cNvPr id="5123" name="Picture 3"/>
-          <p:cNvPicPr>
-            <a:picLocks noChangeAspect="1" noChangeArrowheads="1"/>
-          </p:cNvPicPr>
-          <p:nvPr/>
-        </p:nvPicPr>
-        <p:blipFill>
-          <a:blip r:embed="rId3">
-            <a:extLst>
-              <a:ext uri="{28A0092B-C50C-407E-A947-70E740481C1C}">
-                <a14:useLocalDpi xmlns:a14="http://schemas.microsoft.com/office/drawing/2010/main" val="0"/>
-              </a:ext>
-            </a:extLst>
-          </a:blip>
-          <a:srcRect/>
-          <a:stretch>
-            <a:fillRect/>
-          </a:stretch>
-        </p:blipFill>
-        <p:spPr bwMode="auto">
-          <a:xfrm>
-            <a:off x="0" y="1124744"/>
-            <a:ext cx="9144000" cy="4423943"/>
-          </a:xfrm>
-          <a:prstGeom prst="rect">
-            <a:avLst/>
-          </a:prstGeom>
-          <a:noFill/>
-          <a:ln>
-            <a:noFill/>
-          </a:ln>
-          <a:effectLst/>
-          <a:extLst>
-            <a:ext uri="{909E8E84-426E-40DD-AFC4-6F175D3DCCD1}">
-              <a14:hiddenFill xmlns:a14="http://schemas.microsoft.com/office/drawing/2010/main">
-                <a:solidFill>
-                  <a:schemeClr val="accent1"/>
-                </a:solidFill>
-              </a14:hiddenFill>
-            </a:ext>
-            <a:ext uri="{91240B29-F687-4F45-9708-019B960494DF}">
-              <a14:hiddenLine xmlns:a14="http://schemas.microsoft.com/office/drawing/2010/main" w="9525">
-                <a:solidFill>
-                  <a:schemeClr val="tx1"/>
-                </a:solidFill>
-                <a:miter lim="800000"/>
-                <a:headEnd/>
-                <a:tailEnd/>
-              </a14:hiddenLine>
-            </a:ext>
-            <a:ext uri="{AF507438-7753-43E0-B8FC-AC1667EBCBE1}">
-              <a14:hiddenEffects xmlns:a14="http://schemas.microsoft.com/office/drawing/2010/main">
-                <a:effectLst>
-                  <a:outerShdw dist="35921" dir="2700000" algn="ctr" rotWithShape="0">
-                    <a:schemeClr val="bg2"/>
-                  </a:outerShdw>
-                </a:effectLst>
-              </a14:hiddenEffects>
-            </a:ext>
-          </a:extLst>
-        </p:spPr>
-      </p:pic>
     </p:spTree>
     <p:extLst>
       <p:ext uri="{BB962C8B-B14F-4D97-AF65-F5344CB8AC3E}">

--- a/Presentatie/iteratie2.pptx
+++ b/Presentatie/iteratie2.pptx
@@ -5,7 +5,7 @@
     <p:sldMasterId id="2147483708" r:id="rId1"/>
   </p:sldMasterIdLst>
   <p:notesMasterIdLst>
-    <p:notesMasterId r:id="rId14"/>
+    <p:notesMasterId r:id="rId16"/>
   </p:notesMasterIdLst>
   <p:sldIdLst>
     <p:sldId id="256" r:id="rId2"/>
@@ -13,13 +13,15 @@
     <p:sldId id="257" r:id="rId4"/>
     <p:sldId id="258" r:id="rId5"/>
     <p:sldId id="259" r:id="rId6"/>
-    <p:sldId id="260" r:id="rId7"/>
-    <p:sldId id="261" r:id="rId8"/>
-    <p:sldId id="265" r:id="rId9"/>
-    <p:sldId id="266" r:id="rId10"/>
-    <p:sldId id="264" r:id="rId11"/>
-    <p:sldId id="267" r:id="rId12"/>
-    <p:sldId id="262" r:id="rId13"/>
+    <p:sldId id="270" r:id="rId7"/>
+    <p:sldId id="260" r:id="rId8"/>
+    <p:sldId id="268" r:id="rId9"/>
+    <p:sldId id="269" r:id="rId10"/>
+    <p:sldId id="267" r:id="rId11"/>
+    <p:sldId id="262" r:id="rId12"/>
+    <p:sldId id="271" r:id="rId13"/>
+    <p:sldId id="272" r:id="rId14"/>
+    <p:sldId id="273" r:id="rId15"/>
   </p:sldIdLst>
   <p:sldSz cx="9144000" cy="6858000" type="screen4x3"/>
   <p:notesSz cx="6858000" cy="9144000"/>
@@ -118,6 +120,22 @@
       </a:defRPr>
     </a:lvl9pPr>
   </p:defaultTextStyle>
+  <p:extLst>
+    <p:ext uri="{EFAFB233-063F-42B5-8137-9DF3F51BA10A}">
+      <p15:sldGuideLst xmlns:p15="http://schemas.microsoft.com/office/powerpoint/2012/main">
+        <p15:guide id="1" orient="horz" pos="2160">
+          <p15:clr>
+            <a:srgbClr val="A4A3A4"/>
+          </p15:clr>
+        </p15:guide>
+        <p15:guide id="2" pos="2880">
+          <p15:clr>
+            <a:srgbClr val="A4A3A4"/>
+          </p15:clr>
+        </p15:guide>
+      </p15:sldGuideLst>
+    </p:ext>
+  </p:extLst>
 </p:presentation>
 </file>
 
@@ -203,7 +221,7 @@
           <a:p>
             <a:fld id="{9E76A714-DB3F-4220-81F5-CF7FDFDE950D}" type="datetimeFigureOut">
               <a:rPr lang="nl-BE" smtClean="0"/>
-              <a:t>27/11/2014</a:t>
+              <a:t>17/12/2014</a:t>
             </a:fld>
             <a:endParaRPr lang="nl-BE"/>
           </a:p>
@@ -555,174 +573,6 @@
 </p:notes>
 </file>
 
-<file path=ppt/notesSlides/notesSlide10.xml><?xml version="1.0" encoding="utf-8"?>
-<p:notes xmlns:a="http://schemas.openxmlformats.org/drawingml/2006/main" xmlns:r="http://schemas.openxmlformats.org/officeDocument/2006/relationships" xmlns:p="http://schemas.openxmlformats.org/presentationml/2006/main">
-  <p:cSld>
-    <p:spTree>
-      <p:nvGrpSpPr>
-        <p:cNvPr id="1" name=""/>
-        <p:cNvGrpSpPr/>
-        <p:nvPr/>
-      </p:nvGrpSpPr>
-      <p:grpSpPr>
-        <a:xfrm>
-          <a:off x="0" y="0"/>
-          <a:ext cx="0" cy="0"/>
-          <a:chOff x="0" y="0"/>
-          <a:chExt cx="0" cy="0"/>
-        </a:xfrm>
-      </p:grpSpPr>
-      <p:sp>
-        <p:nvSpPr>
-          <p:cNvPr id="2" name="Tijdelijke aanduiding voor dia-afbeelding 1"/>
-          <p:cNvSpPr>
-            <a:spLocks noGrp="1" noRot="1" noChangeAspect="1"/>
-          </p:cNvSpPr>
-          <p:nvPr>
-            <p:ph type="sldImg"/>
-          </p:nvPr>
-        </p:nvSpPr>
-        <p:spPr/>
-      </p:sp>
-      <p:sp>
-        <p:nvSpPr>
-          <p:cNvPr id="3" name="Tijdelijke aanduiding voor notities 2"/>
-          <p:cNvSpPr>
-            <a:spLocks noGrp="1"/>
-          </p:cNvSpPr>
-          <p:nvPr>
-            <p:ph type="body" idx="1"/>
-          </p:nvPr>
-        </p:nvSpPr>
-        <p:spPr/>
-        <p:txBody>
-          <a:bodyPr/>
-          <a:lstStyle/>
-          <a:p>
-            <a:r>
-              <a:rPr lang="en-US" dirty="0" smtClean="0"/>
-              <a:t>For our unit</a:t>
-            </a:r>
-            <a:r>
-              <a:rPr lang="en-US" baseline="0" dirty="0" smtClean="0"/>
-              <a:t> tests we use </a:t>
-            </a:r>
-            <a:r>
-              <a:rPr lang="en-US" baseline="0" dirty="0" err="1" smtClean="0"/>
-              <a:t>Junit</a:t>
-            </a:r>
-            <a:r>
-              <a:rPr lang="en-US" baseline="0" dirty="0" smtClean="0"/>
-              <a:t>. We only tested the public methods of our most important classes, </a:t>
-            </a:r>
-            <a:r>
-              <a:rPr lang="en-US" baseline="0" dirty="0" err="1" smtClean="0"/>
-              <a:t>boxgenerator</a:t>
-            </a:r>
-            <a:r>
-              <a:rPr lang="en-US" baseline="0" dirty="0" smtClean="0"/>
-              <a:t>, </a:t>
-            </a:r>
-            <a:r>
-              <a:rPr lang="en-US" baseline="0" dirty="0" err="1" smtClean="0"/>
-              <a:t>shapetree</a:t>
-            </a:r>
-            <a:r>
-              <a:rPr lang="en-US" baseline="0" dirty="0" smtClean="0"/>
-              <a:t>, and </a:t>
-            </a:r>
-            <a:r>
-              <a:rPr lang="en-US" baseline="0" dirty="0" err="1" smtClean="0"/>
-              <a:t>shapetreenode</a:t>
-            </a:r>
-            <a:r>
-              <a:rPr lang="en-US" baseline="0" dirty="0" smtClean="0"/>
-              <a:t>. </a:t>
-            </a:r>
-          </a:p>
-          <a:p>
-            <a:r>
-              <a:rPr lang="en-US" baseline="0" dirty="0" smtClean="0"/>
-              <a:t>We tested on invalid input, empty input, etc… We also created a scenario to test the builder. We watched if the </a:t>
-            </a:r>
-            <a:r>
-              <a:rPr lang="en-US" baseline="0" dirty="0" err="1" smtClean="0"/>
-              <a:t>visualisation</a:t>
-            </a:r>
-            <a:r>
-              <a:rPr lang="en-US" baseline="0" dirty="0" smtClean="0"/>
-              <a:t> of the scenario matched our expectations for this test.</a:t>
-            </a:r>
-          </a:p>
-          <a:p>
-            <a:r>
-              <a:rPr lang="en-US" baseline="0" dirty="0" smtClean="0"/>
-              <a:t>In the tests of </a:t>
-            </a:r>
-            <a:r>
-              <a:rPr lang="en-US" baseline="0" dirty="0" err="1" smtClean="0"/>
-              <a:t>boxgenerator</a:t>
-            </a:r>
-            <a:r>
-              <a:rPr lang="en-US" baseline="0" dirty="0" smtClean="0"/>
-              <a:t> we used mocking. This is because this class makes use of a </a:t>
-            </a:r>
-            <a:r>
-              <a:rPr lang="en-US" baseline="0" dirty="0" err="1" smtClean="0"/>
-              <a:t>MeasureFetcher</a:t>
-            </a:r>
-            <a:r>
-              <a:rPr lang="en-US" baseline="0" dirty="0" smtClean="0"/>
-              <a:t>. Since that class relies on the database, it is impossible to test. We thus created a mock of the </a:t>
-            </a:r>
-            <a:r>
-              <a:rPr lang="en-US" baseline="0" dirty="0" err="1" smtClean="0"/>
-              <a:t>measurefetcher</a:t>
-            </a:r>
-            <a:r>
-              <a:rPr lang="en-US" baseline="0" dirty="0" smtClean="0"/>
-              <a:t>. </a:t>
-            </a:r>
-            <a:endParaRPr lang="nl-BE" dirty="0"/>
-          </a:p>
-        </p:txBody>
-      </p:sp>
-      <p:sp>
-        <p:nvSpPr>
-          <p:cNvPr id="4" name="Tijdelijke aanduiding voor dianummer 3"/>
-          <p:cNvSpPr>
-            <a:spLocks noGrp="1"/>
-          </p:cNvSpPr>
-          <p:nvPr>
-            <p:ph type="sldNum" sz="quarter" idx="10"/>
-          </p:nvPr>
-        </p:nvSpPr>
-        <p:spPr/>
-        <p:txBody>
-          <a:bodyPr/>
-          <a:lstStyle/>
-          <a:p>
-            <a:fld id="{A6AC7D50-7257-44CB-B386-86C241CB44AC}" type="slidenum">
-              <a:rPr lang="nl-BE" smtClean="0"/>
-              <a:t>11</a:t>
-            </a:fld>
-            <a:endParaRPr lang="nl-BE"/>
-          </a:p>
-        </p:txBody>
-      </p:sp>
-    </p:spTree>
-    <p:extLst>
-      <p:ext uri="{BB962C8B-B14F-4D97-AF65-F5344CB8AC3E}">
-        <p14:creationId xmlns:p14="http://schemas.microsoft.com/office/powerpoint/2010/main" val="1948290493"/>
-      </p:ext>
-    </p:extLst>
-  </p:cSld>
-  <p:clrMapOvr>
-    <a:masterClrMapping/>
-  </p:clrMapOvr>
-</p:notes>
-</file>
-
 <file path=ppt/notesSlides/notesSlide2.xml><?xml version="1.0" encoding="utf-8"?>
 <p:notes xmlns:a="http://schemas.openxmlformats.org/drawingml/2006/main" xmlns:r="http://schemas.openxmlformats.org/officeDocument/2006/relationships" xmlns:p="http://schemas.openxmlformats.org/presentationml/2006/main">
   <p:cSld>
@@ -944,20 +794,19 @@
                 <a:ea typeface="+mn-ea"/>
                 <a:cs typeface="+mn-cs"/>
               </a:rPr>
-              <a:t>This is our class diagram. We’ll go more in depth later, but first we will explain shortly the main responsibilities of the important packages and classes.</a:t>
-            </a:r>
-          </a:p>
-          <a:p>
-            <a:endParaRPr lang="en-US" sz="1200" b="0" i="0" u="none" strike="noStrike" kern="1200" baseline="0" dirty="0" smtClean="0">
-              <a:solidFill>
-                <a:schemeClr val="tx1"/>
-              </a:solidFill>
-              <a:latin typeface="+mn-lt"/>
-              <a:ea typeface="+mn-ea"/>
-              <a:cs typeface="+mn-cs"/>
-            </a:endParaRPr>
-          </a:p>
-          <a:p>
+              <a:t>Implementation is divided into different packages like last presentation. Changes or additions are shown in the red rectangles. As before we have a </a:t>
+            </a:r>
+            <a:r>
+              <a:rPr lang="en-US" sz="1200" b="0" i="0" u="none" strike="noStrike" kern="1200" baseline="0" dirty="0" err="1" smtClean="0">
+                <a:solidFill>
+                  <a:schemeClr val="tx1"/>
+                </a:solidFill>
+                <a:latin typeface="+mn-lt"/>
+                <a:ea typeface="+mn-ea"/>
+                <a:cs typeface="+mn-cs"/>
+              </a:rPr>
+              <a:t>chartgenerator</a:t>
+            </a:r>
             <a:r>
               <a:rPr lang="en-US" sz="1200" b="0" i="0" u="none" strike="noStrike" kern="1200" baseline="0" dirty="0" smtClean="0">
                 <a:solidFill>
@@ -967,27 +816,19 @@
                 <a:ea typeface="+mn-ea"/>
                 <a:cs typeface="+mn-cs"/>
               </a:rPr>
-              <a:t>The generating of the charts itself takes place in the charts generators package. </a:t>
-            </a:r>
-          </a:p>
-          <a:p>
-            <a:pPr marL="0" marR="0" indent="0" algn="l" defTabSz="914400" rtl="0" eaLnBrk="1" fontAlgn="auto" latinLnBrk="0" hangingPunct="1">
-              <a:lnSpc>
-                <a:spcPct val="100000"/>
-              </a:lnSpc>
-              <a:spcBef>
-                <a:spcPts val="0"/>
-              </a:spcBef>
-              <a:spcAft>
-                <a:spcPts val="0"/>
-              </a:spcAft>
-              <a:buClrTx/>
-              <a:buSzTx/>
-              <a:buFontTx/>
-              <a:buNone/>
-              <a:tabLst/>
-              <a:defRPr/>
-            </a:pPr>
+              <a:t> packages that creates the charts. To do so it needs a list of shapes which will be generated by a </a:t>
+            </a:r>
+            <a:r>
+              <a:rPr lang="en-US" sz="1200" b="0" i="0" u="none" strike="noStrike" kern="1200" baseline="0" dirty="0" err="1" smtClean="0">
+                <a:solidFill>
+                  <a:schemeClr val="tx1"/>
+                </a:solidFill>
+                <a:latin typeface="+mn-lt"/>
+                <a:ea typeface="+mn-ea"/>
+                <a:cs typeface="+mn-cs"/>
+              </a:rPr>
+              <a:t>ShapesGenerator</a:t>
+            </a:r>
             <a:r>
               <a:rPr lang="en-US" sz="1200" b="0" i="0" u="none" strike="noStrike" kern="1200" baseline="0" dirty="0" smtClean="0">
                 <a:solidFill>
@@ -997,27 +838,19 @@
                 <a:ea typeface="+mn-ea"/>
                 <a:cs typeface="+mn-cs"/>
               </a:rPr>
-              <a:t>The data representation is done by Shape objects, for now there are only boxes and lines.</a:t>
-            </a:r>
-          </a:p>
-          <a:p>
-            <a:pPr marL="0" marR="0" indent="0" algn="l" defTabSz="914400" rtl="0" eaLnBrk="1" fontAlgn="auto" latinLnBrk="0" hangingPunct="1">
-              <a:lnSpc>
-                <a:spcPct val="100000"/>
-              </a:lnSpc>
-              <a:spcBef>
-                <a:spcPts val="0"/>
-              </a:spcBef>
-              <a:spcAft>
-                <a:spcPts val="0"/>
-              </a:spcAft>
-              <a:buClrTx/>
-              <a:buSzTx/>
-              <a:buFontTx/>
-              <a:buNone/>
-              <a:tabLst/>
-              <a:defRPr/>
-            </a:pPr>
+              <a:t> (which we will discuss later). We added circles and trapezoids to the possible shapes. Implementation still uses a builder to build the image step by step. Each shape has a method draw that calls the builder to draw itself. Properties are used to get necessary data for the shapes. To get this data it can use some sort of strategy. The structure package is used in the </a:t>
+            </a:r>
+            <a:r>
+              <a:rPr lang="en-US" sz="1200" b="0" i="0" u="none" strike="noStrike" kern="1200" baseline="0" dirty="0" err="1" smtClean="0">
+                <a:solidFill>
+                  <a:schemeClr val="tx1"/>
+                </a:solidFill>
+                <a:latin typeface="+mn-lt"/>
+                <a:ea typeface="+mn-ea"/>
+                <a:cs typeface="+mn-cs"/>
+              </a:rPr>
+              <a:t>systemcomplexityview</a:t>
+            </a:r>
             <a:r>
               <a:rPr lang="en-US" sz="1200" b="0" i="0" u="none" strike="noStrike" kern="1200" baseline="0" dirty="0" smtClean="0">
                 <a:solidFill>
@@ -1027,127 +860,8 @@
                 <a:ea typeface="+mn-ea"/>
                 <a:cs typeface="+mn-cs"/>
               </a:rPr>
-              <a:t>Chart generators create data representation classes who will be drawn later by an image builder located in the grey package. </a:t>
-            </a:r>
-          </a:p>
-          <a:p>
-            <a:pPr marL="0" marR="0" indent="0" algn="l" defTabSz="914400" rtl="0" eaLnBrk="1" fontAlgn="auto" latinLnBrk="0" hangingPunct="1">
-              <a:lnSpc>
-                <a:spcPct val="100000"/>
-              </a:lnSpc>
-              <a:spcBef>
-                <a:spcPts val="0"/>
-              </a:spcBef>
-              <a:spcAft>
-                <a:spcPts val="0"/>
-              </a:spcAft>
-              <a:buClrTx/>
-              <a:buSzTx/>
-              <a:buFontTx/>
-              <a:buNone/>
-              <a:tabLst/>
-              <a:defRPr/>
-            </a:pPr>
-            <a:endParaRPr lang="en-US" sz="1200" b="0" i="0" u="none" strike="noStrike" kern="1200" baseline="0" dirty="0" smtClean="0">
-              <a:solidFill>
-                <a:schemeClr val="tx1"/>
-              </a:solidFill>
-              <a:latin typeface="+mn-lt"/>
-              <a:ea typeface="+mn-ea"/>
-              <a:cs typeface="+mn-cs"/>
-            </a:endParaRPr>
-          </a:p>
-          <a:p>
-            <a:pPr marL="0" marR="0" indent="0" algn="l" defTabSz="914400" rtl="0" eaLnBrk="1" fontAlgn="auto" latinLnBrk="0" hangingPunct="1">
-              <a:lnSpc>
-                <a:spcPct val="100000"/>
-              </a:lnSpc>
-              <a:spcBef>
-                <a:spcPts val="0"/>
-              </a:spcBef>
-              <a:spcAft>
-                <a:spcPts val="0"/>
-              </a:spcAft>
-              <a:buClrTx/>
-              <a:buSzTx/>
-              <a:buFontTx/>
-              <a:buNone/>
-              <a:tabLst/>
-              <a:defRPr/>
-            </a:pPr>
-            <a:r>
-              <a:rPr lang="en-US" sz="1200" b="0" i="0" u="none" strike="noStrike" kern="1200" baseline="0" dirty="0" smtClean="0">
-                <a:solidFill>
-                  <a:schemeClr val="tx1"/>
-                </a:solidFill>
-                <a:latin typeface="+mn-lt"/>
-                <a:ea typeface="+mn-ea"/>
-                <a:cs typeface="+mn-cs"/>
-              </a:rPr>
-              <a:t>You can see here one of our design decisions was to separate the </a:t>
-            </a:r>
-            <a:r>
-              <a:rPr lang="en-US" sz="1200" b="0" i="0" u="none" strike="noStrike" kern="1200" baseline="0" dirty="0" err="1" smtClean="0">
-                <a:solidFill>
-                  <a:schemeClr val="tx1"/>
-                </a:solidFill>
-                <a:latin typeface="+mn-lt"/>
-                <a:ea typeface="+mn-ea"/>
-                <a:cs typeface="+mn-cs"/>
-              </a:rPr>
-              <a:t>visualisation</a:t>
-            </a:r>
-            <a:r>
-              <a:rPr lang="en-US" sz="1200" b="0" i="0" u="none" strike="noStrike" kern="1200" baseline="0" dirty="0" smtClean="0">
-                <a:solidFill>
-                  <a:schemeClr val="tx1"/>
-                </a:solidFill>
-                <a:latin typeface="+mn-lt"/>
-                <a:ea typeface="+mn-ea"/>
-                <a:cs typeface="+mn-cs"/>
-              </a:rPr>
-              <a:t> from the representation of the charts, using a builder pattern. The classes for the drawing part are located in the builder package (grey).</a:t>
-            </a:r>
-          </a:p>
-          <a:p>
-            <a:pPr marL="0" marR="0" indent="0" algn="l" defTabSz="914400" rtl="0" eaLnBrk="1" fontAlgn="auto" latinLnBrk="0" hangingPunct="1">
-              <a:lnSpc>
-                <a:spcPct val="100000"/>
-              </a:lnSpc>
-              <a:spcBef>
-                <a:spcPts val="0"/>
-              </a:spcBef>
-              <a:spcAft>
-                <a:spcPts val="0"/>
-              </a:spcAft>
-              <a:buClrTx/>
-              <a:buSzTx/>
-              <a:buFontTx/>
-              <a:buNone/>
-              <a:tabLst/>
-              <a:defRPr/>
-            </a:pPr>
-            <a:r>
-              <a:rPr lang="en-US" sz="1200" b="0" i="0" u="none" strike="noStrike" kern="1200" baseline="0" dirty="0" smtClean="0">
-                <a:solidFill>
-                  <a:schemeClr val="tx1"/>
-                </a:solidFill>
-                <a:latin typeface="+mn-lt"/>
-                <a:ea typeface="+mn-ea"/>
-                <a:cs typeface="+mn-cs"/>
-              </a:rPr>
-              <a:t>Another design decision was to create a separate class to handle information retrieval, because all classes would be loaded with database accesses if we didn’t.</a:t>
-            </a:r>
-          </a:p>
-          <a:p>
-            <a:endParaRPr lang="en-US" sz="1200" b="0" i="0" u="none" strike="noStrike" kern="1200" baseline="0" dirty="0" smtClean="0">
-              <a:solidFill>
-                <a:schemeClr val="tx1"/>
-              </a:solidFill>
-              <a:latin typeface="+mn-lt"/>
-              <a:ea typeface="+mn-ea"/>
-              <a:cs typeface="+mn-cs"/>
-            </a:endParaRPr>
+              <a:t> to build trees of shapes.</a:t>
+            </a:r>
           </a:p>
           <a:p>
             <a:endParaRPr lang="en-US" sz="1200" b="0" i="0" u="none" strike="noStrike" kern="1200" baseline="0" dirty="0" smtClean="0">
@@ -1265,83 +979,531 @@
           <a:lstStyle/>
           <a:p>
             <a:r>
-              <a:rPr lang="en-US" dirty="0" smtClean="0"/>
-              <a:t>Here</a:t>
-            </a:r>
-            <a:r>
-              <a:rPr lang="en-US" baseline="0" dirty="0" smtClean="0"/>
-              <a:t> you see a detail of the creation of a scatterplot. The user wants to create an image, with given parameters. These parameters then get wrapped in our own class, </a:t>
-            </a:r>
-            <a:r>
-              <a:rPr lang="en-US" baseline="0" dirty="0" err="1" smtClean="0"/>
-              <a:t>polymorphicchartparameters,to</a:t>
-            </a:r>
-            <a:r>
-              <a:rPr lang="en-US" baseline="0" dirty="0" smtClean="0"/>
-              <a:t> provide us easier access to the properties of the chart that we need (WRAPPER). The chart then gets the type from the parameters, and creates a </a:t>
-            </a:r>
-            <a:r>
-              <a:rPr lang="en-US" baseline="0" dirty="0" err="1" smtClean="0"/>
-              <a:t>ScatterplotGenerator</a:t>
-            </a:r>
-            <a:r>
-              <a:rPr lang="en-US" baseline="0" dirty="0" smtClean="0"/>
-              <a:t>. This generator uses a </a:t>
-            </a:r>
-            <a:r>
-              <a:rPr lang="en-US" baseline="0" dirty="0" err="1" smtClean="0"/>
-              <a:t>Sonarfacade</a:t>
-            </a:r>
-            <a:r>
-              <a:rPr lang="en-US" baseline="0" dirty="0" smtClean="0"/>
-              <a:t>, to access the database, and the parameters to extract the properties as needed. The </a:t>
-            </a:r>
-            <a:r>
-              <a:rPr lang="en-US" baseline="0" dirty="0" err="1" smtClean="0"/>
-              <a:t>measureFetcher</a:t>
-            </a:r>
-            <a:r>
-              <a:rPr lang="en-US" baseline="0" dirty="0" smtClean="0"/>
-              <a:t> is created, with a reference to the sonar, to have uniform database access. The needed resources and parameters are retrieved from the sonar object. The </a:t>
-            </a:r>
-            <a:r>
-              <a:rPr lang="en-US" baseline="0" dirty="0" err="1" smtClean="0"/>
-              <a:t>plotgenerator</a:t>
-            </a:r>
-            <a:r>
-              <a:rPr lang="en-US" baseline="0" dirty="0" smtClean="0"/>
-              <a:t> then creates the needed properties of its shapes. In this example these are width, height and color. They are used to provide uniform lists of </a:t>
-            </a:r>
-            <a:r>
-              <a:rPr lang="en-US" baseline="0" dirty="0" err="1" smtClean="0"/>
-              <a:t>shapeproperties</a:t>
-            </a:r>
-            <a:r>
-              <a:rPr lang="en-US" baseline="0" dirty="0" smtClean="0"/>
-              <a:t>, independent of the user input. These properties then create a strategy, depending on user input (</a:t>
-            </a:r>
-            <a:r>
-              <a:rPr lang="en-US" baseline="0" dirty="0" err="1" smtClean="0"/>
-              <a:t>singlemetric</a:t>
-            </a:r>
-            <a:r>
-              <a:rPr lang="en-US" baseline="0" dirty="0" smtClean="0"/>
-              <a:t>, constant,…). After that, a </a:t>
-            </a:r>
-            <a:r>
-              <a:rPr lang="en-US" baseline="0" dirty="0" err="1" smtClean="0"/>
-              <a:t>boxgenerator</a:t>
-            </a:r>
-            <a:r>
-              <a:rPr lang="en-US" baseline="0" dirty="0" smtClean="0"/>
-              <a:t> is created, this object creates a list of Shapes, with the properties that are given. These shapes are returned to the </a:t>
-            </a:r>
-            <a:r>
-              <a:rPr lang="en-US" baseline="0" dirty="0" err="1" smtClean="0"/>
-              <a:t>scatterplotgenerator</a:t>
-            </a:r>
-            <a:r>
-              <a:rPr lang="en-US" baseline="0" dirty="0" smtClean="0"/>
+              <a:rPr lang="nl-BE" dirty="0" smtClean="0"/>
+              <a:t>The</a:t>
+            </a:r>
+            <a:r>
+              <a:rPr lang="nl-BE" baseline="0" dirty="0" smtClean="0"/>
+              <a:t> </a:t>
+            </a:r>
+            <a:r>
+              <a:rPr lang="nl-BE" baseline="0" dirty="0" err="1" smtClean="0"/>
+              <a:t>biggest</a:t>
+            </a:r>
+            <a:r>
+              <a:rPr lang="nl-BE" baseline="0" dirty="0" smtClean="0"/>
+              <a:t> changes we made </a:t>
+            </a:r>
+            <a:r>
+              <a:rPr lang="nl-BE" baseline="0" dirty="0" err="1" smtClean="0"/>
+              <a:t>happened</a:t>
+            </a:r>
+            <a:r>
+              <a:rPr lang="nl-BE" baseline="0" dirty="0" smtClean="0"/>
+              <a:t> in the </a:t>
+            </a:r>
+            <a:r>
+              <a:rPr lang="nl-BE" baseline="0" dirty="0" err="1" smtClean="0"/>
+              <a:t>shapesgenerators</a:t>
+            </a:r>
+            <a:r>
+              <a:rPr lang="nl-BE" baseline="0" dirty="0" smtClean="0"/>
+              <a:t> package. First </a:t>
+            </a:r>
+            <a:r>
+              <a:rPr lang="nl-BE" baseline="0" dirty="0" err="1" smtClean="0"/>
+              <a:t>there</a:t>
+            </a:r>
+            <a:r>
+              <a:rPr lang="nl-BE" baseline="0" dirty="0" smtClean="0"/>
+              <a:t> was </a:t>
+            </a:r>
+            <a:r>
+              <a:rPr lang="nl-BE" baseline="0" dirty="0" err="1" smtClean="0"/>
+              <a:t>only</a:t>
+            </a:r>
+            <a:r>
+              <a:rPr lang="nl-BE" baseline="0" dirty="0" smtClean="0"/>
+              <a:t> </a:t>
+            </a:r>
+            <a:r>
+              <a:rPr lang="nl-BE" baseline="0" dirty="0" err="1" smtClean="0"/>
+              <a:t>one</a:t>
+            </a:r>
+            <a:r>
+              <a:rPr lang="nl-BE" baseline="0" dirty="0" smtClean="0"/>
+              <a:t> generator a </a:t>
+            </a:r>
+            <a:r>
+              <a:rPr lang="nl-BE" baseline="0" dirty="0" err="1" smtClean="0"/>
+              <a:t>boxesgenerator</a:t>
+            </a:r>
+            <a:r>
+              <a:rPr lang="nl-BE" baseline="0" dirty="0" smtClean="0"/>
+              <a:t>. We </a:t>
+            </a:r>
+            <a:r>
+              <a:rPr lang="nl-BE" baseline="0" dirty="0" err="1" smtClean="0"/>
+              <a:t>generalized</a:t>
+            </a:r>
+            <a:r>
+              <a:rPr lang="nl-BE" baseline="0" dirty="0" smtClean="0"/>
+              <a:t> </a:t>
+            </a:r>
+            <a:r>
+              <a:rPr lang="nl-BE" baseline="0" dirty="0" err="1" smtClean="0"/>
+              <a:t>this</a:t>
+            </a:r>
+            <a:r>
+              <a:rPr lang="nl-BE" baseline="0" dirty="0" smtClean="0"/>
+              <a:t> </a:t>
+            </a:r>
+            <a:r>
+              <a:rPr lang="nl-BE" baseline="0" dirty="0" err="1" smtClean="0"/>
+              <a:t>into</a:t>
+            </a:r>
+            <a:r>
+              <a:rPr lang="nl-BE" baseline="0" dirty="0" smtClean="0"/>
+              <a:t> </a:t>
+            </a:r>
+            <a:r>
+              <a:rPr lang="nl-BE" baseline="0" dirty="0" err="1" smtClean="0"/>
+              <a:t>an</a:t>
+            </a:r>
+            <a:r>
+              <a:rPr lang="nl-BE" baseline="0" dirty="0" smtClean="0"/>
+              <a:t> interface </a:t>
+            </a:r>
+            <a:r>
+              <a:rPr lang="nl-BE" baseline="0" dirty="0" err="1" smtClean="0"/>
+              <a:t>which</a:t>
+            </a:r>
+            <a:r>
+              <a:rPr lang="nl-BE" baseline="0" dirty="0" smtClean="0"/>
+              <a:t> is </a:t>
+            </a:r>
+            <a:r>
+              <a:rPr lang="nl-BE" baseline="0" dirty="0" err="1" smtClean="0"/>
+              <a:t>implemented</a:t>
+            </a:r>
+            <a:r>
+              <a:rPr lang="nl-BE" baseline="0" dirty="0" smtClean="0"/>
+              <a:t> </a:t>
+            </a:r>
+            <a:r>
+              <a:rPr lang="nl-BE" baseline="0" dirty="0" err="1" smtClean="0"/>
+              <a:t>by</a:t>
+            </a:r>
+            <a:r>
+              <a:rPr lang="nl-BE" baseline="0" dirty="0" smtClean="0"/>
+              <a:t> </a:t>
+            </a:r>
+            <a:r>
+              <a:rPr lang="nl-BE" baseline="0" dirty="0" err="1" smtClean="0"/>
+              <a:t>similar</a:t>
+            </a:r>
+            <a:r>
+              <a:rPr lang="nl-BE" baseline="0" dirty="0" smtClean="0"/>
+              <a:t> classes </a:t>
+            </a:r>
+            <a:r>
+              <a:rPr lang="nl-BE" baseline="0" dirty="0" err="1" smtClean="0"/>
+              <a:t>like</a:t>
+            </a:r>
+            <a:r>
+              <a:rPr lang="nl-BE" baseline="0" dirty="0" smtClean="0"/>
+              <a:t> </a:t>
+            </a:r>
+            <a:r>
+              <a:rPr lang="nl-BE" baseline="0" dirty="0" err="1" smtClean="0"/>
+              <a:t>circlesgenerator</a:t>
+            </a:r>
+            <a:r>
+              <a:rPr lang="nl-BE" baseline="0" dirty="0" smtClean="0"/>
+              <a:t> en </a:t>
+            </a:r>
+            <a:r>
+              <a:rPr lang="nl-BE" baseline="0" dirty="0" err="1" smtClean="0"/>
+              <a:t>trapsggenerator</a:t>
+            </a:r>
+            <a:r>
+              <a:rPr lang="nl-BE" baseline="0" dirty="0" smtClean="0"/>
+              <a:t>. </a:t>
+            </a:r>
+            <a:r>
+              <a:rPr lang="nl-BE" baseline="0" dirty="0" err="1" smtClean="0"/>
+              <a:t>Boxes</a:t>
+            </a:r>
+            <a:r>
+              <a:rPr lang="nl-BE" baseline="0" dirty="0" smtClean="0"/>
+              <a:t>, </a:t>
+            </a:r>
+            <a:r>
+              <a:rPr lang="nl-BE" baseline="0" dirty="0" err="1" smtClean="0"/>
+              <a:t>circles</a:t>
+            </a:r>
+            <a:r>
+              <a:rPr lang="nl-BE" baseline="0" dirty="0" smtClean="0"/>
+              <a:t> en </a:t>
+            </a:r>
+            <a:r>
+              <a:rPr lang="nl-BE" baseline="0" dirty="0" err="1" smtClean="0"/>
+              <a:t>trapsgenerators</a:t>
+            </a:r>
+            <a:r>
+              <a:rPr lang="nl-BE" baseline="0" dirty="0" smtClean="0"/>
+              <a:t> </a:t>
+            </a:r>
+            <a:r>
+              <a:rPr lang="nl-BE" baseline="0" dirty="0" err="1" smtClean="0"/>
+              <a:t>each</a:t>
+            </a:r>
+            <a:r>
+              <a:rPr lang="nl-BE" baseline="0" dirty="0" smtClean="0"/>
+              <a:t> </a:t>
+            </a:r>
+            <a:r>
+              <a:rPr lang="nl-BE" baseline="0" dirty="0" err="1" smtClean="0"/>
+              <a:t>create</a:t>
+            </a:r>
+            <a:r>
+              <a:rPr lang="nl-BE" baseline="0" dirty="0" smtClean="0"/>
+              <a:t> the </a:t>
+            </a:r>
+            <a:r>
+              <a:rPr lang="nl-BE" baseline="0" dirty="0" err="1" smtClean="0"/>
+              <a:t>necessary</a:t>
+            </a:r>
+            <a:r>
+              <a:rPr lang="nl-BE" baseline="0" dirty="0" smtClean="0"/>
+              <a:t> </a:t>
+            </a:r>
+            <a:r>
+              <a:rPr lang="nl-BE" baseline="0" dirty="0" err="1" smtClean="0"/>
+              <a:t>properties</a:t>
+            </a:r>
+            <a:r>
+              <a:rPr lang="nl-BE" baseline="0" dirty="0" smtClean="0"/>
+              <a:t> </a:t>
+            </a:r>
+            <a:r>
+              <a:rPr lang="nl-BE" baseline="0" dirty="0" err="1" smtClean="0"/>
+              <a:t>based</a:t>
+            </a:r>
+            <a:r>
+              <a:rPr lang="nl-BE" baseline="0" dirty="0" smtClean="0"/>
+              <a:t> on the </a:t>
+            </a:r>
+            <a:r>
+              <a:rPr lang="nl-BE" baseline="0" dirty="0" err="1" smtClean="0"/>
+              <a:t>given</a:t>
+            </a:r>
+            <a:r>
+              <a:rPr lang="nl-BE" baseline="0" dirty="0" smtClean="0"/>
+              <a:t> parameters. </a:t>
+            </a:r>
+            <a:r>
+              <a:rPr lang="nl-BE" baseline="0" dirty="0" err="1" smtClean="0"/>
+              <a:t>From</a:t>
+            </a:r>
+            <a:r>
+              <a:rPr lang="nl-BE" baseline="0" dirty="0" smtClean="0"/>
+              <a:t> these </a:t>
+            </a:r>
+            <a:r>
+              <a:rPr lang="nl-BE" baseline="0" dirty="0" err="1" smtClean="0"/>
+              <a:t>properties</a:t>
+            </a:r>
+            <a:r>
+              <a:rPr lang="nl-BE" baseline="0" dirty="0" smtClean="0"/>
+              <a:t> </a:t>
+            </a:r>
+            <a:r>
+              <a:rPr lang="nl-BE" baseline="0" dirty="0" err="1" smtClean="0"/>
+              <a:t>it</a:t>
+            </a:r>
+            <a:r>
+              <a:rPr lang="nl-BE" baseline="0" dirty="0" smtClean="0"/>
+              <a:t> </a:t>
+            </a:r>
+            <a:r>
+              <a:rPr lang="nl-BE" baseline="0" dirty="0" err="1" smtClean="0"/>
+              <a:t>gets</a:t>
+            </a:r>
+            <a:r>
+              <a:rPr lang="nl-BE" baseline="0" dirty="0" smtClean="0"/>
+              <a:t> the </a:t>
+            </a:r>
+            <a:r>
+              <a:rPr lang="nl-BE" baseline="0" dirty="0" err="1" smtClean="0"/>
+              <a:t>necessary</a:t>
+            </a:r>
+            <a:r>
+              <a:rPr lang="nl-BE" baseline="0" dirty="0" smtClean="0"/>
+              <a:t> data </a:t>
+            </a:r>
+            <a:r>
+              <a:rPr lang="nl-BE" baseline="0" dirty="0" err="1" smtClean="0"/>
+              <a:t>to</a:t>
+            </a:r>
+            <a:r>
+              <a:rPr lang="nl-BE" baseline="0" dirty="0" smtClean="0"/>
+              <a:t> </a:t>
+            </a:r>
+            <a:r>
+              <a:rPr lang="nl-BE" baseline="0" dirty="0" err="1" smtClean="0"/>
+              <a:t>be</a:t>
+            </a:r>
+            <a:r>
+              <a:rPr lang="nl-BE" baseline="0" dirty="0" smtClean="0"/>
+              <a:t> </a:t>
+            </a:r>
+            <a:r>
+              <a:rPr lang="nl-BE" baseline="0" dirty="0" err="1" smtClean="0"/>
+              <a:t>able</a:t>
+            </a:r>
+            <a:r>
+              <a:rPr lang="nl-BE" baseline="0" dirty="0" smtClean="0"/>
+              <a:t> </a:t>
+            </a:r>
+            <a:r>
+              <a:rPr lang="nl-BE" baseline="0" dirty="0" err="1" smtClean="0"/>
+              <a:t>to</a:t>
+            </a:r>
+            <a:r>
+              <a:rPr lang="nl-BE" baseline="0" dirty="0" smtClean="0"/>
+              <a:t> </a:t>
+            </a:r>
+            <a:r>
+              <a:rPr lang="nl-BE" baseline="0" dirty="0" err="1" smtClean="0"/>
+              <a:t>generate</a:t>
+            </a:r>
+            <a:r>
+              <a:rPr lang="nl-BE" baseline="0" dirty="0" smtClean="0"/>
+              <a:t> the </a:t>
+            </a:r>
+            <a:r>
+              <a:rPr lang="nl-BE" baseline="0" dirty="0" err="1" smtClean="0"/>
+              <a:t>specific</a:t>
+            </a:r>
+            <a:r>
+              <a:rPr lang="nl-BE" baseline="0" dirty="0" smtClean="0"/>
+              <a:t> </a:t>
+            </a:r>
+            <a:r>
+              <a:rPr lang="nl-BE" baseline="0" dirty="0" err="1" smtClean="0"/>
+              <a:t>shapes</a:t>
+            </a:r>
+            <a:r>
+              <a:rPr lang="nl-BE" baseline="0" dirty="0" smtClean="0"/>
+              <a:t>. A </a:t>
+            </a:r>
+            <a:r>
+              <a:rPr lang="nl-BE" baseline="0" dirty="0" err="1" smtClean="0"/>
+              <a:t>fourth</a:t>
+            </a:r>
+            <a:r>
+              <a:rPr lang="nl-BE" baseline="0" dirty="0" smtClean="0"/>
+              <a:t> class </a:t>
+            </a:r>
+            <a:r>
+              <a:rPr lang="nl-BE" baseline="0" dirty="0" err="1" smtClean="0"/>
+              <a:t>MetricShapesGenerator</a:t>
+            </a:r>
+            <a:r>
+              <a:rPr lang="nl-BE" baseline="0" dirty="0" smtClean="0"/>
+              <a:t> </a:t>
+            </a:r>
+            <a:r>
+              <a:rPr lang="nl-BE" baseline="0" dirty="0" err="1" smtClean="0"/>
+              <a:t>also</a:t>
+            </a:r>
+            <a:r>
+              <a:rPr lang="nl-BE" baseline="0" dirty="0" smtClean="0"/>
+              <a:t> </a:t>
+            </a:r>
+            <a:r>
+              <a:rPr lang="nl-BE" baseline="0" dirty="0" err="1" smtClean="0"/>
+              <a:t>implements</a:t>
+            </a:r>
+            <a:r>
+              <a:rPr lang="nl-BE" baseline="0" dirty="0" smtClean="0"/>
+              <a:t> the interface but </a:t>
+            </a:r>
+            <a:r>
+              <a:rPr lang="nl-BE" baseline="0" dirty="0" err="1" smtClean="0"/>
+              <a:t>behaves</a:t>
+            </a:r>
+            <a:r>
+              <a:rPr lang="nl-BE" baseline="0" dirty="0" smtClean="0"/>
+              <a:t> </a:t>
+            </a:r>
+            <a:r>
+              <a:rPr lang="nl-BE" baseline="0" dirty="0" err="1" smtClean="0"/>
+              <a:t>diffently</a:t>
+            </a:r>
+            <a:r>
+              <a:rPr lang="nl-BE" baseline="0" dirty="0" smtClean="0"/>
+              <a:t>. It </a:t>
+            </a:r>
+            <a:r>
+              <a:rPr lang="nl-BE" baseline="0" dirty="0" err="1" smtClean="0"/>
+              <a:t>creates</a:t>
+            </a:r>
+            <a:r>
+              <a:rPr lang="nl-BE" baseline="0" dirty="0" smtClean="0"/>
+              <a:t> a generator </a:t>
+            </a:r>
+            <a:r>
+              <a:rPr lang="nl-BE" baseline="0" dirty="0" err="1" smtClean="0"/>
+              <a:t>for</a:t>
+            </a:r>
+            <a:r>
+              <a:rPr lang="nl-BE" baseline="0" dirty="0" smtClean="0"/>
+              <a:t> </a:t>
+            </a:r>
+            <a:r>
+              <a:rPr lang="nl-BE" baseline="0" dirty="0" err="1" smtClean="0"/>
+              <a:t>each</a:t>
+            </a:r>
+            <a:r>
+              <a:rPr lang="nl-BE" baseline="0" dirty="0" smtClean="0"/>
+              <a:t> </a:t>
+            </a:r>
+            <a:r>
+              <a:rPr lang="nl-BE" baseline="0" dirty="0" err="1" smtClean="0"/>
+              <a:t>shapetype</a:t>
+            </a:r>
+            <a:r>
+              <a:rPr lang="nl-BE" baseline="0" dirty="0" smtClean="0"/>
+              <a:t> en </a:t>
+            </a:r>
+            <a:r>
+              <a:rPr lang="nl-BE" baseline="0" dirty="0" err="1" smtClean="0"/>
+              <a:t>gets</a:t>
+            </a:r>
+            <a:r>
+              <a:rPr lang="nl-BE" baseline="0" dirty="0" smtClean="0"/>
+              <a:t> the </a:t>
+            </a:r>
+            <a:r>
+              <a:rPr lang="nl-BE" baseline="0" dirty="0" err="1" smtClean="0"/>
+              <a:t>shapes</a:t>
+            </a:r>
+            <a:r>
+              <a:rPr lang="nl-BE" baseline="0" dirty="0" smtClean="0"/>
+              <a:t> </a:t>
+            </a:r>
+            <a:r>
+              <a:rPr lang="nl-BE" baseline="0" dirty="0" err="1" smtClean="0"/>
+              <a:t>it</a:t>
+            </a:r>
+            <a:r>
+              <a:rPr lang="nl-BE" baseline="0" dirty="0" smtClean="0"/>
+              <a:t> </a:t>
+            </a:r>
+            <a:r>
+              <a:rPr lang="nl-BE" baseline="0" dirty="0" err="1" smtClean="0"/>
+              <a:t>needs</a:t>
+            </a:r>
+            <a:r>
+              <a:rPr lang="nl-BE" baseline="0" dirty="0" smtClean="0"/>
+              <a:t> </a:t>
+            </a:r>
+            <a:r>
+              <a:rPr lang="nl-BE" baseline="0" dirty="0" err="1" smtClean="0"/>
+              <a:t>from</a:t>
+            </a:r>
+            <a:r>
+              <a:rPr lang="nl-BE" baseline="0" dirty="0" smtClean="0"/>
+              <a:t> the correct generator. </a:t>
+            </a:r>
+            <a:r>
+              <a:rPr lang="nl-BE" baseline="0" dirty="0" err="1" smtClean="0"/>
+              <a:t>This</a:t>
+            </a:r>
+            <a:r>
+              <a:rPr lang="nl-BE" baseline="0" dirty="0" smtClean="0"/>
+              <a:t> way we have </a:t>
+            </a:r>
+            <a:r>
+              <a:rPr lang="nl-BE" baseline="0" dirty="0" err="1" smtClean="0"/>
+              <a:t>less</a:t>
+            </a:r>
+            <a:r>
+              <a:rPr lang="nl-BE" baseline="0" dirty="0" smtClean="0"/>
+              <a:t> redundant code, more </a:t>
+            </a:r>
+            <a:r>
+              <a:rPr lang="nl-BE" baseline="0" dirty="0" err="1" smtClean="0"/>
+              <a:t>cohesion</a:t>
+            </a:r>
+            <a:r>
+              <a:rPr lang="nl-BE" baseline="0" dirty="0" smtClean="0"/>
+              <a:t> </a:t>
+            </a:r>
+            <a:r>
+              <a:rPr lang="nl-BE" baseline="0" dirty="0" err="1" smtClean="0"/>
+              <a:t>and</a:t>
+            </a:r>
+            <a:r>
+              <a:rPr lang="nl-BE" baseline="0" dirty="0" smtClean="0"/>
+              <a:t> </a:t>
+            </a:r>
+            <a:r>
+              <a:rPr lang="nl-BE" baseline="0" dirty="0" err="1" smtClean="0"/>
+              <a:t>less</a:t>
+            </a:r>
+            <a:r>
+              <a:rPr lang="nl-BE" baseline="0" dirty="0" smtClean="0"/>
+              <a:t> </a:t>
+            </a:r>
+            <a:r>
+              <a:rPr lang="nl-BE" baseline="0" dirty="0" err="1" smtClean="0"/>
+              <a:t>coupling</a:t>
+            </a:r>
+            <a:r>
+              <a:rPr lang="nl-BE" baseline="0" dirty="0" smtClean="0"/>
+              <a:t> </a:t>
+            </a:r>
+            <a:r>
+              <a:rPr lang="nl-BE" baseline="0" dirty="0" err="1" smtClean="0"/>
+              <a:t>between</a:t>
+            </a:r>
+            <a:r>
+              <a:rPr lang="nl-BE" baseline="0" dirty="0" smtClean="0"/>
+              <a:t> the </a:t>
+            </a:r>
+            <a:r>
+              <a:rPr lang="nl-BE" baseline="0" dirty="0" err="1" smtClean="0"/>
+              <a:t>metricshapesgenerator</a:t>
+            </a:r>
+            <a:r>
+              <a:rPr lang="nl-BE" baseline="0" dirty="0" smtClean="0"/>
+              <a:t> </a:t>
+            </a:r>
+            <a:r>
+              <a:rPr lang="nl-BE" baseline="0" dirty="0" err="1" smtClean="0"/>
+              <a:t>and</a:t>
+            </a:r>
+            <a:r>
+              <a:rPr lang="nl-BE" baseline="0" dirty="0" smtClean="0"/>
+              <a:t> </a:t>
+            </a:r>
+            <a:r>
+              <a:rPr lang="nl-BE" baseline="0" dirty="0" err="1" smtClean="0"/>
+              <a:t>all</a:t>
+            </a:r>
+            <a:r>
+              <a:rPr lang="nl-BE" baseline="0" dirty="0" smtClean="0"/>
+              <a:t> the different </a:t>
+            </a:r>
+            <a:r>
+              <a:rPr lang="nl-BE" baseline="0" dirty="0" err="1" smtClean="0"/>
+              <a:t>shapes</a:t>
+            </a:r>
+            <a:r>
+              <a:rPr lang="nl-BE" baseline="0" dirty="0" smtClean="0"/>
               <a:t>.</a:t>
             </a:r>
             <a:endParaRPr lang="nl-BE" dirty="0"/>
@@ -1374,7 +1536,7 @@
     </p:spTree>
     <p:extLst>
       <p:ext uri="{BB962C8B-B14F-4D97-AF65-F5344CB8AC3E}">
-        <p14:creationId xmlns:p14="http://schemas.microsoft.com/office/powerpoint/2010/main" val="2359365539"/>
+        <p14:creationId xmlns:p14="http://schemas.microsoft.com/office/powerpoint/2010/main" val="2011657922"/>
       </p:ext>
     </p:extLst>
   </p:cSld>
@@ -1429,72 +1591,396 @@
           <a:lstStyle/>
           <a:p>
             <a:r>
-              <a:rPr lang="en-US" sz="1200" b="0" i="0" u="none" strike="noStrike" kern="1200" baseline="0" dirty="0" smtClean="0">
-                <a:solidFill>
-                  <a:schemeClr val="tx1"/>
-                </a:solidFill>
-                <a:latin typeface="+mn-lt"/>
-                <a:ea typeface="+mn-ea"/>
-                <a:cs typeface="+mn-cs"/>
-              </a:rPr>
-              <a:t>After the creation of the shapes, the chart is generated. The </a:t>
-            </a:r>
-            <a:r>
-              <a:rPr lang="en-US" sz="1200" b="0" i="0" u="none" strike="noStrike" kern="1200" baseline="0" dirty="0" err="1" smtClean="0">
-                <a:solidFill>
-                  <a:schemeClr val="tx1"/>
-                </a:solidFill>
-                <a:latin typeface="+mn-lt"/>
-                <a:ea typeface="+mn-ea"/>
-                <a:cs typeface="+mn-cs"/>
-              </a:rPr>
-              <a:t>plotgenerator</a:t>
-            </a:r>
-            <a:r>
-              <a:rPr lang="en-US" sz="1200" b="0" i="0" u="none" strike="noStrike" kern="1200" baseline="0" dirty="0" smtClean="0">
-                <a:solidFill>
-                  <a:schemeClr val="tx1"/>
-                </a:solidFill>
-                <a:latin typeface="+mn-lt"/>
-                <a:ea typeface="+mn-ea"/>
-                <a:cs typeface="+mn-cs"/>
-              </a:rPr>
-              <a:t> uses a </a:t>
-            </a:r>
-            <a:r>
-              <a:rPr lang="en-US" sz="1200" b="0" i="0" u="none" strike="noStrike" kern="1200" baseline="0" dirty="0" err="1" smtClean="0">
-                <a:solidFill>
-                  <a:schemeClr val="tx1"/>
-                </a:solidFill>
-                <a:latin typeface="+mn-lt"/>
-                <a:ea typeface="+mn-ea"/>
-                <a:cs typeface="+mn-cs"/>
-              </a:rPr>
-              <a:t>chartbuilder</a:t>
-            </a:r>
-            <a:r>
-              <a:rPr lang="en-US" sz="1200" b="0" i="0" u="none" strike="noStrike" kern="1200" baseline="0" dirty="0" smtClean="0">
-                <a:solidFill>
-                  <a:schemeClr val="tx1"/>
-                </a:solidFill>
-                <a:latin typeface="+mn-lt"/>
-                <a:ea typeface="+mn-ea"/>
-                <a:cs typeface="+mn-cs"/>
-              </a:rPr>
-              <a:t> to create an empty canvas, and 2 axes, depending on the plotted data. After that, the generator iterates over all the shapes, gives them the right coordinates and uses the builder to draw them all on the screen. The builder then returns its image, which is sent to the initial caller. </a:t>
-            </a:r>
-          </a:p>
-          <a:p>
-            <a:endParaRPr lang="en-US" sz="1200" b="0" i="0" u="none" strike="noStrike" kern="1200" baseline="0" dirty="0" smtClean="0">
-              <a:solidFill>
-                <a:schemeClr val="tx1"/>
-              </a:solidFill>
-              <a:latin typeface="+mn-lt"/>
-              <a:ea typeface="+mn-ea"/>
-              <a:cs typeface="+mn-cs"/>
-            </a:endParaRPr>
-          </a:p>
-          <a:p>
+              <a:rPr lang="nl-BE" dirty="0" smtClean="0"/>
+              <a:t>We </a:t>
+            </a:r>
+            <a:r>
+              <a:rPr lang="nl-BE" dirty="0" err="1" smtClean="0"/>
+              <a:t>ran</a:t>
+            </a:r>
+            <a:r>
+              <a:rPr lang="nl-BE" dirty="0" smtClean="0"/>
+              <a:t> analysis</a:t>
+            </a:r>
+            <a:r>
+              <a:rPr lang="nl-BE" baseline="0" dirty="0" smtClean="0"/>
+              <a:t> </a:t>
+            </a:r>
+            <a:r>
+              <a:rPr lang="nl-BE" baseline="0" dirty="0" err="1" smtClean="0"/>
+              <a:t>with</a:t>
+            </a:r>
+            <a:r>
+              <a:rPr lang="nl-BE" baseline="0" dirty="0" smtClean="0"/>
+              <a:t> </a:t>
+            </a:r>
+            <a:r>
+              <a:rPr lang="nl-BE" baseline="0" dirty="0" err="1" smtClean="0"/>
+              <a:t>both</a:t>
+            </a:r>
+            <a:r>
+              <a:rPr lang="nl-BE" baseline="0" dirty="0" smtClean="0"/>
+              <a:t> </a:t>
+            </a:r>
+            <a:r>
+              <a:rPr lang="nl-BE" baseline="0" dirty="0" err="1" smtClean="0"/>
+              <a:t>incode</a:t>
+            </a:r>
+            <a:r>
+              <a:rPr lang="nl-BE" baseline="0" dirty="0" smtClean="0"/>
+              <a:t> </a:t>
+            </a:r>
+            <a:r>
+              <a:rPr lang="nl-BE" baseline="0" dirty="0" err="1" smtClean="0"/>
+              <a:t>and</a:t>
+            </a:r>
+            <a:r>
+              <a:rPr lang="nl-BE" baseline="0" dirty="0" smtClean="0"/>
+              <a:t> </a:t>
+            </a:r>
+            <a:r>
+              <a:rPr lang="nl-BE" baseline="0" dirty="0" err="1" smtClean="0"/>
+              <a:t>sonarQube</a:t>
+            </a:r>
+            <a:r>
+              <a:rPr lang="nl-BE" baseline="0" dirty="0" smtClean="0"/>
+              <a:t>. </a:t>
+            </a:r>
+            <a:r>
+              <a:rPr lang="nl-BE" baseline="0" dirty="0" err="1" smtClean="0"/>
+              <a:t>Incode</a:t>
+            </a:r>
+            <a:r>
+              <a:rPr lang="nl-BE" baseline="0" dirty="0" smtClean="0"/>
+              <a:t> </a:t>
+            </a:r>
+            <a:r>
+              <a:rPr lang="nl-BE" baseline="0" dirty="0" err="1" smtClean="0"/>
+              <a:t>showed</a:t>
+            </a:r>
+            <a:r>
+              <a:rPr lang="nl-BE" baseline="0" dirty="0" smtClean="0"/>
+              <a:t> classes </a:t>
+            </a:r>
+            <a:r>
+              <a:rPr lang="nl-BE" baseline="0" dirty="0" err="1" smtClean="0"/>
+              <a:t>hierarchies</a:t>
+            </a:r>
+            <a:r>
+              <a:rPr lang="nl-BE" baseline="0" dirty="0" smtClean="0"/>
+              <a:t> </a:t>
+            </a:r>
+            <a:r>
+              <a:rPr lang="nl-BE" baseline="0" dirty="0" err="1" smtClean="0"/>
+              <a:t>tend</a:t>
+            </a:r>
+            <a:r>
+              <a:rPr lang="nl-BE" baseline="0" dirty="0" smtClean="0"/>
+              <a:t> </a:t>
+            </a:r>
+            <a:r>
+              <a:rPr lang="nl-BE" baseline="0" dirty="0" err="1" smtClean="0"/>
+              <a:t>to</a:t>
+            </a:r>
+            <a:r>
+              <a:rPr lang="nl-BE" baseline="0" dirty="0" smtClean="0"/>
+              <a:t> </a:t>
+            </a:r>
+            <a:r>
+              <a:rPr lang="nl-BE" baseline="0" dirty="0" err="1" smtClean="0"/>
+              <a:t>be</a:t>
+            </a:r>
+            <a:r>
+              <a:rPr lang="nl-BE" baseline="0" dirty="0" smtClean="0"/>
+              <a:t> </a:t>
+            </a:r>
+            <a:r>
+              <a:rPr lang="nl-BE" baseline="0" dirty="0" err="1" smtClean="0"/>
+              <a:t>tall</a:t>
+            </a:r>
+            <a:r>
+              <a:rPr lang="nl-BE" baseline="0" dirty="0" smtClean="0"/>
+              <a:t> </a:t>
+            </a:r>
+            <a:r>
+              <a:rPr lang="nl-BE" baseline="0" dirty="0" err="1" smtClean="0"/>
+              <a:t>and</a:t>
+            </a:r>
+            <a:r>
+              <a:rPr lang="nl-BE" baseline="0" dirty="0" smtClean="0"/>
+              <a:t> </a:t>
+            </a:r>
+            <a:r>
+              <a:rPr lang="nl-BE" baseline="0" dirty="0" err="1" smtClean="0"/>
+              <a:t>wide</a:t>
+            </a:r>
+            <a:r>
+              <a:rPr lang="nl-BE" baseline="0" dirty="0" smtClean="0"/>
+              <a:t>, we </a:t>
+            </a:r>
+            <a:r>
+              <a:rPr lang="nl-BE" baseline="0" dirty="0" err="1" smtClean="0"/>
+              <a:t>believe</a:t>
+            </a:r>
+            <a:r>
+              <a:rPr lang="nl-BE" baseline="0" dirty="0" smtClean="0"/>
+              <a:t> </a:t>
+            </a:r>
+            <a:r>
+              <a:rPr lang="nl-BE" baseline="0" dirty="0" err="1" smtClean="0"/>
+              <a:t>this</a:t>
+            </a:r>
+            <a:r>
+              <a:rPr lang="nl-BE" baseline="0" dirty="0" smtClean="0"/>
+              <a:t> is </a:t>
+            </a:r>
+            <a:r>
+              <a:rPr lang="nl-BE" baseline="0" dirty="0" err="1" smtClean="0"/>
+              <a:t>caused</a:t>
+            </a:r>
+            <a:r>
+              <a:rPr lang="nl-BE" baseline="0" dirty="0" smtClean="0"/>
+              <a:t> </a:t>
+            </a:r>
+            <a:r>
+              <a:rPr lang="nl-BE" baseline="0" dirty="0" err="1" smtClean="0"/>
+              <a:t>because</a:t>
+            </a:r>
+            <a:r>
+              <a:rPr lang="nl-BE" baseline="0" dirty="0" smtClean="0"/>
+              <a:t> the </a:t>
+            </a:r>
+            <a:r>
+              <a:rPr lang="nl-BE" baseline="0" dirty="0" err="1" smtClean="0"/>
+              <a:t>number</a:t>
+            </a:r>
+            <a:r>
+              <a:rPr lang="nl-BE" baseline="0" dirty="0" smtClean="0"/>
+              <a:t> of classes is </a:t>
+            </a:r>
+            <a:r>
+              <a:rPr lang="nl-BE" baseline="0" dirty="0" err="1" smtClean="0"/>
+              <a:t>relatively</a:t>
+            </a:r>
+            <a:r>
+              <a:rPr lang="nl-BE" baseline="0" dirty="0" smtClean="0"/>
+              <a:t> small </a:t>
+            </a:r>
+            <a:r>
+              <a:rPr lang="nl-BE" baseline="0" dirty="0" err="1" smtClean="0"/>
+              <a:t>to</a:t>
+            </a:r>
+            <a:r>
+              <a:rPr lang="nl-BE" baseline="0" dirty="0" smtClean="0"/>
+              <a:t> classes in </a:t>
+            </a:r>
+            <a:r>
+              <a:rPr lang="nl-BE" baseline="0" dirty="0" err="1" smtClean="0"/>
+              <a:t>hierarchies</a:t>
+            </a:r>
+            <a:r>
+              <a:rPr lang="nl-BE" baseline="0" dirty="0" smtClean="0"/>
+              <a:t> </a:t>
+            </a:r>
+            <a:r>
+              <a:rPr lang="nl-BE" baseline="0" dirty="0" err="1" smtClean="0"/>
+              <a:t>and</a:t>
+            </a:r>
+            <a:r>
+              <a:rPr lang="nl-BE" baseline="0" dirty="0" smtClean="0"/>
+              <a:t> </a:t>
+            </a:r>
+            <a:r>
+              <a:rPr lang="nl-BE" baseline="0" dirty="0" err="1" smtClean="0"/>
+              <a:t>hierachies</a:t>
+            </a:r>
+            <a:r>
+              <a:rPr lang="nl-BE" baseline="0" dirty="0" smtClean="0"/>
+              <a:t> </a:t>
+            </a:r>
+            <a:r>
+              <a:rPr lang="nl-BE" baseline="0" dirty="0" err="1" smtClean="0"/>
+              <a:t>depth</a:t>
+            </a:r>
+            <a:r>
+              <a:rPr lang="nl-BE" baseline="0" dirty="0" smtClean="0"/>
+              <a:t>. </a:t>
+            </a:r>
+            <a:br>
+              <a:rPr lang="nl-BE" baseline="0" dirty="0" smtClean="0"/>
+            </a:br>
+            <a:r>
+              <a:rPr lang="nl-BE" baseline="0" dirty="0" smtClean="0"/>
+              <a:t>We </a:t>
+            </a:r>
+            <a:r>
+              <a:rPr lang="nl-BE" baseline="0" dirty="0" err="1" smtClean="0"/>
+              <a:t>also</a:t>
+            </a:r>
+            <a:r>
+              <a:rPr lang="nl-BE" baseline="0" dirty="0" smtClean="0"/>
+              <a:t> </a:t>
+            </a:r>
+            <a:r>
+              <a:rPr lang="nl-BE" baseline="0" dirty="0" err="1" smtClean="0"/>
+              <a:t>seem</a:t>
+            </a:r>
+            <a:r>
+              <a:rPr lang="nl-BE" baseline="0" dirty="0" smtClean="0"/>
+              <a:t> </a:t>
+            </a:r>
+            <a:r>
+              <a:rPr lang="nl-BE" baseline="0" dirty="0" err="1" smtClean="0"/>
+              <a:t>to</a:t>
+            </a:r>
+            <a:r>
+              <a:rPr lang="nl-BE" baseline="0" dirty="0" smtClean="0"/>
+              <a:t> call </a:t>
+            </a:r>
+            <a:r>
+              <a:rPr lang="nl-BE" baseline="0" dirty="0" err="1" smtClean="0"/>
+              <a:t>relatively</a:t>
+            </a:r>
+            <a:r>
+              <a:rPr lang="nl-BE" baseline="0" dirty="0" smtClean="0"/>
+              <a:t> </a:t>
+            </a:r>
+            <a:r>
+              <a:rPr lang="nl-BE" baseline="0" dirty="0" err="1" smtClean="0"/>
+              <a:t>many</a:t>
+            </a:r>
+            <a:r>
+              <a:rPr lang="nl-BE" baseline="0" dirty="0" smtClean="0"/>
+              <a:t> </a:t>
+            </a:r>
+            <a:r>
+              <a:rPr lang="nl-BE" baseline="0" dirty="0" err="1" smtClean="0"/>
+              <a:t>methods</a:t>
+            </a:r>
+            <a:r>
+              <a:rPr lang="nl-BE" baseline="0" dirty="0" smtClean="0"/>
+              <a:t> </a:t>
+            </a:r>
+            <a:r>
+              <a:rPr lang="nl-BE" baseline="0" dirty="0" err="1" smtClean="0"/>
+              <a:t>within</a:t>
+            </a:r>
+            <a:r>
+              <a:rPr lang="nl-BE" baseline="0" dirty="0" smtClean="0"/>
+              <a:t> a class </a:t>
+            </a:r>
+            <a:r>
+              <a:rPr lang="nl-BE" baseline="0" dirty="0" err="1" smtClean="0"/>
+              <a:t>which</a:t>
+            </a:r>
+            <a:r>
+              <a:rPr lang="nl-BE" baseline="0" dirty="0" smtClean="0"/>
+              <a:t> we </a:t>
+            </a:r>
+            <a:r>
+              <a:rPr lang="nl-BE" baseline="0" dirty="0" err="1" smtClean="0"/>
+              <a:t>believe</a:t>
+            </a:r>
+            <a:r>
+              <a:rPr lang="nl-BE" baseline="0" dirty="0" smtClean="0"/>
+              <a:t> </a:t>
+            </a:r>
+            <a:r>
+              <a:rPr lang="nl-BE" baseline="0" dirty="0" err="1" smtClean="0"/>
+              <a:t>comes</a:t>
+            </a:r>
+            <a:r>
+              <a:rPr lang="nl-BE" baseline="0" dirty="0" smtClean="0"/>
+              <a:t> </a:t>
+            </a:r>
+            <a:r>
+              <a:rPr lang="nl-BE" baseline="0" dirty="0" err="1" smtClean="0"/>
+              <a:t>from</a:t>
+            </a:r>
+            <a:r>
+              <a:rPr lang="nl-BE" baseline="0" dirty="0" smtClean="0"/>
+              <a:t> the </a:t>
+            </a:r>
+            <a:r>
+              <a:rPr lang="nl-BE" baseline="0" dirty="0" err="1" smtClean="0"/>
+              <a:t>fact</a:t>
+            </a:r>
+            <a:r>
+              <a:rPr lang="nl-BE" baseline="0" dirty="0" smtClean="0"/>
+              <a:t> </a:t>
+            </a:r>
+            <a:r>
+              <a:rPr lang="nl-BE" baseline="0" dirty="0" err="1" smtClean="0"/>
+              <a:t>that</a:t>
+            </a:r>
+            <a:r>
+              <a:rPr lang="nl-BE" baseline="0" dirty="0" smtClean="0"/>
+              <a:t> we </a:t>
+            </a:r>
+            <a:r>
+              <a:rPr lang="nl-BE" baseline="0" dirty="0" err="1" smtClean="0"/>
+              <a:t>use</a:t>
+            </a:r>
+            <a:r>
+              <a:rPr lang="nl-BE" baseline="0" dirty="0" smtClean="0"/>
+              <a:t> a lot of private </a:t>
+            </a:r>
+            <a:r>
+              <a:rPr lang="nl-BE" baseline="0" dirty="0" err="1" smtClean="0"/>
+              <a:t>methods</a:t>
+            </a:r>
+            <a:r>
+              <a:rPr lang="nl-BE" baseline="0" dirty="0" smtClean="0"/>
+              <a:t> </a:t>
+            </a:r>
+            <a:r>
+              <a:rPr lang="nl-BE" baseline="0" dirty="0" err="1" smtClean="0"/>
+              <a:t>so</a:t>
+            </a:r>
+            <a:r>
+              <a:rPr lang="nl-BE" baseline="0" dirty="0" smtClean="0"/>
+              <a:t> </a:t>
+            </a:r>
+            <a:r>
+              <a:rPr lang="nl-BE" baseline="0" dirty="0" err="1" smtClean="0"/>
+              <a:t>other</a:t>
+            </a:r>
+            <a:r>
+              <a:rPr lang="nl-BE" baseline="0" dirty="0" smtClean="0"/>
+              <a:t> </a:t>
+            </a:r>
+            <a:r>
+              <a:rPr lang="nl-BE" baseline="0" dirty="0" err="1" smtClean="0"/>
+              <a:t>methods</a:t>
+            </a:r>
+            <a:r>
+              <a:rPr lang="nl-BE" baseline="0" dirty="0" smtClean="0"/>
+              <a:t> do </a:t>
+            </a:r>
+            <a:r>
+              <a:rPr lang="nl-BE" baseline="0" dirty="0" err="1" smtClean="0"/>
+              <a:t>not</a:t>
+            </a:r>
+            <a:r>
+              <a:rPr lang="nl-BE" baseline="0" dirty="0" smtClean="0"/>
+              <a:t> </a:t>
+            </a:r>
+            <a:r>
+              <a:rPr lang="nl-BE" baseline="0" dirty="0" err="1" smtClean="0"/>
+              <a:t>become</a:t>
+            </a:r>
+            <a:r>
+              <a:rPr lang="nl-BE" baseline="0" dirty="0" smtClean="0"/>
+              <a:t> </a:t>
+            </a:r>
+            <a:r>
+              <a:rPr lang="nl-BE" baseline="0" dirty="0" err="1" smtClean="0"/>
+              <a:t>to</a:t>
+            </a:r>
+            <a:r>
+              <a:rPr lang="nl-BE" baseline="0" dirty="0" smtClean="0"/>
+              <a:t> big.</a:t>
+            </a:r>
             <a:endParaRPr lang="nl-BE" dirty="0"/>
           </a:p>
         </p:txBody>
@@ -1525,7 +2011,7 @@
     </p:spTree>
     <p:extLst>
       <p:ext uri="{BB962C8B-B14F-4D97-AF65-F5344CB8AC3E}">
-        <p14:creationId xmlns:p14="http://schemas.microsoft.com/office/powerpoint/2010/main" val="550856379"/>
+        <p14:creationId xmlns:p14="http://schemas.microsoft.com/office/powerpoint/2010/main" val="2359365539"/>
       </p:ext>
     </p:extLst>
   </p:cSld>
@@ -1580,34 +2066,168 @@
           <a:lstStyle/>
           <a:p>
             <a:r>
-              <a:rPr lang="en-US" dirty="0" smtClean="0"/>
-              <a:t>The</a:t>
-            </a:r>
-            <a:r>
-              <a:rPr lang="en-US" baseline="0" dirty="0" smtClean="0"/>
-              <a:t> system complexity chart is generated in roughly the same way.  The only difference is the internal data representation. Whereas the scatterplot uses just shapes, with coordinates en dimensions, this plot makes use of tree structures;</a:t>
-            </a:r>
-          </a:p>
-          <a:p>
-            <a:r>
-              <a:rPr lang="en-US" baseline="0" dirty="0" smtClean="0"/>
-              <a:t>All resources are looked up via </a:t>
-            </a:r>
-            <a:r>
-              <a:rPr lang="en-US" baseline="0" dirty="0" err="1" smtClean="0"/>
-              <a:t>measureFetcher</a:t>
-            </a:r>
-            <a:r>
-              <a:rPr lang="en-US" baseline="0" dirty="0" smtClean="0"/>
-              <a:t>, for each resource, a </a:t>
-            </a:r>
-            <a:r>
-              <a:rPr lang="en-US" baseline="0" dirty="0" err="1" smtClean="0"/>
-              <a:t>shapetreenode</a:t>
-            </a:r>
-            <a:r>
-              <a:rPr lang="en-US" baseline="0" dirty="0" smtClean="0"/>
-              <a:t> is created, this node encapsulates a shape object. Then we look for tree roots. Then all other nodes are linked to their parent, and so a tree is created, starting from the root. Each tree is then sorted, and the right positions for the shapes are set. After that, the lines between children and parents are created. At last, all shapes (boxes and lines) get drawn on the screen.</a:t>
+              <a:rPr lang="nl-BE" dirty="0" err="1" smtClean="0"/>
+              <a:t>Incode</a:t>
+            </a:r>
+            <a:r>
+              <a:rPr lang="nl-BE" dirty="0" smtClean="0"/>
+              <a:t> shows </a:t>
+            </a:r>
+            <a:r>
+              <a:rPr lang="nl-BE" dirty="0" err="1" smtClean="0"/>
+              <a:t>one</a:t>
+            </a:r>
+            <a:r>
+              <a:rPr lang="nl-BE" dirty="0" smtClean="0"/>
+              <a:t> data class </a:t>
+            </a:r>
+            <a:r>
+              <a:rPr lang="nl-BE" dirty="0" err="1" smtClean="0"/>
+              <a:t>which</a:t>
+            </a:r>
+            <a:r>
+              <a:rPr lang="nl-BE" dirty="0" smtClean="0"/>
+              <a:t> is the</a:t>
+            </a:r>
+            <a:r>
+              <a:rPr lang="nl-BE" baseline="0" dirty="0" smtClean="0"/>
+              <a:t> </a:t>
+            </a:r>
+            <a:r>
+              <a:rPr lang="nl-BE" baseline="0" dirty="0" err="1" smtClean="0"/>
+              <a:t>Shape</a:t>
+            </a:r>
+            <a:r>
+              <a:rPr lang="nl-BE" baseline="0" dirty="0" smtClean="0"/>
+              <a:t> class </a:t>
+            </a:r>
+            <a:r>
+              <a:rPr lang="nl-BE" baseline="0" dirty="0" err="1" smtClean="0"/>
+              <a:t>and</a:t>
+            </a:r>
+            <a:r>
+              <a:rPr lang="nl-BE" baseline="0" dirty="0" smtClean="0"/>
+              <a:t> </a:t>
+            </a:r>
+            <a:r>
+              <a:rPr lang="nl-BE" baseline="0" dirty="0" err="1" smtClean="0"/>
+              <a:t>some</a:t>
+            </a:r>
+            <a:r>
+              <a:rPr lang="nl-BE" baseline="0" dirty="0" smtClean="0"/>
+              <a:t> data </a:t>
+            </a:r>
+            <a:r>
+              <a:rPr lang="nl-BE" baseline="0" dirty="0" err="1" smtClean="0"/>
+              <a:t>clumps</a:t>
+            </a:r>
+            <a:r>
+              <a:rPr lang="nl-BE" baseline="0" dirty="0" smtClean="0"/>
+              <a:t> </a:t>
+            </a:r>
+            <a:r>
+              <a:rPr lang="nl-BE" baseline="0" dirty="0" err="1" smtClean="0"/>
+              <a:t>which</a:t>
+            </a:r>
+            <a:r>
+              <a:rPr lang="nl-BE" baseline="0" dirty="0" smtClean="0"/>
+              <a:t> are </a:t>
+            </a:r>
+            <a:r>
+              <a:rPr lang="nl-BE" baseline="0" dirty="0" err="1" smtClean="0"/>
+              <a:t>mostly</a:t>
+            </a:r>
+            <a:r>
+              <a:rPr lang="nl-BE" baseline="0" dirty="0" smtClean="0"/>
+              <a:t> </a:t>
+            </a:r>
+            <a:r>
+              <a:rPr lang="nl-BE" baseline="0" dirty="0" err="1" smtClean="0"/>
+              <a:t>related</a:t>
+            </a:r>
+            <a:r>
+              <a:rPr lang="nl-BE" baseline="0" dirty="0" smtClean="0"/>
+              <a:t> </a:t>
+            </a:r>
+            <a:r>
+              <a:rPr lang="nl-BE" baseline="0" dirty="0" err="1" smtClean="0"/>
+              <a:t>to</a:t>
+            </a:r>
+            <a:r>
+              <a:rPr lang="nl-BE" baseline="0" dirty="0" smtClean="0"/>
+              <a:t> </a:t>
+            </a:r>
+            <a:r>
+              <a:rPr lang="nl-BE" baseline="0" dirty="0" err="1" smtClean="0"/>
+              <a:t>this</a:t>
+            </a:r>
+            <a:r>
+              <a:rPr lang="nl-BE" baseline="0" dirty="0" smtClean="0"/>
+              <a:t> </a:t>
+            </a:r>
+            <a:r>
+              <a:rPr lang="nl-BE" baseline="0" dirty="0" err="1" smtClean="0"/>
+              <a:t>shape</a:t>
+            </a:r>
+            <a:r>
+              <a:rPr lang="nl-BE" baseline="0" dirty="0" smtClean="0"/>
+              <a:t>. In </a:t>
+            </a:r>
+            <a:r>
+              <a:rPr lang="nl-BE" baseline="0" dirty="0" err="1" smtClean="0"/>
+              <a:t>conclusion</a:t>
+            </a:r>
+            <a:r>
+              <a:rPr lang="nl-BE" baseline="0" dirty="0" smtClean="0"/>
+              <a:t> we </a:t>
+            </a:r>
+            <a:r>
+              <a:rPr lang="nl-BE" baseline="0" dirty="0" err="1" smtClean="0"/>
+              <a:t>believe</a:t>
+            </a:r>
+            <a:r>
+              <a:rPr lang="nl-BE" baseline="0" dirty="0" smtClean="0"/>
+              <a:t> we </a:t>
+            </a:r>
+            <a:r>
+              <a:rPr lang="nl-BE" baseline="0" dirty="0" err="1" smtClean="0"/>
+              <a:t>did</a:t>
+            </a:r>
+            <a:r>
+              <a:rPr lang="nl-BE" baseline="0" dirty="0" smtClean="0"/>
+              <a:t> </a:t>
+            </a:r>
+            <a:r>
+              <a:rPr lang="nl-BE" baseline="0" dirty="0" err="1" smtClean="0"/>
+              <a:t>not</a:t>
+            </a:r>
+            <a:r>
+              <a:rPr lang="nl-BE" baseline="0" dirty="0" smtClean="0"/>
+              <a:t> make </a:t>
+            </a:r>
+            <a:r>
+              <a:rPr lang="nl-BE" baseline="0" dirty="0" err="1" smtClean="0"/>
+              <a:t>too</a:t>
+            </a:r>
+            <a:r>
+              <a:rPr lang="nl-BE" baseline="0" dirty="0" smtClean="0"/>
+              <a:t> </a:t>
+            </a:r>
+            <a:r>
+              <a:rPr lang="nl-BE" baseline="0" dirty="0" err="1" smtClean="0"/>
+              <a:t>many</a:t>
+            </a:r>
+            <a:r>
+              <a:rPr lang="nl-BE" baseline="0" dirty="0" smtClean="0"/>
+              <a:t> design </a:t>
+            </a:r>
+            <a:r>
+              <a:rPr lang="nl-BE" baseline="0" dirty="0" err="1" smtClean="0"/>
+              <a:t>flaws</a:t>
+            </a:r>
+            <a:r>
+              <a:rPr lang="nl-BE" baseline="0" dirty="0" smtClean="0"/>
+              <a:t>.</a:t>
             </a:r>
             <a:endParaRPr lang="nl-BE" dirty="0"/>
           </a:p>
@@ -1639,7 +2259,7 @@
     </p:spTree>
     <p:extLst>
       <p:ext uri="{BB962C8B-B14F-4D97-AF65-F5344CB8AC3E}">
-        <p14:creationId xmlns:p14="http://schemas.microsoft.com/office/powerpoint/2010/main" val="2919133367"/>
+        <p14:creationId xmlns:p14="http://schemas.microsoft.com/office/powerpoint/2010/main" val="3969475859"/>
       </p:ext>
     </p:extLst>
   </p:cSld>
@@ -1694,71 +2314,104 @@
           <a:lstStyle/>
           <a:p>
             <a:r>
-              <a:rPr lang="en-US" dirty="0" smtClean="0"/>
-              <a:t>We</a:t>
-            </a:r>
-            <a:r>
-              <a:rPr lang="en-US" baseline="0" dirty="0" smtClean="0"/>
+              <a:rPr lang="nl-BE" dirty="0" smtClean="0"/>
+              <a:t>We </a:t>
+            </a:r>
+            <a:r>
+              <a:rPr lang="nl-BE" dirty="0" err="1" smtClean="0"/>
+              <a:t>used</a:t>
+            </a:r>
+            <a:r>
+              <a:rPr lang="nl-BE" baseline="0" dirty="0" smtClean="0"/>
               <a:t> </a:t>
             </a:r>
             <a:r>
-              <a:rPr lang="en-US" baseline="0" dirty="0" err="1" smtClean="0"/>
-              <a:t>splitted</a:t>
-            </a:r>
-            <a:r>
-              <a:rPr lang="en-US" baseline="0" dirty="0" smtClean="0"/>
-              <a:t> the chart generation in two different classes, with a generator interface. This makes it easier to reuse certain methods, in case we should implement different views. </a:t>
-            </a:r>
-          </a:p>
-          <a:p>
-            <a:endParaRPr lang="en-US" baseline="0" dirty="0" smtClean="0"/>
-          </a:p>
-          <a:p>
-            <a:r>
-              <a:rPr lang="en-US" baseline="0" dirty="0" smtClean="0"/>
-              <a:t>For the chart representation, we </a:t>
-            </a:r>
-            <a:r>
-              <a:rPr lang="en-US" baseline="0" dirty="0" err="1" smtClean="0"/>
-              <a:t>splitted</a:t>
-            </a:r>
-            <a:r>
-              <a:rPr lang="en-US" baseline="0" dirty="0" smtClean="0"/>
-              <a:t> the chart in tiny pieces, and thus created a shape hierarchy. For now we only have Boxes and Lines, but it will be easy to add circles, or triangles, or … These shapes are created by a </a:t>
-            </a:r>
-            <a:r>
-              <a:rPr lang="en-US" baseline="0" dirty="0" err="1" smtClean="0"/>
-              <a:t>shapeGenerator</a:t>
-            </a:r>
-            <a:r>
-              <a:rPr lang="en-US" baseline="0" dirty="0" smtClean="0"/>
-              <a:t>, which creates a list of shapes, when given some properties, and a </a:t>
-            </a:r>
-            <a:r>
-              <a:rPr lang="en-US" baseline="0" dirty="0" err="1" smtClean="0"/>
-              <a:t>measurefetcher</a:t>
-            </a:r>
-            <a:r>
-              <a:rPr lang="en-US" baseline="0" dirty="0" smtClean="0"/>
+              <a:rPr lang="nl-BE" baseline="0" dirty="0" err="1" smtClean="0"/>
+              <a:t>sonarqube</a:t>
+            </a:r>
+            <a:r>
+              <a:rPr lang="nl-BE" baseline="0" dirty="0" smtClean="0"/>
+              <a:t> </a:t>
+            </a:r>
+            <a:r>
+              <a:rPr lang="nl-BE" baseline="0" dirty="0" err="1" smtClean="0"/>
+              <a:t>to</a:t>
+            </a:r>
+            <a:r>
+              <a:rPr lang="nl-BE" baseline="0" dirty="0" smtClean="0"/>
+              <a:t> </a:t>
+            </a:r>
+            <a:r>
+              <a:rPr lang="nl-BE" baseline="0" dirty="0" err="1" smtClean="0"/>
+              <a:t>enhance</a:t>
+            </a:r>
+            <a:r>
+              <a:rPr lang="nl-BE" baseline="0" dirty="0" smtClean="0"/>
+              <a:t> </a:t>
+            </a:r>
+            <a:r>
+              <a:rPr lang="nl-BE" baseline="0" dirty="0" err="1" smtClean="0"/>
+              <a:t>our</a:t>
+            </a:r>
+            <a:r>
+              <a:rPr lang="nl-BE" baseline="0" dirty="0" smtClean="0"/>
+              <a:t> code. </a:t>
+            </a:r>
+            <a:r>
+              <a:rPr lang="nl-BE" baseline="0" dirty="0" err="1" smtClean="0"/>
+              <a:t>Now</a:t>
+            </a:r>
+            <a:r>
+              <a:rPr lang="nl-BE" baseline="0" dirty="0" smtClean="0"/>
+              <a:t> we </a:t>
+            </a:r>
+            <a:r>
+              <a:rPr lang="nl-BE" baseline="0" dirty="0" err="1" smtClean="0"/>
+              <a:t>see</a:t>
+            </a:r>
+            <a:r>
+              <a:rPr lang="nl-BE" baseline="0" dirty="0" smtClean="0"/>
+              <a:t> we do </a:t>
+            </a:r>
+            <a:r>
+              <a:rPr lang="nl-BE" baseline="0" dirty="0" err="1" smtClean="0"/>
+              <a:t>not</a:t>
+            </a:r>
+            <a:r>
+              <a:rPr lang="nl-BE" baseline="0" dirty="0" smtClean="0"/>
+              <a:t> have </a:t>
+            </a:r>
+            <a:r>
+              <a:rPr lang="nl-BE" baseline="0" dirty="0" err="1" smtClean="0"/>
+              <a:t>many</a:t>
+            </a:r>
+            <a:r>
+              <a:rPr lang="nl-BE" baseline="0" dirty="0" smtClean="0"/>
+              <a:t> important issues </a:t>
+            </a:r>
+            <a:r>
+              <a:rPr lang="nl-BE" baseline="0" dirty="0" err="1" smtClean="0"/>
+              <a:t>and</a:t>
+            </a:r>
+            <a:r>
+              <a:rPr lang="nl-BE" baseline="0" dirty="0" smtClean="0"/>
+              <a:t> </a:t>
+            </a:r>
+            <a:r>
+              <a:rPr lang="nl-BE" baseline="0" dirty="0" err="1" smtClean="0"/>
+              <a:t>also</a:t>
+            </a:r>
+            <a:r>
+              <a:rPr lang="nl-BE" baseline="0" dirty="0" smtClean="0"/>
+              <a:t> have a decent </a:t>
+            </a:r>
+            <a:r>
+              <a:rPr lang="nl-BE" baseline="0" dirty="0" err="1" smtClean="0"/>
+              <a:t>documentation</a:t>
+            </a:r>
+            <a:r>
+              <a:rPr lang="nl-BE" baseline="0" dirty="0" smtClean="0"/>
               <a:t>. </a:t>
-            </a:r>
-          </a:p>
-          <a:p>
-            <a:endParaRPr lang="en-US" baseline="0" dirty="0" smtClean="0"/>
-          </a:p>
-          <a:p>
-            <a:r>
-              <a:rPr lang="en-US" baseline="0" dirty="0" smtClean="0"/>
-              <a:t>We also created a “toolbox” class, with static methods that are used in different classes. It includes a method to scale an array, a method to split a string on given delimiters, …</a:t>
-            </a:r>
-          </a:p>
-          <a:p>
-            <a:endParaRPr lang="en-US" baseline="0" dirty="0" smtClean="0"/>
-          </a:p>
-          <a:p>
-            <a:r>
-              <a:rPr lang="en-US" baseline="0" dirty="0" smtClean="0"/>
-              <a:t>For the drawing specific part of the assignment, we also had to make some major decisions. See next slide.</a:t>
             </a:r>
             <a:endParaRPr lang="nl-BE" dirty="0"/>
           </a:p>
@@ -1790,7 +2443,7 @@
     </p:spTree>
     <p:extLst>
       <p:ext uri="{BB962C8B-B14F-4D97-AF65-F5344CB8AC3E}">
-        <p14:creationId xmlns:p14="http://schemas.microsoft.com/office/powerpoint/2010/main" val="186705839"/>
+        <p14:creationId xmlns:p14="http://schemas.microsoft.com/office/powerpoint/2010/main" val="820722823"/>
       </p:ext>
     </p:extLst>
   </p:cSld>
@@ -1845,192 +2498,275 @@
           <a:lstStyle/>
           <a:p>
             <a:r>
-              <a:rPr lang="en-US" sz="1200" b="0" i="0" u="none" strike="noStrike" kern="1200" baseline="0" dirty="0" smtClean="0">
-                <a:solidFill>
-                  <a:schemeClr val="tx1"/>
-                </a:solidFill>
-                <a:latin typeface="+mn-lt"/>
-                <a:ea typeface="+mn-ea"/>
-                <a:cs typeface="+mn-cs"/>
-              </a:rPr>
-              <a:t>To simplify the drawing, and to make it extendable, we created a </a:t>
-            </a:r>
-            <a:r>
-              <a:rPr lang="en-US" sz="1200" b="0" i="0" u="none" strike="noStrike" kern="1200" baseline="0" dirty="0" err="1" smtClean="0">
-                <a:solidFill>
-                  <a:schemeClr val="tx1"/>
-                </a:solidFill>
-                <a:latin typeface="+mn-lt"/>
-                <a:ea typeface="+mn-ea"/>
-                <a:cs typeface="+mn-cs"/>
-              </a:rPr>
-              <a:t>drawingstrategy</a:t>
-            </a:r>
-            <a:r>
-              <a:rPr lang="en-US" sz="1200" b="0" i="0" u="none" strike="noStrike" kern="1200" baseline="0" dirty="0" smtClean="0">
-                <a:solidFill>
-                  <a:schemeClr val="tx1"/>
-                </a:solidFill>
-                <a:latin typeface="+mn-lt"/>
-                <a:ea typeface="+mn-ea"/>
-                <a:cs typeface="+mn-cs"/>
-              </a:rPr>
-              <a:t>. Each plot has a strategy for all properties of its shapes, for example: scatterplot has a width, height and color property. In these properties, a strategy is stored. This way, the plot generator does not need to worry about “should this square be gray, or red, or …” the strategy takes care of generating the values for shape properties. </a:t>
-            </a:r>
-          </a:p>
-          <a:p>
-            <a:endParaRPr lang="en-US" sz="1200" b="0" i="0" u="none" strike="noStrike" kern="1200" baseline="0" dirty="0" smtClean="0">
-              <a:solidFill>
-                <a:schemeClr val="tx1"/>
-              </a:solidFill>
-              <a:latin typeface="+mn-lt"/>
-              <a:ea typeface="+mn-ea"/>
-              <a:cs typeface="+mn-cs"/>
-            </a:endParaRPr>
-          </a:p>
-          <a:p>
-            <a:r>
-              <a:rPr lang="en-US" sz="1200" b="0" i="0" u="none" strike="noStrike" kern="1200" baseline="0" dirty="0" smtClean="0">
-                <a:solidFill>
-                  <a:schemeClr val="tx1"/>
-                </a:solidFill>
-                <a:latin typeface="+mn-lt"/>
-                <a:ea typeface="+mn-ea"/>
-                <a:cs typeface="+mn-cs"/>
-              </a:rPr>
-              <a:t>To separate the internal representation from the </a:t>
-            </a:r>
-            <a:r>
-              <a:rPr lang="en-US" sz="1200" b="0" i="0" u="none" strike="noStrike" kern="1200" baseline="0" dirty="0" err="1" smtClean="0">
-                <a:solidFill>
-                  <a:schemeClr val="tx1"/>
-                </a:solidFill>
-                <a:latin typeface="+mn-lt"/>
-                <a:ea typeface="+mn-ea"/>
-                <a:cs typeface="+mn-cs"/>
-              </a:rPr>
-              <a:t>visualisation</a:t>
-            </a:r>
-            <a:r>
-              <a:rPr lang="en-US" sz="1200" b="0" i="0" u="none" strike="noStrike" kern="1200" baseline="0" dirty="0" smtClean="0">
-                <a:solidFill>
-                  <a:schemeClr val="tx1"/>
-                </a:solidFill>
-                <a:latin typeface="+mn-lt"/>
-                <a:ea typeface="+mn-ea"/>
-                <a:cs typeface="+mn-cs"/>
-              </a:rPr>
-              <a:t> of the chart, we used a builder. This way we can create different representations with the same constructions. This allows us to extend our plugin with different backend technology. </a:t>
-            </a:r>
-            <a:r>
-              <a:rPr lang="nl-BE" sz="1200" b="0" i="0" u="none" strike="noStrike" kern="1200" baseline="0" dirty="0" smtClean="0">
-                <a:solidFill>
-                  <a:schemeClr val="tx1"/>
-                </a:solidFill>
-                <a:latin typeface="+mn-lt"/>
-                <a:ea typeface="+mn-ea"/>
-                <a:cs typeface="+mn-cs"/>
-              </a:rPr>
-              <a:t>The Builder object</a:t>
-            </a:r>
-          </a:p>
-          <a:p>
-            <a:r>
-              <a:rPr lang="en-US" sz="1200" b="0" i="0" u="none" strike="noStrike" kern="1200" baseline="0" dirty="0" smtClean="0">
-                <a:solidFill>
-                  <a:schemeClr val="tx1"/>
-                </a:solidFill>
-                <a:latin typeface="+mn-lt"/>
-                <a:ea typeface="+mn-ea"/>
-                <a:cs typeface="+mn-cs"/>
-              </a:rPr>
-              <a:t>provides </a:t>
-            </a:r>
-            <a:r>
-              <a:rPr lang="en-US" sz="1200" b="0" i="0" u="none" strike="noStrike" kern="1200" baseline="0" dirty="0" err="1" smtClean="0">
-                <a:solidFill>
-                  <a:schemeClr val="tx1"/>
-                </a:solidFill>
-                <a:latin typeface="+mn-lt"/>
-                <a:ea typeface="+mn-ea"/>
-                <a:cs typeface="+mn-cs"/>
-              </a:rPr>
-              <a:t>PolymorphicChartGenerator</a:t>
-            </a:r>
-            <a:r>
-              <a:rPr lang="en-US" sz="1200" b="0" i="0" u="none" strike="noStrike" kern="1200" baseline="0" dirty="0" smtClean="0">
-                <a:solidFill>
-                  <a:schemeClr val="tx1"/>
-                </a:solidFill>
-                <a:latin typeface="+mn-lt"/>
-                <a:ea typeface="+mn-ea"/>
-                <a:cs typeface="+mn-cs"/>
-              </a:rPr>
-              <a:t> with an abstract interface for constructing the</a:t>
-            </a:r>
-          </a:p>
-          <a:p>
-            <a:r>
-              <a:rPr lang="en-US" sz="1200" b="0" i="0" u="none" strike="noStrike" kern="1200" baseline="0" dirty="0" smtClean="0">
-                <a:solidFill>
-                  <a:schemeClr val="tx1"/>
-                </a:solidFill>
-                <a:latin typeface="+mn-lt"/>
-                <a:ea typeface="+mn-ea"/>
-                <a:cs typeface="+mn-cs"/>
-              </a:rPr>
-              <a:t>chart. This way, the builder does not know about how the chart looks. It only knows that it has to draw a lot of shapes. Because the chart is constructed through an abstract interface, all you</a:t>
-            </a:r>
-          </a:p>
-          <a:p>
-            <a:r>
-              <a:rPr lang="en-US" sz="1200" b="0" i="0" u="none" strike="noStrike" kern="1200" baseline="0" dirty="0" smtClean="0">
-                <a:solidFill>
-                  <a:schemeClr val="tx1"/>
-                </a:solidFill>
-                <a:latin typeface="+mn-lt"/>
-                <a:ea typeface="+mn-ea"/>
-                <a:cs typeface="+mn-cs"/>
-              </a:rPr>
-              <a:t>have to do to change the </a:t>
-            </a:r>
-            <a:r>
-              <a:rPr lang="en-US" sz="1200" b="0" i="0" u="none" strike="noStrike" kern="1200" baseline="0" dirty="0" err="1" smtClean="0">
-                <a:solidFill>
-                  <a:schemeClr val="tx1"/>
-                </a:solidFill>
-                <a:latin typeface="+mn-lt"/>
-                <a:ea typeface="+mn-ea"/>
-                <a:cs typeface="+mn-cs"/>
-              </a:rPr>
-              <a:t>visualistaion</a:t>
-            </a:r>
-            <a:r>
-              <a:rPr lang="en-US" sz="1200" b="0" i="0" u="none" strike="noStrike" kern="1200" baseline="0" dirty="0" smtClean="0">
-                <a:solidFill>
-                  <a:schemeClr val="tx1"/>
-                </a:solidFill>
-                <a:latin typeface="+mn-lt"/>
-                <a:ea typeface="+mn-ea"/>
-                <a:cs typeface="+mn-cs"/>
-              </a:rPr>
-              <a:t> is to define a new</a:t>
-            </a:r>
-          </a:p>
-          <a:p>
-            <a:r>
-              <a:rPr lang="nl-BE" sz="1200" b="0" i="0" u="none" strike="noStrike" kern="1200" baseline="0" dirty="0" smtClean="0">
-                <a:solidFill>
-                  <a:schemeClr val="tx1"/>
-                </a:solidFill>
-                <a:latin typeface="+mn-lt"/>
-                <a:ea typeface="+mn-ea"/>
-                <a:cs typeface="+mn-cs"/>
-              </a:rPr>
-              <a:t>kind of builder.</a:t>
-            </a:r>
-          </a:p>
-          <a:p>
+              <a:rPr lang="nl-BE" dirty="0" smtClean="0"/>
+              <a:t>In the first iteration</a:t>
+            </a:r>
+            <a:r>
+              <a:rPr lang="nl-BE" baseline="0" dirty="0" smtClean="0"/>
+              <a:t> we </a:t>
+            </a:r>
+            <a:r>
+              <a:rPr lang="nl-BE" dirty="0" err="1" smtClean="0"/>
+              <a:t>aimed</a:t>
+            </a:r>
+            <a:r>
+              <a:rPr lang="nl-BE" dirty="0" smtClean="0"/>
+              <a:t> </a:t>
+            </a:r>
+            <a:r>
+              <a:rPr lang="nl-BE" dirty="0" err="1" smtClean="0"/>
+              <a:t>for</a:t>
+            </a:r>
+            <a:r>
+              <a:rPr lang="nl-BE" dirty="0" smtClean="0"/>
+              <a:t> a test </a:t>
+            </a:r>
+            <a:r>
+              <a:rPr lang="nl-BE" dirty="0" err="1" smtClean="0"/>
+              <a:t>coverage</a:t>
+            </a:r>
+            <a:r>
+              <a:rPr lang="nl-BE" baseline="0" dirty="0" smtClean="0"/>
+              <a:t> </a:t>
+            </a:r>
+            <a:r>
+              <a:rPr lang="nl-BE" baseline="0" dirty="0" err="1" smtClean="0"/>
+              <a:t>comparable</a:t>
+            </a:r>
+            <a:r>
+              <a:rPr lang="nl-BE" baseline="0" dirty="0" smtClean="0"/>
+              <a:t> </a:t>
+            </a:r>
+            <a:r>
+              <a:rPr lang="nl-BE" baseline="0" dirty="0" err="1" smtClean="0"/>
+              <a:t>to</a:t>
+            </a:r>
+            <a:r>
+              <a:rPr lang="nl-BE" baseline="0" dirty="0" smtClean="0"/>
+              <a:t> </a:t>
+            </a:r>
+            <a:r>
+              <a:rPr lang="nl-BE" baseline="0" dirty="0" err="1" smtClean="0"/>
+              <a:t>that</a:t>
+            </a:r>
+            <a:r>
+              <a:rPr lang="nl-BE" baseline="0" dirty="0" smtClean="0"/>
+              <a:t> of </a:t>
+            </a:r>
+            <a:r>
+              <a:rPr lang="nl-BE" baseline="0" dirty="0" err="1" smtClean="0"/>
+              <a:t>sonarqube</a:t>
+            </a:r>
+            <a:r>
+              <a:rPr lang="nl-BE" baseline="0" dirty="0" smtClean="0"/>
+              <a:t>. We </a:t>
+            </a:r>
+            <a:r>
+              <a:rPr lang="nl-BE" baseline="0" dirty="0" err="1" smtClean="0"/>
+              <a:t>can</a:t>
+            </a:r>
+            <a:r>
+              <a:rPr lang="nl-BE" baseline="0" dirty="0" smtClean="0"/>
+              <a:t> </a:t>
+            </a:r>
+            <a:r>
+              <a:rPr lang="nl-BE" baseline="0" dirty="0" err="1" smtClean="0"/>
+              <a:t>see</a:t>
+            </a:r>
+            <a:r>
+              <a:rPr lang="nl-BE" baseline="0" dirty="0" smtClean="0"/>
+              <a:t> </a:t>
+            </a:r>
+            <a:r>
+              <a:rPr lang="nl-BE" baseline="0" dirty="0" err="1" smtClean="0"/>
+              <a:t>from</a:t>
+            </a:r>
+            <a:r>
+              <a:rPr lang="nl-BE" baseline="0" dirty="0" smtClean="0"/>
+              <a:t> </a:t>
+            </a:r>
+            <a:r>
+              <a:rPr lang="nl-BE" baseline="0" dirty="0" err="1" smtClean="0"/>
+              <a:t>this</a:t>
+            </a:r>
+            <a:r>
+              <a:rPr lang="nl-BE" baseline="0" dirty="0" smtClean="0"/>
+              <a:t> image </a:t>
+            </a:r>
+            <a:r>
+              <a:rPr lang="nl-BE" baseline="0" dirty="0" err="1" smtClean="0"/>
+              <a:t>that</a:t>
+            </a:r>
+            <a:r>
+              <a:rPr lang="nl-BE" baseline="0" dirty="0" smtClean="0"/>
+              <a:t> we </a:t>
+            </a:r>
+            <a:r>
+              <a:rPr lang="nl-BE" baseline="0" dirty="0" err="1" smtClean="0"/>
+              <a:t>achieve</a:t>
+            </a:r>
+            <a:r>
+              <a:rPr lang="nl-BE" baseline="0" dirty="0" smtClean="0"/>
+              <a:t> </a:t>
+            </a:r>
+            <a:r>
+              <a:rPr lang="nl-BE" baseline="0" dirty="0" err="1" smtClean="0"/>
+              <a:t>this</a:t>
+            </a:r>
+            <a:r>
+              <a:rPr lang="nl-BE" baseline="0" dirty="0" smtClean="0"/>
+              <a:t> goal in </a:t>
+            </a:r>
+            <a:r>
+              <a:rPr lang="nl-BE" baseline="0" dirty="0" err="1" smtClean="0"/>
+              <a:t>our</a:t>
+            </a:r>
+            <a:r>
+              <a:rPr lang="nl-BE" baseline="0" dirty="0" smtClean="0"/>
+              <a:t> </a:t>
+            </a:r>
+            <a:r>
+              <a:rPr lang="nl-BE" baseline="0" dirty="0" err="1" smtClean="0"/>
+              <a:t>own</a:t>
+            </a:r>
+            <a:r>
+              <a:rPr lang="nl-BE" baseline="0" dirty="0" smtClean="0"/>
+              <a:t> packages. </a:t>
+            </a:r>
+            <a:r>
+              <a:rPr lang="nl-BE" baseline="0" dirty="0" err="1" smtClean="0"/>
+              <a:t>Only</a:t>
+            </a:r>
+            <a:r>
+              <a:rPr lang="nl-BE" baseline="0" dirty="0" smtClean="0"/>
+              <a:t> the </a:t>
+            </a:r>
+            <a:r>
+              <a:rPr lang="nl-BE" baseline="0" dirty="0" err="1" smtClean="0"/>
+              <a:t>chartgenerator</a:t>
+            </a:r>
+            <a:r>
+              <a:rPr lang="nl-BE" baseline="0" dirty="0" smtClean="0"/>
+              <a:t> package is </a:t>
+            </a:r>
+            <a:r>
+              <a:rPr lang="nl-BE" baseline="0" dirty="0" err="1" smtClean="0"/>
+              <a:t>not</a:t>
+            </a:r>
+            <a:r>
+              <a:rPr lang="nl-BE" baseline="0" dirty="0" smtClean="0"/>
+              <a:t> </a:t>
+            </a:r>
+            <a:r>
+              <a:rPr lang="nl-BE" baseline="0" dirty="0" err="1" smtClean="0"/>
+              <a:t>tested</a:t>
+            </a:r>
+            <a:r>
+              <a:rPr lang="nl-BE" baseline="0" dirty="0" smtClean="0"/>
+              <a:t> </a:t>
+            </a:r>
+            <a:r>
+              <a:rPr lang="nl-BE" baseline="0" dirty="0" err="1" smtClean="0"/>
+              <a:t>because</a:t>
+            </a:r>
+            <a:r>
+              <a:rPr lang="nl-BE" baseline="0" dirty="0" smtClean="0"/>
+              <a:t> </a:t>
+            </a:r>
+            <a:r>
+              <a:rPr lang="nl-BE" baseline="0" dirty="0" err="1" smtClean="0"/>
+              <a:t>it’s</a:t>
+            </a:r>
+            <a:r>
+              <a:rPr lang="nl-BE" baseline="0" dirty="0" smtClean="0"/>
+              <a:t> the </a:t>
+            </a:r>
+            <a:r>
+              <a:rPr lang="nl-BE" baseline="0" dirty="0" err="1" smtClean="0"/>
+              <a:t>same</a:t>
+            </a:r>
+            <a:r>
+              <a:rPr lang="nl-BE" baseline="0" dirty="0" smtClean="0"/>
+              <a:t> as running the </a:t>
+            </a:r>
+            <a:r>
+              <a:rPr lang="nl-BE" baseline="0" dirty="0" err="1" smtClean="0"/>
+              <a:t>plugin</a:t>
+            </a:r>
+            <a:r>
+              <a:rPr lang="nl-BE" baseline="0" dirty="0" smtClean="0"/>
+              <a:t>.</a:t>
+            </a:r>
+          </a:p>
+          <a:p>
+            <a:r>
+              <a:rPr lang="nl-BE" baseline="0" dirty="0" smtClean="0"/>
+              <a:t>We </a:t>
+            </a:r>
+            <a:r>
+              <a:rPr lang="nl-BE" baseline="0" dirty="0" err="1" smtClean="0"/>
+              <a:t>used</a:t>
+            </a:r>
+            <a:r>
+              <a:rPr lang="nl-BE" baseline="0" dirty="0" smtClean="0"/>
+              <a:t> </a:t>
+            </a:r>
+            <a:r>
+              <a:rPr lang="nl-BE" baseline="0" dirty="0" err="1" smtClean="0"/>
+              <a:t>mocking</a:t>
+            </a:r>
+            <a:r>
+              <a:rPr lang="nl-BE" baseline="0" dirty="0" smtClean="0"/>
+              <a:t> </a:t>
+            </a:r>
+            <a:r>
+              <a:rPr lang="nl-BE" baseline="0" dirty="0" err="1" smtClean="0"/>
+              <a:t>to</a:t>
+            </a:r>
+            <a:r>
+              <a:rPr lang="nl-BE" baseline="0" dirty="0" smtClean="0"/>
+              <a:t> </a:t>
+            </a:r>
+            <a:r>
+              <a:rPr lang="nl-BE" baseline="0" dirty="0" err="1" smtClean="0"/>
+              <a:t>be</a:t>
+            </a:r>
+            <a:r>
+              <a:rPr lang="nl-BE" baseline="0" dirty="0" smtClean="0"/>
+              <a:t> </a:t>
+            </a:r>
+            <a:r>
+              <a:rPr lang="nl-BE" baseline="0" dirty="0" err="1" smtClean="0"/>
+              <a:t>able</a:t>
+            </a:r>
+            <a:r>
+              <a:rPr lang="nl-BE" baseline="0" dirty="0" smtClean="0"/>
+              <a:t> </a:t>
+            </a:r>
+            <a:r>
+              <a:rPr lang="nl-BE" baseline="0" dirty="0" err="1" smtClean="0"/>
+              <a:t>to</a:t>
+            </a:r>
+            <a:r>
+              <a:rPr lang="nl-BE" baseline="0" dirty="0" smtClean="0"/>
+              <a:t> get </a:t>
+            </a:r>
+            <a:r>
+              <a:rPr lang="nl-BE" baseline="0" dirty="0" err="1" smtClean="0"/>
+              <a:t>this</a:t>
+            </a:r>
+            <a:r>
+              <a:rPr lang="nl-BE" baseline="0" dirty="0" smtClean="0"/>
+              <a:t> high </a:t>
+            </a:r>
+            <a:r>
+              <a:rPr lang="nl-BE" baseline="0" dirty="0" err="1" smtClean="0"/>
+              <a:t>coverage</a:t>
+            </a:r>
+            <a:r>
+              <a:rPr lang="nl-BE" baseline="0" dirty="0" smtClean="0"/>
+              <a:t>.</a:t>
+            </a:r>
             <a:endParaRPr lang="nl-BE" dirty="0"/>
           </a:p>
         </p:txBody>
@@ -2061,7 +2797,7 @@
     </p:spTree>
     <p:extLst>
       <p:ext uri="{BB962C8B-B14F-4D97-AF65-F5344CB8AC3E}">
-        <p14:creationId xmlns:p14="http://schemas.microsoft.com/office/powerpoint/2010/main" val="3722249373"/>
+        <p14:creationId xmlns:p14="http://schemas.microsoft.com/office/powerpoint/2010/main" val="1948290493"/>
       </p:ext>
     </p:extLst>
   </p:cSld>
@@ -2696,7 +3432,7 @@
           <a:p>
             <a:fld id="{4DD7D5C8-6869-4E9B-B57D-DCC91F8787D1}" type="datetime1">
               <a:rPr lang="nl-BE" smtClean="0"/>
-              <a:t>27/11/2014</a:t>
+              <a:t>17/12/2014</a:t>
             </a:fld>
             <a:endParaRPr lang="nl-BE"/>
           </a:p>
@@ -2892,7 +3628,7 @@
           <a:p>
             <a:fld id="{72419F3C-9727-47E6-981B-B25635F272BC}" type="datetime1">
               <a:rPr lang="nl-BE" smtClean="0"/>
-              <a:t>27/11/2014</a:t>
+              <a:t>17/12/2014</a:t>
             </a:fld>
             <a:endParaRPr lang="nl-BE"/>
           </a:p>
@@ -3077,7 +3813,7 @@
           <a:p>
             <a:fld id="{6843F3CD-3965-4223-8956-3D9D5E12AD7F}" type="datetime1">
               <a:rPr lang="nl-BE" smtClean="0"/>
-              <a:t>27/11/2014</a:t>
+              <a:t>17/12/2014</a:t>
             </a:fld>
             <a:endParaRPr lang="nl-BE"/>
           </a:p>
@@ -3227,7 +3963,7 @@
           <a:p>
             <a:fld id="{24BA0BAD-34BF-415F-B1CB-53CF826CA4C8}" type="datetime1">
               <a:rPr lang="nl-BE" smtClean="0"/>
-              <a:t>27/11/2014</a:t>
+              <a:t>17/12/2014</a:t>
             </a:fld>
             <a:endParaRPr lang="nl-BE"/>
           </a:p>
@@ -3482,7 +4218,7 @@
           <a:p>
             <a:fld id="{8D06C17E-3589-464C-BF5F-FE6EA426FBC8}" type="datetime1">
               <a:rPr lang="nl-BE" smtClean="0"/>
-              <a:t>27/11/2014</a:t>
+              <a:t>17/12/2014</a:t>
             </a:fld>
             <a:endParaRPr lang="nl-BE"/>
           </a:p>
@@ -3891,7 +4627,7 @@
           <a:p>
             <a:fld id="{BD0D29FD-29F2-426D-8F85-A3FB287175C9}" type="datetime1">
               <a:rPr lang="nl-BE" smtClean="0"/>
-              <a:t>27/11/2014</a:t>
+              <a:t>17/12/2014</a:t>
             </a:fld>
             <a:endParaRPr lang="nl-BE"/>
           </a:p>
@@ -4337,7 +5073,7 @@
           <a:p>
             <a:fld id="{55350AD8-1B2A-4FEB-B97E-A31F2F241290}" type="datetime1">
               <a:rPr lang="nl-BE" smtClean="0"/>
-              <a:t>27/11/2014</a:t>
+              <a:t>17/12/2014</a:t>
             </a:fld>
             <a:endParaRPr lang="nl-BE"/>
           </a:p>
@@ -4438,7 +5174,7 @@
           <a:p>
             <a:fld id="{9D1CDC0D-44A6-46A4-ABC8-7FAAB60E4387}" type="datetime1">
               <a:rPr lang="nl-BE" smtClean="0"/>
-              <a:t>27/11/2014</a:t>
+              <a:t>17/12/2014</a:t>
             </a:fld>
             <a:endParaRPr lang="nl-BE"/>
           </a:p>
@@ -4559,7 +5295,7 @@
           <a:p>
             <a:fld id="{4A7488C8-290D-4FBE-B873-BEE9DF564A00}" type="datetime1">
               <a:rPr lang="nl-BE" smtClean="0"/>
-              <a:t>27/11/2014</a:t>
+              <a:t>17/12/2014</a:t>
             </a:fld>
             <a:endParaRPr lang="nl-BE"/>
           </a:p>
@@ -4833,7 +5569,7 @@
           <a:p>
             <a:fld id="{B831C149-E817-42D1-A0FA-2477E73FD1D2}" type="datetime1">
               <a:rPr lang="nl-BE" smtClean="0"/>
-              <a:t>27/11/2014</a:t>
+              <a:t>17/12/2014</a:t>
             </a:fld>
             <a:endParaRPr lang="nl-BE"/>
           </a:p>
@@ -5038,7 +5774,7 @@
           <a:p>
             <a:fld id="{56B97871-9D95-4A75-A56C-772B74E83603}" type="datetime1">
               <a:rPr lang="nl-BE" smtClean="0"/>
-              <a:t>27/11/2014</a:t>
+              <a:t>17/12/2014</a:t>
             </a:fld>
             <a:endParaRPr lang="nl-BE"/>
           </a:p>
@@ -6147,7 +6883,7 @@
           <a:p>
             <a:fld id="{67C1D4AE-2298-4515-8B70-80F2D4192BE9}" type="datetime1">
               <a:rPr lang="nl-BE" smtClean="0"/>
-              <a:t>27/11/2014</a:t>
+              <a:t>17/12/2014</a:t>
             </a:fld>
             <a:endParaRPr lang="nl-BE"/>
           </a:p>
@@ -6742,15 +7478,14 @@
           <a:p>
             <a:r>
               <a:rPr lang="en-US" dirty="0" smtClean="0"/>
-              <a:t>Strategy </a:t>
+              <a:t>Mocking</a:t>
             </a:r>
           </a:p>
           <a:p>
             <a:r>
               <a:rPr lang="en-US" dirty="0" smtClean="0"/>
-              <a:t>Builder</a:t>
-            </a:r>
-            <a:endParaRPr lang="nl-BE" dirty="0"/>
+              <a:t>Coverage</a:t>
+            </a:r>
           </a:p>
         </p:txBody>
       </p:sp>
@@ -6789,23 +7524,51 @@
         </p:nvSpPr>
         <p:spPr/>
         <p:txBody>
-          <a:bodyPr>
-            <a:normAutofit/>
-          </a:bodyPr>
+          <a:bodyPr/>
           <a:lstStyle/>
           <a:p>
             <a:r>
               <a:rPr lang="en-US" dirty="0" smtClean="0"/>
-              <a:t>Drawing decisions</a:t>
+              <a:t>Testing</a:t>
             </a:r>
             <a:endParaRPr lang="nl-BE" dirty="0"/>
           </a:p>
         </p:txBody>
       </p:sp>
+      <p:pic>
+        <p:nvPicPr>
+          <p:cNvPr id="5" name="Afbeelding 4"/>
+          <p:cNvPicPr>
+            <a:picLocks noChangeAspect="1"/>
+          </p:cNvPicPr>
+          <p:nvPr/>
+        </p:nvPicPr>
+        <p:blipFill>
+          <a:blip r:embed="rId3">
+            <a:extLst>
+              <a:ext uri="{28A0092B-C50C-407E-A947-70E740481C1C}">
+                <a14:useLocalDpi xmlns:a14="http://schemas.microsoft.com/office/drawing/2010/main" val="0"/>
+              </a:ext>
+            </a:extLst>
+          </a:blip>
+          <a:stretch>
+            <a:fillRect/>
+          </a:stretch>
+        </p:blipFill>
+        <p:spPr>
+          <a:xfrm>
+            <a:off x="107504" y="2420149"/>
+            <a:ext cx="8905528" cy="3314240"/>
+          </a:xfrm>
+          <a:prstGeom prst="rect">
+            <a:avLst/>
+          </a:prstGeom>
+        </p:spPr>
+      </p:pic>
     </p:spTree>
     <p:extLst>
       <p:ext uri="{BB962C8B-B14F-4D97-AF65-F5344CB8AC3E}">
-        <p14:creationId xmlns:p14="http://schemas.microsoft.com/office/powerpoint/2010/main" val="2628942062"/>
+        <p14:creationId xmlns:p14="http://schemas.microsoft.com/office/powerpoint/2010/main" val="1987376582"/>
       </p:ext>
     </p:extLst>
   </p:cSld>
@@ -6841,34 +7604,6 @@
       </p:grpSpPr>
       <p:sp>
         <p:nvSpPr>
-          <p:cNvPr id="2" name="Tijdelijke aanduiding voor inhoud 1"/>
-          <p:cNvSpPr>
-            <a:spLocks noGrp="1"/>
-          </p:cNvSpPr>
-          <p:nvPr>
-            <p:ph idx="1"/>
-          </p:nvPr>
-        </p:nvSpPr>
-        <p:spPr/>
-        <p:txBody>
-          <a:bodyPr/>
-          <a:lstStyle/>
-          <a:p>
-            <a:r>
-              <a:rPr lang="en-US" dirty="0" smtClean="0"/>
-              <a:t>Mocking</a:t>
-            </a:r>
-          </a:p>
-          <a:p>
-            <a:r>
-              <a:rPr lang="en-US" dirty="0" smtClean="0"/>
-              <a:t>Coverage</a:t>
-            </a:r>
-          </a:p>
-        </p:txBody>
-      </p:sp>
-      <p:sp>
-        <p:nvSpPr>
           <p:cNvPr id="3" name="Tijdelijke aanduiding voor dianummer 2"/>
           <p:cNvSpPr>
             <a:spLocks noGrp="1"/>
@@ -6900,23 +7635,30 @@
             <p:ph type="title"/>
           </p:nvPr>
         </p:nvSpPr>
-        <p:spPr/>
-        <p:txBody>
-          <a:bodyPr/>
+        <p:spPr>
+          <a:xfrm>
+            <a:off x="3131840" y="404664"/>
+            <a:ext cx="8229600" cy="6552728"/>
+          </a:xfrm>
+        </p:spPr>
+        <p:txBody>
+          <a:bodyPr>
+            <a:noAutofit/>
+          </a:bodyPr>
           <a:lstStyle/>
           <a:p>
             <a:r>
-              <a:rPr lang="en-US" dirty="0" smtClean="0"/>
-              <a:t>Testing</a:t>
-            </a:r>
-            <a:endParaRPr lang="nl-BE" dirty="0"/>
+              <a:rPr lang="en-US" sz="49600" dirty="0" smtClean="0"/>
+              <a:t>?</a:t>
+            </a:r>
+            <a:endParaRPr lang="nl-BE" sz="49600" dirty="0"/>
           </a:p>
         </p:txBody>
       </p:sp>
     </p:spTree>
     <p:extLst>
       <p:ext uri="{BB962C8B-B14F-4D97-AF65-F5344CB8AC3E}">
-        <p14:creationId xmlns:p14="http://schemas.microsoft.com/office/powerpoint/2010/main" val="1987376582"/>
+        <p14:creationId xmlns:p14="http://schemas.microsoft.com/office/powerpoint/2010/main" val="3790347483"/>
       </p:ext>
     </p:extLst>
   </p:cSld>
@@ -6950,6 +7692,35 @@
           <a:chExt cx="0" cy="0"/>
         </a:xfrm>
       </p:grpSpPr>
+      <p:pic>
+        <p:nvPicPr>
+          <p:cNvPr id="5" name="Tijdelijke aanduiding voor inhoud 4"/>
+          <p:cNvPicPr>
+            <a:picLocks noGrp="1" noChangeAspect="1"/>
+          </p:cNvPicPr>
+          <p:nvPr>
+            <p:ph idx="1"/>
+          </p:nvPr>
+        </p:nvPicPr>
+        <p:blipFill>
+          <a:blip r:embed="rId2">
+            <a:extLst>
+              <a:ext uri="{28A0092B-C50C-407E-A947-70E740481C1C}">
+                <a14:useLocalDpi xmlns:a14="http://schemas.microsoft.com/office/drawing/2010/main" val="0"/>
+              </a:ext>
+            </a:extLst>
+          </a:blip>
+          <a:stretch>
+            <a:fillRect/>
+          </a:stretch>
+        </p:blipFill>
+        <p:spPr>
+          <a:xfrm>
+            <a:off x="0" y="270275"/>
+            <a:ext cx="9070916" cy="5725520"/>
+          </a:xfrm>
+        </p:spPr>
+      </p:pic>
       <p:sp>
         <p:nvSpPr>
           <p:cNvPr id="3" name="Tijdelijke aanduiding voor dianummer 2"/>
@@ -6983,43 +7754,217 @@
             <p:ph type="title"/>
           </p:nvPr>
         </p:nvSpPr>
-        <p:spPr>
-          <a:xfrm>
-            <a:off x="3131840" y="404664"/>
-            <a:ext cx="8229600" cy="6552728"/>
-          </a:xfrm>
-        </p:spPr>
-        <p:txBody>
-          <a:bodyPr>
-            <a:noAutofit/>
-          </a:bodyPr>
+        <p:spPr/>
+        <p:txBody>
+          <a:bodyPr/>
           <a:lstStyle/>
           <a:p>
-            <a:r>
-              <a:rPr lang="en-US" sz="49600" dirty="0" smtClean="0"/>
-              <a:t>?</a:t>
-            </a:r>
-            <a:endParaRPr lang="nl-BE" sz="49600" dirty="0"/>
+            <a:endParaRPr lang="nl-BE"/>
           </a:p>
         </p:txBody>
       </p:sp>
     </p:spTree>
     <p:extLst>
       <p:ext uri="{BB962C8B-B14F-4D97-AF65-F5344CB8AC3E}">
-        <p14:creationId xmlns:p14="http://schemas.microsoft.com/office/powerpoint/2010/main" val="3790347483"/>
+        <p14:creationId xmlns:p14="http://schemas.microsoft.com/office/powerpoint/2010/main" val="1941960100"/>
       </p:ext>
     </p:extLst>
   </p:cSld>
   <p:clrMapOvr>
     <a:masterClrMapping/>
   </p:clrMapOvr>
-  <p:timing>
-    <p:tnLst>
-      <p:par>
-        <p:cTn id="1" dur="indefinite" restart="never" nodeType="tmRoot"/>
-      </p:par>
-    </p:tnLst>
-  </p:timing>
+</p:sld>
+</file>
+
+<file path=ppt/slides/slide13.xml><?xml version="1.0" encoding="utf-8"?>
+<p:sld xmlns:a="http://schemas.openxmlformats.org/drawingml/2006/main" xmlns:r="http://schemas.openxmlformats.org/officeDocument/2006/relationships" xmlns:p="http://schemas.openxmlformats.org/presentationml/2006/main">
+  <p:cSld>
+    <p:spTree>
+      <p:nvGrpSpPr>
+        <p:cNvPr id="1" name=""/>
+        <p:cNvGrpSpPr/>
+        <p:nvPr/>
+      </p:nvGrpSpPr>
+      <p:grpSpPr>
+        <a:xfrm>
+          <a:off x="0" y="0"/>
+          <a:ext cx="0" cy="0"/>
+          <a:chOff x="0" y="0"/>
+          <a:chExt cx="0" cy="0"/>
+        </a:xfrm>
+      </p:grpSpPr>
+      <p:pic>
+        <p:nvPicPr>
+          <p:cNvPr id="5" name="Tijdelijke aanduiding voor inhoud 4"/>
+          <p:cNvPicPr>
+            <a:picLocks noGrp="1" noChangeAspect="1"/>
+          </p:cNvPicPr>
+          <p:nvPr>
+            <p:ph idx="1"/>
+          </p:nvPr>
+        </p:nvPicPr>
+        <p:blipFill>
+          <a:blip r:embed="rId2">
+            <a:extLst>
+              <a:ext uri="{28A0092B-C50C-407E-A947-70E740481C1C}">
+                <a14:useLocalDpi xmlns:a14="http://schemas.microsoft.com/office/drawing/2010/main" val="0"/>
+              </a:ext>
+            </a:extLst>
+          </a:blip>
+          <a:stretch>
+            <a:fillRect/>
+          </a:stretch>
+        </p:blipFill>
+        <p:spPr>
+          <a:xfrm>
+            <a:off x="451846" y="95076"/>
+            <a:ext cx="7704856" cy="6684701"/>
+          </a:xfrm>
+        </p:spPr>
+      </p:pic>
+      <p:sp>
+        <p:nvSpPr>
+          <p:cNvPr id="3" name="Tijdelijke aanduiding voor dianummer 2"/>
+          <p:cNvSpPr>
+            <a:spLocks noGrp="1"/>
+          </p:cNvSpPr>
+          <p:nvPr>
+            <p:ph type="sldNum" sz="quarter" idx="12"/>
+          </p:nvPr>
+        </p:nvSpPr>
+        <p:spPr/>
+        <p:txBody>
+          <a:bodyPr/>
+          <a:lstStyle/>
+          <a:p>
+            <a:fld id="{103368D7-ADAF-48A7-9CA7-FB18DA2AC157}" type="slidenum">
+              <a:rPr lang="nl-BE" smtClean="0"/>
+              <a:t>13</a:t>
+            </a:fld>
+            <a:endParaRPr lang="nl-BE"/>
+          </a:p>
+        </p:txBody>
+      </p:sp>
+      <p:sp>
+        <p:nvSpPr>
+          <p:cNvPr id="4" name="Titel 3"/>
+          <p:cNvSpPr>
+            <a:spLocks noGrp="1"/>
+          </p:cNvSpPr>
+          <p:nvPr>
+            <p:ph type="title"/>
+          </p:nvPr>
+        </p:nvSpPr>
+        <p:spPr/>
+        <p:txBody>
+          <a:bodyPr/>
+          <a:lstStyle/>
+          <a:p>
+            <a:endParaRPr lang="nl-BE"/>
+          </a:p>
+        </p:txBody>
+      </p:sp>
+    </p:spTree>
+    <p:extLst>
+      <p:ext uri="{BB962C8B-B14F-4D97-AF65-F5344CB8AC3E}">
+        <p14:creationId xmlns:p14="http://schemas.microsoft.com/office/powerpoint/2010/main" val="967195093"/>
+      </p:ext>
+    </p:extLst>
+  </p:cSld>
+  <p:clrMapOvr>
+    <a:masterClrMapping/>
+  </p:clrMapOvr>
+</p:sld>
+</file>
+
+<file path=ppt/slides/slide14.xml><?xml version="1.0" encoding="utf-8"?>
+<p:sld xmlns:a="http://schemas.openxmlformats.org/drawingml/2006/main" xmlns:r="http://schemas.openxmlformats.org/officeDocument/2006/relationships" xmlns:p="http://schemas.openxmlformats.org/presentationml/2006/main">
+  <p:cSld>
+    <p:spTree>
+      <p:nvGrpSpPr>
+        <p:cNvPr id="1" name=""/>
+        <p:cNvGrpSpPr/>
+        <p:nvPr/>
+      </p:nvGrpSpPr>
+      <p:grpSpPr>
+        <a:xfrm>
+          <a:off x="0" y="0"/>
+          <a:ext cx="0" cy="0"/>
+          <a:chOff x="0" y="0"/>
+          <a:chExt cx="0" cy="0"/>
+        </a:xfrm>
+      </p:grpSpPr>
+      <p:sp>
+        <p:nvSpPr>
+          <p:cNvPr id="2" name="Tijdelijke aanduiding voor inhoud 1"/>
+          <p:cNvSpPr>
+            <a:spLocks noGrp="1"/>
+          </p:cNvSpPr>
+          <p:nvPr>
+            <p:ph idx="1"/>
+          </p:nvPr>
+        </p:nvSpPr>
+        <p:spPr/>
+        <p:txBody>
+          <a:bodyPr/>
+          <a:lstStyle/>
+          <a:p>
+            <a:endParaRPr lang="nl-BE"/>
+          </a:p>
+        </p:txBody>
+      </p:sp>
+      <p:sp>
+        <p:nvSpPr>
+          <p:cNvPr id="3" name="Tijdelijke aanduiding voor dianummer 2"/>
+          <p:cNvSpPr>
+            <a:spLocks noGrp="1"/>
+          </p:cNvSpPr>
+          <p:nvPr>
+            <p:ph type="sldNum" sz="quarter" idx="12"/>
+          </p:nvPr>
+        </p:nvSpPr>
+        <p:spPr/>
+        <p:txBody>
+          <a:bodyPr/>
+          <a:lstStyle/>
+          <a:p>
+            <a:fld id="{103368D7-ADAF-48A7-9CA7-FB18DA2AC157}" type="slidenum">
+              <a:rPr lang="nl-BE" smtClean="0"/>
+              <a:t>14</a:t>
+            </a:fld>
+            <a:endParaRPr lang="nl-BE"/>
+          </a:p>
+        </p:txBody>
+      </p:sp>
+      <p:sp>
+        <p:nvSpPr>
+          <p:cNvPr id="4" name="Titel 3"/>
+          <p:cNvSpPr>
+            <a:spLocks noGrp="1"/>
+          </p:cNvSpPr>
+          <p:nvPr>
+            <p:ph type="title"/>
+          </p:nvPr>
+        </p:nvSpPr>
+        <p:spPr/>
+        <p:txBody>
+          <a:bodyPr/>
+          <a:lstStyle/>
+          <a:p>
+            <a:endParaRPr lang="nl-BE"/>
+          </a:p>
+        </p:txBody>
+      </p:sp>
+    </p:spTree>
+    <p:extLst>
+      <p:ext uri="{BB962C8B-B14F-4D97-AF65-F5344CB8AC3E}">
+        <p14:creationId xmlns:p14="http://schemas.microsoft.com/office/powerpoint/2010/main" val="4115443149"/>
+      </p:ext>
+    </p:extLst>
+  </p:cSld>
+  <p:clrMapOvr>
+    <a:masterClrMapping/>
+  </p:clrMapOvr>
 </p:sld>
 </file>
 
@@ -7064,18 +8009,6 @@
             <a:r>
               <a:rPr lang="nl-BE" dirty="0" smtClean="0"/>
               <a:t>Class diagram</a:t>
-            </a:r>
-          </a:p>
-          <a:p>
-            <a:r>
-              <a:rPr lang="nl-BE" dirty="0" smtClean="0"/>
-              <a:t>Sequence diagram</a:t>
-            </a:r>
-          </a:p>
-          <a:p>
-            <a:r>
-              <a:rPr lang="nl-BE" dirty="0" smtClean="0"/>
-              <a:t>Design decisions</a:t>
             </a:r>
           </a:p>
           <a:p>
@@ -7180,11 +8113,13 @@
       </p:grpSpPr>
       <p:pic>
         <p:nvPicPr>
-          <p:cNvPr id="1026" name="Picture 2" descr="C:\Users\simon\Documents\GitHub\OSS_1415\Presentatie\ScatterPlotOutputExample.png"/>
+          <p:cNvPr id="5" name="Tijdelijke aanduiding voor inhoud 4"/>
           <p:cNvPicPr>
-            <a:picLocks noChangeAspect="1" noChangeArrowheads="1"/>
+            <a:picLocks noGrp="1" noChangeAspect="1"/>
           </p:cNvPicPr>
-          <p:nvPr/>
+          <p:nvPr>
+            <p:ph idx="1"/>
+          </p:nvPr>
         </p:nvPicPr>
         <p:blipFill>
           <a:blip r:embed="rId3">
@@ -7194,55 +8129,17 @@
               </a:ext>
             </a:extLst>
           </a:blip>
-          <a:srcRect/>
           <a:stretch>
             <a:fillRect/>
           </a:stretch>
         </p:blipFill>
-        <p:spPr bwMode="auto">
+        <p:spPr>
           <a:xfrm>
-            <a:off x="2420964" y="404663"/>
-            <a:ext cx="5991823" cy="5991823"/>
+            <a:off x="2411760" y="20789"/>
+            <a:ext cx="6202147" cy="6202147"/>
           </a:xfrm>
-          <a:prstGeom prst="rect">
-            <a:avLst/>
-          </a:prstGeom>
-          <a:noFill/>
-          <a:extLst>
-            <a:ext uri="{909E8E84-426E-40DD-AFC4-6F175D3DCCD1}">
-              <a14:hiddenFill xmlns:a14="http://schemas.microsoft.com/office/drawing/2010/main">
-                <a:solidFill>
-                  <a:srgbClr val="FFFFFF"/>
-                </a:solidFill>
-              </a14:hiddenFill>
-            </a:ext>
-          </a:extLst>
         </p:spPr>
       </p:pic>
-      <p:sp>
-        <p:nvSpPr>
-          <p:cNvPr id="2" name="Tijdelijke aanduiding voor inhoud 1"/>
-          <p:cNvSpPr>
-            <a:spLocks noGrp="1"/>
-          </p:cNvSpPr>
-          <p:nvPr>
-            <p:ph idx="1"/>
-          </p:nvPr>
-        </p:nvSpPr>
-        <p:spPr>
-          <a:xfrm>
-            <a:off x="-8821488" y="3717032"/>
-            <a:ext cx="8229600" cy="4525963"/>
-          </a:xfrm>
-        </p:spPr>
-        <p:txBody>
-          <a:bodyPr/>
-          <a:lstStyle/>
-          <a:p>
-            <a:endParaRPr lang="nl-BE" dirty="0"/>
-          </a:p>
-        </p:txBody>
-      </p:sp>
       <p:sp>
         <p:nvSpPr>
           <p:cNvPr id="3" name="Tijdelijke aanduiding voor dianummer 2"/>
@@ -7393,9 +8290,9 @@
       </p:sp>
       <p:pic>
         <p:nvPicPr>
-          <p:cNvPr id="2051" name="Picture 3"/>
+          <p:cNvPr id="8" name="Afbeelding 7"/>
           <p:cNvPicPr>
-            <a:picLocks noChangeAspect="1" noChangeArrowheads="1"/>
+            <a:picLocks noChangeAspect="1"/>
           </p:cNvPicPr>
           <p:nvPr/>
         </p:nvPicPr>
@@ -7407,180 +8304,18 @@
               </a:ext>
             </a:extLst>
           </a:blip>
-          <a:srcRect/>
           <a:stretch>
             <a:fillRect/>
           </a:stretch>
         </p:blipFill>
-        <p:spPr bwMode="auto">
+        <p:spPr>
           <a:xfrm>
-            <a:off x="0" y="1412776"/>
-            <a:ext cx="9144000" cy="1390477"/>
+            <a:off x="-18406" y="2564904"/>
+            <a:ext cx="9144000" cy="1989377"/>
           </a:xfrm>
           <a:prstGeom prst="rect">
             <a:avLst/>
           </a:prstGeom>
-          <a:noFill/>
-          <a:ln>
-            <a:noFill/>
-          </a:ln>
-          <a:effectLst/>
-          <a:extLst>
-            <a:ext uri="{909E8E84-426E-40DD-AFC4-6F175D3DCCD1}">
-              <a14:hiddenFill xmlns:a14="http://schemas.microsoft.com/office/drawing/2010/main">
-                <a:solidFill>
-                  <a:schemeClr val="accent1"/>
-                </a:solidFill>
-              </a14:hiddenFill>
-            </a:ext>
-            <a:ext uri="{91240B29-F687-4F45-9708-019B960494DF}">
-              <a14:hiddenLine xmlns:a14="http://schemas.microsoft.com/office/drawing/2010/main" w="9525">
-                <a:solidFill>
-                  <a:schemeClr val="tx1"/>
-                </a:solidFill>
-                <a:miter lim="800000"/>
-                <a:headEnd/>
-                <a:tailEnd/>
-              </a14:hiddenLine>
-            </a:ext>
-            <a:ext uri="{AF507438-7753-43E0-B8FC-AC1667EBCBE1}">
-              <a14:hiddenEffects xmlns:a14="http://schemas.microsoft.com/office/drawing/2010/main">
-                <a:effectLst>
-                  <a:outerShdw dist="35921" dir="2700000" algn="ctr" rotWithShape="0">
-                    <a:schemeClr val="bg2"/>
-                  </a:outerShdw>
-                </a:effectLst>
-              </a14:hiddenEffects>
-            </a:ext>
-          </a:extLst>
-        </p:spPr>
-      </p:pic>
-      <p:pic>
-        <p:nvPicPr>
-          <p:cNvPr id="2052" name="Picture 4"/>
-          <p:cNvPicPr>
-            <a:picLocks noChangeAspect="1" noChangeArrowheads="1"/>
-          </p:cNvPicPr>
-          <p:nvPr/>
-        </p:nvPicPr>
-        <p:blipFill>
-          <a:blip r:embed="rId3">
-            <a:extLst>
-              <a:ext uri="{28A0092B-C50C-407E-A947-70E740481C1C}">
-                <a14:useLocalDpi xmlns:a14="http://schemas.microsoft.com/office/drawing/2010/main" val="0"/>
-              </a:ext>
-            </a:extLst>
-          </a:blip>
-          <a:srcRect/>
-          <a:stretch>
-            <a:fillRect/>
-          </a:stretch>
-        </p:blipFill>
-        <p:spPr bwMode="auto">
-          <a:xfrm>
-            <a:off x="395536" y="2601168"/>
-            <a:ext cx="7810500" cy="1981200"/>
-          </a:xfrm>
-          <a:prstGeom prst="rect">
-            <a:avLst/>
-          </a:prstGeom>
-          <a:noFill/>
-          <a:ln>
-            <a:noFill/>
-          </a:ln>
-          <a:effectLst/>
-          <a:extLst>
-            <a:ext uri="{909E8E84-426E-40DD-AFC4-6F175D3DCCD1}">
-              <a14:hiddenFill xmlns:a14="http://schemas.microsoft.com/office/drawing/2010/main">
-                <a:solidFill>
-                  <a:schemeClr val="accent1"/>
-                </a:solidFill>
-              </a14:hiddenFill>
-            </a:ext>
-            <a:ext uri="{91240B29-F687-4F45-9708-019B960494DF}">
-              <a14:hiddenLine xmlns:a14="http://schemas.microsoft.com/office/drawing/2010/main" w="9525">
-                <a:solidFill>
-                  <a:schemeClr val="tx1"/>
-                </a:solidFill>
-                <a:miter lim="800000"/>
-                <a:headEnd/>
-                <a:tailEnd/>
-              </a14:hiddenLine>
-            </a:ext>
-            <a:ext uri="{AF507438-7753-43E0-B8FC-AC1667EBCBE1}">
-              <a14:hiddenEffects xmlns:a14="http://schemas.microsoft.com/office/drawing/2010/main">
-                <a:effectLst>
-                  <a:outerShdw dist="35921" dir="2700000" algn="ctr" rotWithShape="0">
-                    <a:schemeClr val="bg2"/>
-                  </a:outerShdw>
-                </a:effectLst>
-              </a14:hiddenEffects>
-            </a:ext>
-          </a:extLst>
-        </p:spPr>
-      </p:pic>
-      <p:pic>
-        <p:nvPicPr>
-          <p:cNvPr id="2053" name="Picture 5"/>
-          <p:cNvPicPr>
-            <a:picLocks noChangeAspect="1" noChangeArrowheads="1"/>
-          </p:cNvPicPr>
-          <p:nvPr/>
-        </p:nvPicPr>
-        <p:blipFill>
-          <a:blip r:embed="rId4">
-            <a:extLst>
-              <a:ext uri="{28A0092B-C50C-407E-A947-70E740481C1C}">
-                <a14:useLocalDpi xmlns:a14="http://schemas.microsoft.com/office/drawing/2010/main" val="0"/>
-              </a:ext>
-            </a:extLst>
-          </a:blip>
-          <a:srcRect/>
-          <a:stretch>
-            <a:fillRect/>
-          </a:stretch>
-        </p:blipFill>
-        <p:spPr bwMode="auto">
-          <a:xfrm>
-            <a:off x="355533" y="4582368"/>
-            <a:ext cx="8296275" cy="1190625"/>
-          </a:xfrm>
-          <a:prstGeom prst="rect">
-            <a:avLst/>
-          </a:prstGeom>
-          <a:noFill/>
-          <a:ln>
-            <a:noFill/>
-          </a:ln>
-          <a:effectLst/>
-          <a:extLst>
-            <a:ext uri="{909E8E84-426E-40DD-AFC4-6F175D3DCCD1}">
-              <a14:hiddenFill xmlns:a14="http://schemas.microsoft.com/office/drawing/2010/main">
-                <a:solidFill>
-                  <a:schemeClr val="accent1"/>
-                </a:solidFill>
-              </a14:hiddenFill>
-            </a:ext>
-            <a:ext uri="{91240B29-F687-4F45-9708-019B960494DF}">
-              <a14:hiddenLine xmlns:a14="http://schemas.microsoft.com/office/drawing/2010/main" w="9525">
-                <a:solidFill>
-                  <a:schemeClr val="tx1"/>
-                </a:solidFill>
-                <a:miter lim="800000"/>
-                <a:headEnd/>
-                <a:tailEnd/>
-              </a14:hiddenLine>
-            </a:ext>
-            <a:ext uri="{AF507438-7753-43E0-B8FC-AC1667EBCBE1}">
-              <a14:hiddenEffects xmlns:a14="http://schemas.microsoft.com/office/drawing/2010/main">
-                <a:effectLst>
-                  <a:outerShdw dist="35921" dir="2700000" algn="ctr" rotWithShape="0">
-                    <a:schemeClr val="bg2"/>
-                  </a:outerShdw>
-                </a:effectLst>
-              </a14:hiddenEffects>
-            </a:ext>
-          </a:extLst>
         </p:spPr>
       </p:pic>
     </p:spTree>
@@ -7620,78 +8355,15 @@
           <a:chExt cx="0" cy="0"/>
         </a:xfrm>
       </p:grpSpPr>
-      <p:sp>
-        <p:nvSpPr>
-          <p:cNvPr id="2" name="Tijdelijke aanduiding voor inhoud 1"/>
-          <p:cNvSpPr>
-            <a:spLocks noGrp="1"/>
-          </p:cNvSpPr>
-          <p:nvPr>
-            <p:ph idx="1"/>
-          </p:nvPr>
-        </p:nvSpPr>
-        <p:spPr/>
-        <p:txBody>
-          <a:bodyPr/>
-          <a:lstStyle/>
-          <a:p>
-            <a:endParaRPr lang="nl-BE" dirty="0"/>
-          </a:p>
-        </p:txBody>
-      </p:sp>
-      <p:sp>
-        <p:nvSpPr>
-          <p:cNvPr id="3" name="Tijdelijke aanduiding voor dianummer 2"/>
-          <p:cNvSpPr>
-            <a:spLocks noGrp="1"/>
-          </p:cNvSpPr>
-          <p:nvPr>
-            <p:ph type="sldNum" sz="quarter" idx="12"/>
-          </p:nvPr>
-        </p:nvSpPr>
-        <p:spPr/>
-        <p:txBody>
-          <a:bodyPr/>
-          <a:lstStyle/>
-          <a:p>
-            <a:fld id="{103368D7-ADAF-48A7-9CA7-FB18DA2AC157}" type="slidenum">
-              <a:rPr lang="nl-BE" smtClean="0"/>
-              <a:t>5</a:t>
-            </a:fld>
-            <a:endParaRPr lang="nl-BE"/>
-          </a:p>
-        </p:txBody>
-      </p:sp>
-      <p:sp>
-        <p:nvSpPr>
-          <p:cNvPr id="4" name="Titel 3"/>
-          <p:cNvSpPr>
-            <a:spLocks noGrp="1"/>
-          </p:cNvSpPr>
-          <p:nvPr>
-            <p:ph type="title"/>
-          </p:nvPr>
-        </p:nvSpPr>
-        <p:spPr/>
-        <p:txBody>
-          <a:bodyPr/>
-          <a:lstStyle/>
-          <a:p>
-            <a:r>
-              <a:rPr lang="nl-BE" dirty="0" smtClean="0"/>
-              <a:t>Class Diagram</a:t>
-            </a:r>
-            <a:endParaRPr lang="nl-BE" dirty="0"/>
-          </a:p>
-        </p:txBody>
-      </p:sp>
       <p:pic>
         <p:nvPicPr>
-          <p:cNvPr id="1031" name="Picture 7" descr="C:\Users\simon\Desktop\Class Diagram2 packaged.jpg"/>
+          <p:cNvPr id="5" name="Tijdelijke aanduiding voor inhoud 4"/>
           <p:cNvPicPr>
-            <a:picLocks noChangeAspect="1" noChangeArrowheads="1"/>
+            <a:picLocks noGrp="1" noChangeAspect="1"/>
           </p:cNvPicPr>
-          <p:nvPr/>
+          <p:nvPr>
+            <p:ph idx="1"/>
+          </p:nvPr>
         </p:nvPicPr>
         <p:blipFill>
           <a:blip r:embed="rId3" cstate="print">
@@ -7701,31 +8373,63 @@
               </a:ext>
             </a:extLst>
           </a:blip>
-          <a:srcRect/>
           <a:stretch>
             <a:fillRect/>
           </a:stretch>
         </p:blipFill>
-        <p:spPr bwMode="auto">
+        <p:spPr>
           <a:xfrm>
-            <a:off x="395536" y="1364665"/>
-            <a:ext cx="8223151" cy="4430843"/>
+            <a:off x="-82302" y="980728"/>
+            <a:ext cx="8703030" cy="5975922"/>
           </a:xfrm>
-          <a:prstGeom prst="rect">
-            <a:avLst/>
-          </a:prstGeom>
-          <a:noFill/>
-          <a:extLst>
-            <a:ext uri="{909E8E84-426E-40DD-AFC4-6F175D3DCCD1}">
-              <a14:hiddenFill xmlns:a14="http://schemas.microsoft.com/office/drawing/2010/main">
-                <a:solidFill>
-                  <a:srgbClr val="FFFFFF"/>
-                </a:solidFill>
-              </a14:hiddenFill>
-            </a:ext>
-          </a:extLst>
         </p:spPr>
       </p:pic>
+      <p:sp>
+        <p:nvSpPr>
+          <p:cNvPr id="3" name="Tijdelijke aanduiding voor dianummer 2"/>
+          <p:cNvSpPr>
+            <a:spLocks noGrp="1"/>
+          </p:cNvSpPr>
+          <p:nvPr>
+            <p:ph type="sldNum" sz="quarter" idx="12"/>
+          </p:nvPr>
+        </p:nvSpPr>
+        <p:spPr/>
+        <p:txBody>
+          <a:bodyPr/>
+          <a:lstStyle/>
+          <a:p>
+            <a:fld id="{103368D7-ADAF-48A7-9CA7-FB18DA2AC157}" type="slidenum">
+              <a:rPr lang="nl-BE" smtClean="0"/>
+              <a:t>5</a:t>
+            </a:fld>
+            <a:endParaRPr lang="nl-BE"/>
+          </a:p>
+        </p:txBody>
+      </p:sp>
+      <p:sp>
+        <p:nvSpPr>
+          <p:cNvPr id="4" name="Titel 3"/>
+          <p:cNvSpPr>
+            <a:spLocks noGrp="1"/>
+          </p:cNvSpPr>
+          <p:nvPr>
+            <p:ph type="title"/>
+          </p:nvPr>
+        </p:nvSpPr>
+        <p:spPr/>
+        <p:txBody>
+          <a:bodyPr/>
+          <a:lstStyle/>
+          <a:p>
+            <a:r>
+              <a:rPr lang="nl-BE" dirty="0" smtClean="0"/>
+              <a:t>Class Diagram</a:t>
+            </a:r>
+            <a:endParaRPr lang="nl-BE" dirty="0"/>
+          </a:p>
+        </p:txBody>
+      </p:sp>
     </p:spTree>
     <p:extLst>
       <p:ext uri="{BB962C8B-B14F-4D97-AF65-F5344CB8AC3E}">
@@ -7763,83 +8467,15 @@
           <a:chExt cx="0" cy="0"/>
         </a:xfrm>
       </p:grpSpPr>
-      <p:sp>
-        <p:nvSpPr>
-          <p:cNvPr id="2" name="Tijdelijke aanduiding voor inhoud 1"/>
-          <p:cNvSpPr>
-            <a:spLocks noGrp="1"/>
-          </p:cNvSpPr>
-          <p:nvPr>
-            <p:ph idx="1"/>
-          </p:nvPr>
-        </p:nvSpPr>
-        <p:spPr/>
-        <p:txBody>
-          <a:bodyPr/>
-          <a:lstStyle/>
-          <a:p>
-            <a:endParaRPr lang="nl-BE" dirty="0"/>
-          </a:p>
-        </p:txBody>
-      </p:sp>
-      <p:sp>
-        <p:nvSpPr>
-          <p:cNvPr id="3" name="Tijdelijke aanduiding voor dianummer 2"/>
-          <p:cNvSpPr>
-            <a:spLocks noGrp="1"/>
-          </p:cNvSpPr>
-          <p:nvPr>
-            <p:ph type="sldNum" sz="quarter" idx="12"/>
-          </p:nvPr>
-        </p:nvSpPr>
-        <p:spPr/>
-        <p:txBody>
-          <a:bodyPr/>
-          <a:lstStyle/>
-          <a:p>
-            <a:fld id="{103368D7-ADAF-48A7-9CA7-FB18DA2AC157}" type="slidenum">
-              <a:rPr lang="nl-BE" smtClean="0"/>
-              <a:t>6</a:t>
-            </a:fld>
-            <a:endParaRPr lang="nl-BE"/>
-          </a:p>
-        </p:txBody>
-      </p:sp>
-      <p:sp>
-        <p:nvSpPr>
-          <p:cNvPr id="4" name="Titel 3"/>
-          <p:cNvSpPr>
-            <a:spLocks noGrp="1"/>
-          </p:cNvSpPr>
-          <p:nvPr>
-            <p:ph type="title"/>
-          </p:nvPr>
-        </p:nvSpPr>
-        <p:spPr>
-          <a:xfrm>
-            <a:off x="179512" y="125760"/>
-            <a:ext cx="8229600" cy="1143000"/>
-          </a:xfrm>
-        </p:spPr>
-        <p:txBody>
-          <a:bodyPr/>
-          <a:lstStyle/>
-          <a:p>
-            <a:r>
-              <a:rPr lang="nl-BE" dirty="0" smtClean="0"/>
-              <a:t>Sequence diagram (1/2)</a:t>
-            </a:r>
-            <a:endParaRPr lang="nl-BE" dirty="0"/>
-          </a:p>
-        </p:txBody>
-      </p:sp>
       <p:pic>
         <p:nvPicPr>
-          <p:cNvPr id="4099" name="Picture 3"/>
+          <p:cNvPr id="5" name="Tijdelijke aanduiding voor inhoud 4"/>
           <p:cNvPicPr>
-            <a:picLocks noChangeAspect="1" noChangeArrowheads="1"/>
+            <a:picLocks noGrp="1" noChangeAspect="1"/>
           </p:cNvPicPr>
-          <p:nvPr/>
+          <p:nvPr>
+            <p:ph idx="1"/>
+          </p:nvPr>
         </p:nvPicPr>
         <p:blipFill>
           <a:blip r:embed="rId3">
@@ -7849,58 +8485,67 @@
               </a:ext>
             </a:extLst>
           </a:blip>
-          <a:srcRect/>
           <a:stretch>
             <a:fillRect/>
           </a:stretch>
         </p:blipFill>
-        <p:spPr bwMode="auto">
+        <p:spPr>
           <a:xfrm>
-            <a:off x="0" y="1268760"/>
-            <a:ext cx="8964489" cy="4342900"/>
+            <a:off x="179511" y="1124744"/>
+            <a:ext cx="8603299" cy="4680520"/>
           </a:xfrm>
-          <a:prstGeom prst="rect">
-            <a:avLst/>
-          </a:prstGeom>
-          <a:noFill/>
-          <a:ln>
-            <a:noFill/>
-          </a:ln>
-          <a:effectLst/>
-          <a:extLst>
-            <a:ext uri="{909E8E84-426E-40DD-AFC4-6F175D3DCCD1}">
-              <a14:hiddenFill xmlns:a14="http://schemas.microsoft.com/office/drawing/2010/main">
-                <a:solidFill>
-                  <a:schemeClr val="accent1"/>
-                </a:solidFill>
-              </a14:hiddenFill>
-            </a:ext>
-            <a:ext uri="{91240B29-F687-4F45-9708-019B960494DF}">
-              <a14:hiddenLine xmlns:a14="http://schemas.microsoft.com/office/drawing/2010/main" w="9525">
-                <a:solidFill>
-                  <a:schemeClr val="tx1"/>
-                </a:solidFill>
-                <a:miter lim="800000"/>
-                <a:headEnd/>
-                <a:tailEnd/>
-              </a14:hiddenLine>
-            </a:ext>
-            <a:ext uri="{AF507438-7753-43E0-B8FC-AC1667EBCBE1}">
-              <a14:hiddenEffects xmlns:a14="http://schemas.microsoft.com/office/drawing/2010/main">
-                <a:effectLst>
-                  <a:outerShdw dist="35921" dir="2700000" algn="ctr" rotWithShape="0">
-                    <a:schemeClr val="bg2"/>
-                  </a:outerShdw>
-                </a:effectLst>
-              </a14:hiddenEffects>
-            </a:ext>
-          </a:extLst>
         </p:spPr>
       </p:pic>
+      <p:sp>
+        <p:nvSpPr>
+          <p:cNvPr id="3" name="Tijdelijke aanduiding voor dianummer 2"/>
+          <p:cNvSpPr>
+            <a:spLocks noGrp="1"/>
+          </p:cNvSpPr>
+          <p:nvPr>
+            <p:ph type="sldNum" sz="quarter" idx="12"/>
+          </p:nvPr>
+        </p:nvSpPr>
+        <p:spPr/>
+        <p:txBody>
+          <a:bodyPr/>
+          <a:lstStyle/>
+          <a:p>
+            <a:fld id="{103368D7-ADAF-48A7-9CA7-FB18DA2AC157}" type="slidenum">
+              <a:rPr lang="nl-BE" smtClean="0"/>
+              <a:t>6</a:t>
+            </a:fld>
+            <a:endParaRPr lang="nl-BE"/>
+          </a:p>
+        </p:txBody>
+      </p:sp>
+      <p:sp>
+        <p:nvSpPr>
+          <p:cNvPr id="4" name="Titel 3"/>
+          <p:cNvSpPr>
+            <a:spLocks noGrp="1"/>
+          </p:cNvSpPr>
+          <p:nvPr>
+            <p:ph type="title"/>
+          </p:nvPr>
+        </p:nvSpPr>
+        <p:spPr/>
+        <p:txBody>
+          <a:bodyPr/>
+          <a:lstStyle/>
+          <a:p>
+            <a:r>
+              <a:rPr lang="nl-BE" dirty="0" err="1" smtClean="0"/>
+              <a:t>ShapesGenerators</a:t>
+            </a:r>
+            <a:endParaRPr lang="nl-BE" dirty="0"/>
+          </a:p>
+        </p:txBody>
+      </p:sp>
     </p:spTree>
     <p:extLst>
       <p:ext uri="{BB962C8B-B14F-4D97-AF65-F5344CB8AC3E}">
-        <p14:creationId xmlns:p14="http://schemas.microsoft.com/office/powerpoint/2010/main" val="1374453908"/>
+        <p14:creationId xmlns:p14="http://schemas.microsoft.com/office/powerpoint/2010/main" val="4247644072"/>
       </p:ext>
     </p:extLst>
   </p:cSld>
@@ -7934,83 +8579,15 @@
           <a:chExt cx="0" cy="0"/>
         </a:xfrm>
       </p:grpSpPr>
-      <p:sp>
-        <p:nvSpPr>
-          <p:cNvPr id="2" name="Tijdelijke aanduiding voor inhoud 1"/>
-          <p:cNvSpPr>
-            <a:spLocks noGrp="1"/>
-          </p:cNvSpPr>
-          <p:nvPr>
-            <p:ph idx="1"/>
-          </p:nvPr>
-        </p:nvSpPr>
-        <p:spPr/>
-        <p:txBody>
-          <a:bodyPr/>
-          <a:lstStyle/>
-          <a:p>
-            <a:endParaRPr lang="nl-BE"/>
-          </a:p>
-        </p:txBody>
-      </p:sp>
-      <p:sp>
-        <p:nvSpPr>
-          <p:cNvPr id="3" name="Tijdelijke aanduiding voor dianummer 2"/>
-          <p:cNvSpPr>
-            <a:spLocks noGrp="1"/>
-          </p:cNvSpPr>
-          <p:nvPr>
-            <p:ph type="sldNum" sz="quarter" idx="12"/>
-          </p:nvPr>
-        </p:nvSpPr>
-        <p:spPr/>
-        <p:txBody>
-          <a:bodyPr/>
-          <a:lstStyle/>
-          <a:p>
-            <a:fld id="{103368D7-ADAF-48A7-9CA7-FB18DA2AC157}" type="slidenum">
-              <a:rPr lang="nl-BE" smtClean="0"/>
-              <a:t>7</a:t>
-            </a:fld>
-            <a:endParaRPr lang="nl-BE"/>
-          </a:p>
-        </p:txBody>
-      </p:sp>
-      <p:sp>
-        <p:nvSpPr>
-          <p:cNvPr id="4" name="Titel 3"/>
-          <p:cNvSpPr>
-            <a:spLocks noGrp="1"/>
-          </p:cNvSpPr>
-          <p:nvPr>
-            <p:ph type="title"/>
-          </p:nvPr>
-        </p:nvSpPr>
-        <p:spPr>
-          <a:xfrm>
-            <a:off x="30212" y="0"/>
-            <a:ext cx="8229600" cy="1143000"/>
-          </a:xfrm>
-        </p:spPr>
-        <p:txBody>
-          <a:bodyPr/>
-          <a:lstStyle/>
-          <a:p>
-            <a:r>
-              <a:rPr lang="nl-BE" dirty="0" smtClean="0"/>
-              <a:t>Sequence diagram (2/2)</a:t>
-            </a:r>
-            <a:endParaRPr lang="nl-BE" dirty="0"/>
-          </a:p>
-        </p:txBody>
-      </p:sp>
       <p:pic>
         <p:nvPicPr>
-          <p:cNvPr id="5123" name="Picture 3"/>
+          <p:cNvPr id="5" name="Tijdelijke aanduiding voor inhoud 4"/>
           <p:cNvPicPr>
-            <a:picLocks noChangeAspect="1" noChangeArrowheads="1"/>
+            <a:picLocks noGrp="1" noChangeAspect="1"/>
           </p:cNvPicPr>
-          <p:nvPr/>
+          <p:nvPr>
+            <p:ph idx="1"/>
+          </p:nvPr>
         </p:nvPicPr>
         <p:blipFill>
           <a:blip r:embed="rId3">
@@ -8020,58 +8597,72 @@
               </a:ext>
             </a:extLst>
           </a:blip>
-          <a:srcRect/>
           <a:stretch>
             <a:fillRect/>
           </a:stretch>
         </p:blipFill>
-        <p:spPr bwMode="auto">
+        <p:spPr>
           <a:xfrm>
-            <a:off x="0" y="1124744"/>
-            <a:ext cx="9144000" cy="4423943"/>
+            <a:off x="520675" y="664886"/>
+            <a:ext cx="7073127" cy="5212386"/>
           </a:xfrm>
-          <a:prstGeom prst="rect">
-            <a:avLst/>
-          </a:prstGeom>
-          <a:noFill/>
-          <a:ln>
-            <a:noFill/>
-          </a:ln>
-          <a:effectLst/>
-          <a:extLst>
-            <a:ext uri="{909E8E84-426E-40DD-AFC4-6F175D3DCCD1}">
-              <a14:hiddenFill xmlns:a14="http://schemas.microsoft.com/office/drawing/2010/main">
-                <a:solidFill>
-                  <a:schemeClr val="accent1"/>
-                </a:solidFill>
-              </a14:hiddenFill>
-            </a:ext>
-            <a:ext uri="{91240B29-F687-4F45-9708-019B960494DF}">
-              <a14:hiddenLine xmlns:a14="http://schemas.microsoft.com/office/drawing/2010/main" w="9525">
-                <a:solidFill>
-                  <a:schemeClr val="tx1"/>
-                </a:solidFill>
-                <a:miter lim="800000"/>
-                <a:headEnd/>
-                <a:tailEnd/>
-              </a14:hiddenLine>
-            </a:ext>
-            <a:ext uri="{AF507438-7753-43E0-B8FC-AC1667EBCBE1}">
-              <a14:hiddenEffects xmlns:a14="http://schemas.microsoft.com/office/drawing/2010/main">
-                <a:effectLst>
-                  <a:outerShdw dist="35921" dir="2700000" algn="ctr" rotWithShape="0">
-                    <a:schemeClr val="bg2"/>
-                  </a:outerShdw>
-                </a:effectLst>
-              </a14:hiddenEffects>
-            </a:ext>
-          </a:extLst>
         </p:spPr>
       </p:pic>
+      <p:sp>
+        <p:nvSpPr>
+          <p:cNvPr id="3" name="Tijdelijke aanduiding voor dianummer 2"/>
+          <p:cNvSpPr>
+            <a:spLocks noGrp="1"/>
+          </p:cNvSpPr>
+          <p:nvPr>
+            <p:ph type="sldNum" sz="quarter" idx="12"/>
+          </p:nvPr>
+        </p:nvSpPr>
+        <p:spPr/>
+        <p:txBody>
+          <a:bodyPr/>
+          <a:lstStyle/>
+          <a:p>
+            <a:fld id="{103368D7-ADAF-48A7-9CA7-FB18DA2AC157}" type="slidenum">
+              <a:rPr lang="nl-BE" smtClean="0"/>
+              <a:t>7</a:t>
+            </a:fld>
+            <a:endParaRPr lang="nl-BE"/>
+          </a:p>
+        </p:txBody>
+      </p:sp>
+      <p:sp>
+        <p:nvSpPr>
+          <p:cNvPr id="4" name="Titel 3"/>
+          <p:cNvSpPr>
+            <a:spLocks noGrp="1"/>
+          </p:cNvSpPr>
+          <p:nvPr>
+            <p:ph type="title"/>
+          </p:nvPr>
+        </p:nvSpPr>
+        <p:spPr>
+          <a:xfrm>
+            <a:off x="179512" y="125760"/>
+            <a:ext cx="8229600" cy="1143000"/>
+          </a:xfrm>
+        </p:spPr>
+        <p:txBody>
+          <a:bodyPr/>
+          <a:lstStyle/>
+          <a:p>
+            <a:r>
+              <a:rPr lang="nl-BE" dirty="0" smtClean="0"/>
+              <a:t>Analysis</a:t>
+            </a:r>
+            <a:endParaRPr lang="nl-BE" dirty="0"/>
+          </a:p>
+        </p:txBody>
+      </p:sp>
     </p:spTree>
     <p:extLst>
       <p:ext uri="{BB962C8B-B14F-4D97-AF65-F5344CB8AC3E}">
-        <p14:creationId xmlns:p14="http://schemas.microsoft.com/office/powerpoint/2010/main" val="65786260"/>
+        <p14:creationId xmlns:p14="http://schemas.microsoft.com/office/powerpoint/2010/main" val="1374453908"/>
       </p:ext>
     </p:extLst>
   </p:cSld>
@@ -8144,8 +8735,8 @@
           <a:lstStyle/>
           <a:p>
             <a:r>
-              <a:rPr lang="en-US" dirty="0" smtClean="0"/>
-              <a:t>System Complexity</a:t>
+              <a:rPr lang="nl-BE" dirty="0" smtClean="0"/>
+              <a:t>Analysis</a:t>
             </a:r>
             <a:endParaRPr lang="nl-BE" dirty="0"/>
           </a:p>
@@ -8153,113 +8744,37 @@
       </p:sp>
       <p:pic>
         <p:nvPicPr>
-          <p:cNvPr id="6146" name="Picture 2" descr="C:\Users\simon\Desktop\Sequence Diagram1.jpg"/>
+          <p:cNvPr id="7" name="Tijdelijke aanduiding voor inhoud 6"/>
           <p:cNvPicPr>
-            <a:picLocks noChangeAspect="1" noChangeArrowheads="1"/>
+            <a:picLocks noGrp="1" noChangeAspect="1"/>
           </p:cNvPicPr>
-          <p:nvPr/>
+          <p:nvPr>
+            <p:ph idx="1"/>
+          </p:nvPr>
         </p:nvPicPr>
         <p:blipFill>
-          <a:blip r:embed="rId3" cstate="print">
+          <a:blip r:embed="rId3">
             <a:extLst>
               <a:ext uri="{28A0092B-C50C-407E-A947-70E740481C1C}">
                 <a14:useLocalDpi xmlns:a14="http://schemas.microsoft.com/office/drawing/2010/main" val="0"/>
               </a:ext>
             </a:extLst>
           </a:blip>
-          <a:srcRect/>
           <a:stretch>
             <a:fillRect/>
           </a:stretch>
         </p:blipFill>
-        <p:spPr bwMode="auto">
+        <p:spPr>
           <a:xfrm>
-            <a:off x="3995936" y="1271416"/>
-            <a:ext cx="4032448" cy="5210311"/>
+            <a:off x="460573" y="1417638"/>
+            <a:ext cx="8573126" cy="3816424"/>
           </a:xfrm>
-          <a:prstGeom prst="rect">
-            <a:avLst/>
-          </a:prstGeom>
-          <a:noFill/>
-          <a:extLst>
-            <a:ext uri="{909E8E84-426E-40DD-AFC4-6F175D3DCCD1}">
-              <a14:hiddenFill xmlns:a14="http://schemas.microsoft.com/office/drawing/2010/main">
-                <a:solidFill>
-                  <a:srgbClr val="FFFFFF"/>
-                </a:solidFill>
-              </a14:hiddenFill>
-            </a:ext>
-          </a:extLst>
-        </p:spPr>
-      </p:pic>
-      <p:pic>
-        <p:nvPicPr>
-          <p:cNvPr id="6149" name="Picture 5"/>
-          <p:cNvPicPr>
-            <a:picLocks noChangeAspect="1" noChangeArrowheads="1"/>
-          </p:cNvPicPr>
-          <p:nvPr/>
-        </p:nvPicPr>
-        <p:blipFill>
-          <a:blip r:embed="rId4">
-            <a:extLst>
-              <a:ext uri="{28A0092B-C50C-407E-A947-70E740481C1C}">
-                <a14:useLocalDpi xmlns:a14="http://schemas.microsoft.com/office/drawing/2010/main" val="0"/>
-              </a:ext>
-            </a:extLst>
-          </a:blip>
-          <a:srcRect/>
-          <a:stretch>
-            <a:fillRect/>
-          </a:stretch>
-        </p:blipFill>
-        <p:spPr bwMode="auto">
-          <a:xfrm>
-            <a:off x="1619672" y="1988840"/>
-            <a:ext cx="1210443" cy="2905062"/>
-          </a:xfrm>
-          <a:prstGeom prst="rect">
-            <a:avLst/>
-          </a:prstGeom>
-          <a:noFill/>
-          <a:ln>
-            <a:noFill/>
-          </a:ln>
-          <a:effectLst/>
-          <a:extLst>
-            <a:ext uri="{909E8E84-426E-40DD-AFC4-6F175D3DCCD1}">
-              <a14:hiddenFill xmlns:a14="http://schemas.microsoft.com/office/drawing/2010/main">
-                <a:solidFill>
-                  <a:schemeClr val="accent1"/>
-                </a:solidFill>
-              </a14:hiddenFill>
-            </a:ext>
-            <a:ext uri="{91240B29-F687-4F45-9708-019B960494DF}">
-              <a14:hiddenLine xmlns:a14="http://schemas.microsoft.com/office/drawing/2010/main" w="9525">
-                <a:solidFill>
-                  <a:schemeClr val="tx1"/>
-                </a:solidFill>
-                <a:miter lim="800000"/>
-                <a:headEnd/>
-                <a:tailEnd/>
-              </a14:hiddenLine>
-            </a:ext>
-            <a:ext uri="{AF507438-7753-43E0-B8FC-AC1667EBCBE1}">
-              <a14:hiddenEffects xmlns:a14="http://schemas.microsoft.com/office/drawing/2010/main">
-                <a:effectLst>
-                  <a:outerShdw dist="35921" dir="2700000" algn="ctr" rotWithShape="0">
-                    <a:schemeClr val="bg2"/>
-                  </a:outerShdw>
-                </a:effectLst>
-              </a14:hiddenEffects>
-            </a:ext>
-          </a:extLst>
         </p:spPr>
       </p:pic>
     </p:spTree>
     <p:extLst>
       <p:ext uri="{BB962C8B-B14F-4D97-AF65-F5344CB8AC3E}">
-        <p14:creationId xmlns:p14="http://schemas.microsoft.com/office/powerpoint/2010/main" val="920012500"/>
+        <p14:creationId xmlns:p14="http://schemas.microsoft.com/office/powerpoint/2010/main" val="2432884355"/>
       </p:ext>
     </p:extLst>
   </p:cSld>
@@ -8293,47 +8808,35 @@
           <a:chExt cx="0" cy="0"/>
         </a:xfrm>
       </p:grpSpPr>
-      <p:sp>
-        <p:nvSpPr>
-          <p:cNvPr id="2" name="Tijdelijke aanduiding voor inhoud 1"/>
-          <p:cNvSpPr>
-            <a:spLocks noGrp="1"/>
-          </p:cNvSpPr>
+      <p:pic>
+        <p:nvPicPr>
+          <p:cNvPr id="5" name="Tijdelijke aanduiding voor inhoud 4"/>
+          <p:cNvPicPr>
+            <a:picLocks noGrp="1" noChangeAspect="1"/>
+          </p:cNvPicPr>
           <p:nvPr>
             <p:ph idx="1"/>
           </p:nvPr>
-        </p:nvSpPr>
-        <p:spPr/>
-        <p:txBody>
-          <a:bodyPr/>
-          <a:lstStyle/>
-          <a:p>
-            <a:r>
-              <a:rPr lang="en-US" dirty="0" smtClean="0"/>
-              <a:t>Generator interface</a:t>
-            </a:r>
-          </a:p>
-          <a:p>
-            <a:r>
-              <a:rPr lang="en-US" dirty="0" smtClean="0"/>
-              <a:t>Shapes</a:t>
-            </a:r>
-          </a:p>
-          <a:p>
-            <a:r>
-              <a:rPr lang="en-US" dirty="0" err="1" smtClean="0"/>
-              <a:t>Util</a:t>
-            </a:r>
-            <a:r>
-              <a:rPr lang="en-US" dirty="0" smtClean="0"/>
-              <a:t> class</a:t>
-            </a:r>
-          </a:p>
-          <a:p>
-            <a:endParaRPr lang="nl-BE" dirty="0"/>
-          </a:p>
-        </p:txBody>
-      </p:sp>
+        </p:nvPicPr>
+        <p:blipFill>
+          <a:blip r:embed="rId3">
+            <a:extLst>
+              <a:ext uri="{28A0092B-C50C-407E-A947-70E740481C1C}">
+                <a14:useLocalDpi xmlns:a14="http://schemas.microsoft.com/office/drawing/2010/main" val="0"/>
+              </a:ext>
+            </a:extLst>
+          </a:blip>
+          <a:stretch>
+            <a:fillRect/>
+          </a:stretch>
+        </p:blipFill>
+        <p:spPr>
+          <a:xfrm>
+            <a:off x="471794" y="1268760"/>
+            <a:ext cx="8487483" cy="3888432"/>
+          </a:xfrm>
+        </p:spPr>
+      </p:pic>
       <p:sp>
         <p:nvSpPr>
           <p:cNvPr id="3" name="Tijdelijke aanduiding voor dianummer 2"/>
@@ -8373,8 +8876,8 @@
           <a:lstStyle/>
           <a:p>
             <a:r>
-              <a:rPr lang="en-US" dirty="0" smtClean="0"/>
-              <a:t>General Decisions</a:t>
+              <a:rPr lang="nl-BE" dirty="0" smtClean="0"/>
+              <a:t>Analysis</a:t>
             </a:r>
             <a:endParaRPr lang="nl-BE" dirty="0"/>
           </a:p>
@@ -8383,7 +8886,7 @@
     </p:spTree>
     <p:extLst>
       <p:ext uri="{BB962C8B-B14F-4D97-AF65-F5344CB8AC3E}">
-        <p14:creationId xmlns:p14="http://schemas.microsoft.com/office/powerpoint/2010/main" val="52484487"/>
+        <p14:creationId xmlns:p14="http://schemas.microsoft.com/office/powerpoint/2010/main" val="846949733"/>
       </p:ext>
     </p:extLst>
   </p:cSld>
